--- a/Presentations/AI Dynamic Programming.pptx
+++ b/Presentations/AI Dynamic Programming.pptx
@@ -3094,11 +3094,7 @@
           <a:p>
             <a:r>
               <a:rPr lang="en-US" dirty="0" smtClean="0"/>
-              <a:t>Introduction to </a:t>
-            </a:r>
-            <a:r>
-              <a:rPr lang="en-US" dirty="0" smtClean="0"/>
-              <a:t>Dynamic Programming</a:t>
+              <a:t>Introduction to Dynamic Programming</a:t>
             </a:r>
             <a:r>
               <a:rPr lang="en-US" dirty="0"/>
@@ -4718,14 +4714,14 @@
           <p:nvPr>
             <p:extLst>
               <p:ext uri="{D42A27DB-BD31-4B8C-83A1-F6EECF244321}">
-                <p14:modId xmlns:p14="http://schemas.microsoft.com/office/powerpoint/2010/main" val="3353062977"/>
+                <p14:modId xmlns:p14="http://schemas.microsoft.com/office/powerpoint/2010/main" val="3212462636"/>
               </p:ext>
             </p:extLst>
           </p:nvPr>
         </p:nvGraphicFramePr>
         <p:xfrm>
           <a:off x="1974888" y="5501640"/>
-          <a:ext cx="3467100" cy="731520"/>
+          <a:ext cx="3467100" cy="1097280"/>
         </p:xfrm>
         <a:graphic>
           <a:graphicData uri="http://schemas.openxmlformats.org/drawingml/2006/table">
@@ -4797,6 +4793,40 @@
                   <a:tcPr/>
                 </a:tc>
               </a:tr>
+              <a:tr h="365760">
+                <a:tc>
+                  <a:txBody>
+                    <a:bodyPr/>
+                    <a:lstStyle/>
+                    <a:p>
+                      <a:r>
+                        <a:rPr lang="en-US" dirty="0" smtClean="0"/>
+                        <a:t>.23</a:t>
+                      </a:r>
+                      <a:endParaRPr lang="en-US" dirty="0"/>
+                    </a:p>
+                  </a:txBody>
+                  <a:tcPr/>
+                </a:tc>
+                <a:tc>
+                  <a:txBody>
+                    <a:bodyPr/>
+                    <a:lstStyle/>
+                    <a:p>
+                      <a:r>
+                        <a:rPr lang="en-US" dirty="0" smtClean="0"/>
+                        <a:t>[15,</a:t>
+                      </a:r>
+                      <a:r>
+                        <a:rPr lang="en-US" baseline="0" dirty="0" smtClean="0"/>
+                        <a:t> 4, 4]</a:t>
+                      </a:r>
+                      <a:endParaRPr lang="en-US" dirty="0"/>
+                    </a:p>
+                  </a:txBody>
+                  <a:tcPr/>
+                </a:tc>
+              </a:tr>
             </a:tbl>
           </a:graphicData>
         </a:graphic>
@@ -5259,6 +5289,42 @@
           </a:p>
         </p:txBody>
       </p:sp>
+      <p:cxnSp>
+        <p:nvCxnSpPr>
+          <p:cNvPr id="40" name="Straight Arrow Connector 39"/>
+          <p:cNvCxnSpPr/>
+          <p:nvPr/>
+        </p:nvCxnSpPr>
+        <p:spPr>
+          <a:xfrm flipH="1">
+            <a:off x="5478221" y="6419109"/>
+            <a:ext cx="1663634" cy="0"/>
+          </a:xfrm>
+          <a:prstGeom prst="straightConnector1">
+            <a:avLst/>
+          </a:prstGeom>
+          <a:ln w="25400">
+            <a:solidFill>
+              <a:schemeClr val="tx1"/>
+            </a:solidFill>
+            <a:tailEnd type="arrow"/>
+          </a:ln>
+        </p:spPr>
+        <p:style>
+          <a:lnRef idx="1">
+            <a:schemeClr val="accent1"/>
+          </a:lnRef>
+          <a:fillRef idx="0">
+            <a:schemeClr val="accent1"/>
+          </a:fillRef>
+          <a:effectRef idx="0">
+            <a:schemeClr val="accent1"/>
+          </a:effectRef>
+          <a:fontRef idx="minor">
+            <a:schemeClr val="tx1"/>
+          </a:fontRef>
+        </p:style>
+      </p:cxnSp>
     </p:spTree>
     <p:extLst>
       <p:ext uri="{BB962C8B-B14F-4D97-AF65-F5344CB8AC3E}">
@@ -5597,14 +5663,14 @@
               <a:t>Solve </a:t>
             </a:r>
             <a:r>
-              <a:rPr lang="en-US" sz="2800" b="1" dirty="0" err="1" smtClean="0">
+              <a:rPr lang="en-US" sz="2800" b="1" dirty="0" smtClean="0">
                 <a:solidFill>
                   <a:schemeClr val="tx2">
                     <a:lumMod val="75000"/>
                   </a:schemeClr>
                 </a:solidFill>
               </a:rPr>
-              <a:t>subproblems</a:t>
+              <a:t>sub-problems</a:t>
             </a:r>
             <a:r>
               <a:rPr lang="en-US" sz="2800" b="1" dirty="0" smtClean="0">

--- a/Presentations/AI Dynamic Programming.pptx
+++ b/Presentations/AI Dynamic Programming.pptx
@@ -17,6 +17,11 @@
     <p:sldId id="265" r:id="rId11"/>
     <p:sldId id="266" r:id="rId12"/>
     <p:sldId id="267" r:id="rId13"/>
+    <p:sldId id="269" r:id="rId14"/>
+    <p:sldId id="270" r:id="rId15"/>
+    <p:sldId id="271" r:id="rId16"/>
+    <p:sldId id="272" r:id="rId17"/>
+    <p:sldId id="268" r:id="rId18"/>
   </p:sldIdLst>
   <p:sldSz cx="9144000" cy="6858000" type="screen4x3"/>
   <p:notesSz cx="6858000" cy="9144000"/>
@@ -300,7 +305,7 @@
             <a:fld id="{1D8BD707-D9CF-40AE-B4C6-C98DA3205C09}" type="datetimeFigureOut">
               <a:rPr lang="en-US" smtClean="0"/>
               <a:pPr/>
-              <a:t>6/14/2017</a:t>
+              <a:t>6/15/2017</a:t>
             </a:fld>
             <a:endParaRPr lang="en-US"/>
           </a:p>
@@ -467,7 +472,7 @@
             <a:fld id="{1D8BD707-D9CF-40AE-B4C6-C98DA3205C09}" type="datetimeFigureOut">
               <a:rPr lang="en-US" smtClean="0"/>
               <a:pPr/>
-              <a:t>6/14/2017</a:t>
+              <a:t>6/15/2017</a:t>
             </a:fld>
             <a:endParaRPr lang="en-US"/>
           </a:p>
@@ -644,7 +649,7 @@
             <a:fld id="{1D8BD707-D9CF-40AE-B4C6-C98DA3205C09}" type="datetimeFigureOut">
               <a:rPr lang="en-US" smtClean="0"/>
               <a:pPr/>
-              <a:t>6/14/2017</a:t>
+              <a:t>6/15/2017</a:t>
             </a:fld>
             <a:endParaRPr lang="en-US"/>
           </a:p>
@@ -811,7 +816,7 @@
             <a:fld id="{1D8BD707-D9CF-40AE-B4C6-C98DA3205C09}" type="datetimeFigureOut">
               <a:rPr lang="en-US" smtClean="0"/>
               <a:pPr/>
-              <a:t>6/14/2017</a:t>
+              <a:t>6/15/2017</a:t>
             </a:fld>
             <a:endParaRPr lang="en-US"/>
           </a:p>
@@ -1054,7 +1059,7 @@
             <a:fld id="{1D8BD707-D9CF-40AE-B4C6-C98DA3205C09}" type="datetimeFigureOut">
               <a:rPr lang="en-US" smtClean="0"/>
               <a:pPr/>
-              <a:t>6/14/2017</a:t>
+              <a:t>6/15/2017</a:t>
             </a:fld>
             <a:endParaRPr lang="en-US"/>
           </a:p>
@@ -1339,7 +1344,7 @@
             <a:fld id="{1D8BD707-D9CF-40AE-B4C6-C98DA3205C09}" type="datetimeFigureOut">
               <a:rPr lang="en-US" smtClean="0"/>
               <a:pPr/>
-              <a:t>6/14/2017</a:t>
+              <a:t>6/15/2017</a:t>
             </a:fld>
             <a:endParaRPr lang="en-US"/>
           </a:p>
@@ -1758,7 +1763,7 @@
             <a:fld id="{1D8BD707-D9CF-40AE-B4C6-C98DA3205C09}" type="datetimeFigureOut">
               <a:rPr lang="en-US" smtClean="0"/>
               <a:pPr/>
-              <a:t>6/14/2017</a:t>
+              <a:t>6/15/2017</a:t>
             </a:fld>
             <a:endParaRPr lang="en-US"/>
           </a:p>
@@ -1873,7 +1878,7 @@
             <a:fld id="{1D8BD707-D9CF-40AE-B4C6-C98DA3205C09}" type="datetimeFigureOut">
               <a:rPr lang="en-US" smtClean="0"/>
               <a:pPr/>
-              <a:t>6/14/2017</a:t>
+              <a:t>6/15/2017</a:t>
             </a:fld>
             <a:endParaRPr lang="en-US"/>
           </a:p>
@@ -1965,7 +1970,7 @@
             <a:fld id="{1D8BD707-D9CF-40AE-B4C6-C98DA3205C09}" type="datetimeFigureOut">
               <a:rPr lang="en-US" smtClean="0"/>
               <a:pPr/>
-              <a:t>6/14/2017</a:t>
+              <a:t>6/15/2017</a:t>
             </a:fld>
             <a:endParaRPr lang="en-US"/>
           </a:p>
@@ -2239,7 +2244,7 @@
             <a:fld id="{1D8BD707-D9CF-40AE-B4C6-C98DA3205C09}" type="datetimeFigureOut">
               <a:rPr lang="en-US" smtClean="0"/>
               <a:pPr/>
-              <a:t>6/14/2017</a:t>
+              <a:t>6/15/2017</a:t>
             </a:fld>
             <a:endParaRPr lang="en-US"/>
           </a:p>
@@ -2489,7 +2494,7 @@
             <a:fld id="{1D8BD707-D9CF-40AE-B4C6-C98DA3205C09}" type="datetimeFigureOut">
               <a:rPr lang="en-US" smtClean="0"/>
               <a:pPr/>
-              <a:t>6/14/2017</a:t>
+              <a:t>6/15/2017</a:t>
             </a:fld>
             <a:endParaRPr lang="en-US"/>
           </a:p>
@@ -2699,7 +2704,7 @@
             <a:fld id="{1D8BD707-D9CF-40AE-B4C6-C98DA3205C09}" type="datetimeFigureOut">
               <a:rPr lang="en-US" smtClean="0"/>
               <a:pPr/>
-              <a:t>6/14/2017</a:t>
+              <a:t>6/15/2017</a:t>
             </a:fld>
             <a:endParaRPr lang="en-US"/>
           </a:p>
@@ -5393,6 +5398,5251 @@
                   </a:schemeClr>
                 </a:solidFill>
               </a:rPr>
+              <a:t>Advanced – Initial Solution Space</a:t>
+            </a:r>
+            <a:endParaRPr lang="en-US" sz="4000" dirty="0">
+              <a:solidFill>
+                <a:schemeClr val="accent1">
+                  <a:lumMod val="75000"/>
+                </a:schemeClr>
+              </a:solidFill>
+            </a:endParaRPr>
+          </a:p>
+        </p:txBody>
+      </p:sp>
+      <p:cxnSp>
+        <p:nvCxnSpPr>
+          <p:cNvPr id="5" name="Straight Connector 4"/>
+          <p:cNvCxnSpPr/>
+          <p:nvPr/>
+        </p:nvCxnSpPr>
+        <p:spPr>
+          <a:xfrm>
+            <a:off x="0" y="990600"/>
+            <a:ext cx="9144000" cy="0"/>
+          </a:xfrm>
+          <a:prstGeom prst="line">
+            <a:avLst/>
+          </a:prstGeom>
+          <a:ln w="19050"/>
+        </p:spPr>
+        <p:style>
+          <a:lnRef idx="1">
+            <a:schemeClr val="accent1"/>
+          </a:lnRef>
+          <a:fillRef idx="0">
+            <a:schemeClr val="accent1"/>
+          </a:fillRef>
+          <a:effectRef idx="0">
+            <a:schemeClr val="accent1"/>
+          </a:effectRef>
+          <a:fontRef idx="minor">
+            <a:schemeClr val="tx1"/>
+          </a:fontRef>
+        </p:style>
+      </p:cxnSp>
+      <p:sp>
+        <p:nvSpPr>
+          <p:cNvPr id="6" name="Dodecagon 5"/>
+          <p:cNvSpPr/>
+          <p:nvPr/>
+        </p:nvSpPr>
+        <p:spPr>
+          <a:xfrm>
+            <a:off x="1252368" y="3192685"/>
+            <a:ext cx="838200" cy="762000"/>
+          </a:xfrm>
+          <a:prstGeom prst="dodecagon">
+            <a:avLst/>
+          </a:prstGeom>
+        </p:spPr>
+        <p:style>
+          <a:lnRef idx="2">
+            <a:schemeClr val="accent1">
+              <a:shade val="50000"/>
+            </a:schemeClr>
+          </a:lnRef>
+          <a:fillRef idx="1">
+            <a:schemeClr val="accent1"/>
+          </a:fillRef>
+          <a:effectRef idx="0">
+            <a:schemeClr val="accent1"/>
+          </a:effectRef>
+          <a:fontRef idx="minor">
+            <a:schemeClr val="lt1"/>
+          </a:fontRef>
+        </p:style>
+        <p:txBody>
+          <a:bodyPr rtlCol="0" anchor="ctr"/>
+          <a:lstStyle/>
+          <a:p>
+            <a:pPr algn="ctr"/>
+            <a:r>
+              <a:rPr lang="en-US" dirty="0" smtClean="0"/>
+              <a:t>1</a:t>
+            </a:r>
+            <a:endParaRPr lang="en-US" dirty="0"/>
+          </a:p>
+        </p:txBody>
+      </p:sp>
+      <p:sp>
+        <p:nvSpPr>
+          <p:cNvPr id="7" name="Dodecagon 6"/>
+          <p:cNvSpPr/>
+          <p:nvPr/>
+        </p:nvSpPr>
+        <p:spPr>
+          <a:xfrm>
+            <a:off x="3970168" y="3129185"/>
+            <a:ext cx="838200" cy="762000"/>
+          </a:xfrm>
+          <a:prstGeom prst="dodecagon">
+            <a:avLst/>
+          </a:prstGeom>
+        </p:spPr>
+        <p:style>
+          <a:lnRef idx="2">
+            <a:schemeClr val="accent1">
+              <a:shade val="50000"/>
+            </a:schemeClr>
+          </a:lnRef>
+          <a:fillRef idx="1">
+            <a:schemeClr val="accent1"/>
+          </a:fillRef>
+          <a:effectRef idx="0">
+            <a:schemeClr val="accent1"/>
+          </a:effectRef>
+          <a:fontRef idx="minor">
+            <a:schemeClr val="lt1"/>
+          </a:fontRef>
+        </p:style>
+        <p:txBody>
+          <a:bodyPr rtlCol="0" anchor="ctr"/>
+          <a:lstStyle/>
+          <a:p>
+            <a:pPr algn="ctr"/>
+            <a:r>
+              <a:rPr lang="en-US" dirty="0" smtClean="0"/>
+              <a:t>4</a:t>
+            </a:r>
+            <a:endParaRPr lang="en-US" dirty="0"/>
+          </a:p>
+        </p:txBody>
+      </p:sp>
+      <p:sp>
+        <p:nvSpPr>
+          <p:cNvPr id="8" name="Dodecagon 7"/>
+          <p:cNvSpPr/>
+          <p:nvPr/>
+        </p:nvSpPr>
+        <p:spPr>
+          <a:xfrm>
+            <a:off x="6662568" y="3192685"/>
+            <a:ext cx="838200" cy="762000"/>
+          </a:xfrm>
+          <a:prstGeom prst="dodecagon">
+            <a:avLst/>
+          </a:prstGeom>
+        </p:spPr>
+        <p:style>
+          <a:lnRef idx="2">
+            <a:schemeClr val="accent1">
+              <a:shade val="50000"/>
+            </a:schemeClr>
+          </a:lnRef>
+          <a:fillRef idx="1">
+            <a:schemeClr val="accent1"/>
+          </a:fillRef>
+          <a:effectRef idx="0">
+            <a:schemeClr val="accent1"/>
+          </a:effectRef>
+          <a:fontRef idx="minor">
+            <a:schemeClr val="lt1"/>
+          </a:fontRef>
+        </p:style>
+        <p:txBody>
+          <a:bodyPr rtlCol="0" anchor="ctr"/>
+          <a:lstStyle/>
+          <a:p>
+            <a:pPr algn="ctr"/>
+            <a:r>
+              <a:rPr lang="en-US" dirty="0" smtClean="0"/>
+              <a:t>5</a:t>
+            </a:r>
+            <a:endParaRPr lang="en-US" dirty="0"/>
+          </a:p>
+        </p:txBody>
+      </p:sp>
+      <p:sp>
+        <p:nvSpPr>
+          <p:cNvPr id="9" name="Dodecagon 8"/>
+          <p:cNvSpPr/>
+          <p:nvPr/>
+        </p:nvSpPr>
+        <p:spPr>
+          <a:xfrm>
+            <a:off x="3970168" y="1694085"/>
+            <a:ext cx="838200" cy="762000"/>
+          </a:xfrm>
+          <a:prstGeom prst="dodecagon">
+            <a:avLst/>
+          </a:prstGeom>
+        </p:spPr>
+        <p:style>
+          <a:lnRef idx="2">
+            <a:schemeClr val="accent1">
+              <a:shade val="50000"/>
+            </a:schemeClr>
+          </a:lnRef>
+          <a:fillRef idx="1">
+            <a:schemeClr val="accent1"/>
+          </a:fillRef>
+          <a:effectRef idx="0">
+            <a:schemeClr val="accent1"/>
+          </a:effectRef>
+          <a:fontRef idx="minor">
+            <a:schemeClr val="lt1"/>
+          </a:fontRef>
+        </p:style>
+        <p:txBody>
+          <a:bodyPr rtlCol="0" anchor="ctr"/>
+          <a:lstStyle/>
+          <a:p>
+            <a:pPr algn="ctr"/>
+            <a:endParaRPr lang="en-US" dirty="0"/>
+          </a:p>
+        </p:txBody>
+      </p:sp>
+      <p:sp>
+        <p:nvSpPr>
+          <p:cNvPr id="11" name="Rectangle 10"/>
+          <p:cNvSpPr/>
+          <p:nvPr/>
+        </p:nvSpPr>
+        <p:spPr>
+          <a:xfrm>
+            <a:off x="2838363" y="1243074"/>
+            <a:ext cx="3269036" cy="369332"/>
+          </a:xfrm>
+          <a:prstGeom prst="rect">
+            <a:avLst/>
+          </a:prstGeom>
+        </p:spPr>
+        <p:txBody>
+          <a:bodyPr wrap="none">
+            <a:spAutoFit/>
+          </a:bodyPr>
+          <a:lstStyle/>
+          <a:p>
+            <a:r>
+              <a:rPr lang="en-US" b="1" dirty="0" smtClean="0">
+                <a:solidFill>
+                  <a:schemeClr val="accent3">
+                    <a:lumMod val="50000"/>
+                  </a:schemeClr>
+                </a:solidFill>
+              </a:rPr>
+              <a:t>coins = BFS( $.08, [ 15, 5, 4, 1 ] ) </a:t>
+            </a:r>
+            <a:endParaRPr lang="en-US" dirty="0"/>
+          </a:p>
+        </p:txBody>
+      </p:sp>
+      <p:cxnSp>
+        <p:nvCxnSpPr>
+          <p:cNvPr id="12" name="Straight Arrow Connector 11"/>
+          <p:cNvCxnSpPr/>
+          <p:nvPr/>
+        </p:nvCxnSpPr>
+        <p:spPr>
+          <a:xfrm flipH="1">
+            <a:off x="1978265" y="2456085"/>
+            <a:ext cx="2298700" cy="838694"/>
+          </a:xfrm>
+          <a:prstGeom prst="straightConnector1">
+            <a:avLst/>
+          </a:prstGeom>
+          <a:ln w="25400">
+            <a:solidFill>
+              <a:schemeClr val="tx1"/>
+            </a:solidFill>
+            <a:tailEnd type="arrow"/>
+          </a:ln>
+        </p:spPr>
+        <p:style>
+          <a:lnRef idx="1">
+            <a:schemeClr val="accent1"/>
+          </a:lnRef>
+          <a:fillRef idx="0">
+            <a:schemeClr val="accent1"/>
+          </a:fillRef>
+          <a:effectRef idx="0">
+            <a:schemeClr val="accent1"/>
+          </a:effectRef>
+          <a:fontRef idx="minor">
+            <a:schemeClr val="tx1"/>
+          </a:fontRef>
+        </p:style>
+      </p:cxnSp>
+      <p:cxnSp>
+        <p:nvCxnSpPr>
+          <p:cNvPr id="13" name="Straight Arrow Connector 12"/>
+          <p:cNvCxnSpPr/>
+          <p:nvPr/>
+        </p:nvCxnSpPr>
+        <p:spPr>
+          <a:xfrm flipH="1">
+            <a:off x="4389268" y="2456085"/>
+            <a:ext cx="1" cy="609600"/>
+          </a:xfrm>
+          <a:prstGeom prst="straightConnector1">
+            <a:avLst/>
+          </a:prstGeom>
+          <a:ln w="25400">
+            <a:solidFill>
+              <a:schemeClr val="tx1"/>
+            </a:solidFill>
+            <a:tailEnd type="arrow"/>
+          </a:ln>
+        </p:spPr>
+        <p:style>
+          <a:lnRef idx="1">
+            <a:schemeClr val="accent1"/>
+          </a:lnRef>
+          <a:fillRef idx="0">
+            <a:schemeClr val="accent1"/>
+          </a:fillRef>
+          <a:effectRef idx="0">
+            <a:schemeClr val="accent1"/>
+          </a:effectRef>
+          <a:fontRef idx="minor">
+            <a:schemeClr val="tx1"/>
+          </a:fontRef>
+        </p:style>
+      </p:cxnSp>
+      <p:cxnSp>
+        <p:nvCxnSpPr>
+          <p:cNvPr id="14" name="Straight Arrow Connector 13"/>
+          <p:cNvCxnSpPr/>
+          <p:nvPr/>
+        </p:nvCxnSpPr>
+        <p:spPr>
+          <a:xfrm>
+            <a:off x="4539672" y="2456085"/>
+            <a:ext cx="2122896" cy="1015506"/>
+          </a:xfrm>
+          <a:prstGeom prst="straightConnector1">
+            <a:avLst/>
+          </a:prstGeom>
+          <a:ln w="25400">
+            <a:solidFill>
+              <a:schemeClr val="tx1"/>
+            </a:solidFill>
+            <a:tailEnd type="arrow"/>
+          </a:ln>
+        </p:spPr>
+        <p:style>
+          <a:lnRef idx="1">
+            <a:schemeClr val="accent1"/>
+          </a:lnRef>
+          <a:fillRef idx="0">
+            <a:schemeClr val="accent1"/>
+          </a:fillRef>
+          <a:effectRef idx="0">
+            <a:schemeClr val="accent1"/>
+          </a:effectRef>
+          <a:fontRef idx="minor">
+            <a:schemeClr val="tx1"/>
+          </a:fontRef>
+        </p:style>
+      </p:cxnSp>
+      <p:sp>
+        <p:nvSpPr>
+          <p:cNvPr id="15" name="TextBox 14"/>
+          <p:cNvSpPr txBox="1"/>
+          <p:nvPr/>
+        </p:nvSpPr>
+        <p:spPr>
+          <a:xfrm rot="20446796">
+            <a:off x="2013002" y="2690766"/>
+            <a:ext cx="934871" cy="369332"/>
+          </a:xfrm>
+          <a:prstGeom prst="rect">
+            <a:avLst/>
+          </a:prstGeom>
+          <a:noFill/>
+        </p:spPr>
+        <p:txBody>
+          <a:bodyPr wrap="none" rtlCol="0">
+            <a:spAutoFit/>
+          </a:bodyPr>
+          <a:lstStyle/>
+          <a:p>
+            <a:r>
+              <a:rPr lang="en-US" dirty="0" smtClean="0"/>
+              <a:t>sum = 1</a:t>
+            </a:r>
+            <a:endParaRPr lang="en-US" dirty="0"/>
+          </a:p>
+        </p:txBody>
+      </p:sp>
+      <p:sp>
+        <p:nvSpPr>
+          <p:cNvPr id="16" name="TextBox 15"/>
+          <p:cNvSpPr txBox="1"/>
+          <p:nvPr/>
+        </p:nvSpPr>
+        <p:spPr>
+          <a:xfrm rot="1327745">
+            <a:off x="5742733" y="2881019"/>
+            <a:ext cx="934871" cy="369332"/>
+          </a:xfrm>
+          <a:prstGeom prst="rect">
+            <a:avLst/>
+          </a:prstGeom>
+          <a:noFill/>
+        </p:spPr>
+        <p:txBody>
+          <a:bodyPr wrap="none" rtlCol="0">
+            <a:spAutoFit/>
+          </a:bodyPr>
+          <a:lstStyle/>
+          <a:p>
+            <a:r>
+              <a:rPr lang="en-US" dirty="0" smtClean="0"/>
+              <a:t>sum = 5</a:t>
+            </a:r>
+            <a:endParaRPr lang="en-US" dirty="0"/>
+          </a:p>
+        </p:txBody>
+      </p:sp>
+      <p:sp>
+        <p:nvSpPr>
+          <p:cNvPr id="17" name="TextBox 16"/>
+          <p:cNvSpPr txBox="1"/>
+          <p:nvPr/>
+        </p:nvSpPr>
+        <p:spPr>
+          <a:xfrm>
+            <a:off x="3470428" y="2760885"/>
+            <a:ext cx="918841" cy="369332"/>
+          </a:xfrm>
+          <a:prstGeom prst="rect">
+            <a:avLst/>
+          </a:prstGeom>
+          <a:noFill/>
+        </p:spPr>
+        <p:txBody>
+          <a:bodyPr wrap="none" rtlCol="0">
+            <a:spAutoFit/>
+          </a:bodyPr>
+          <a:lstStyle/>
+          <a:p>
+            <a:r>
+              <a:rPr lang="en-US" dirty="0"/>
+              <a:t>s</a:t>
+            </a:r>
+            <a:r>
+              <a:rPr lang="en-US" dirty="0" smtClean="0"/>
+              <a:t>um = 4</a:t>
+            </a:r>
+            <a:endParaRPr lang="en-US" dirty="0"/>
+          </a:p>
+        </p:txBody>
+      </p:sp>
+      <p:graphicFrame>
+        <p:nvGraphicFramePr>
+          <p:cNvPr id="18" name="Table 17"/>
+          <p:cNvGraphicFramePr>
+            <a:graphicFrameLocks noGrp="1"/>
+          </p:cNvGraphicFramePr>
+          <p:nvPr>
+            <p:extLst>
+              <p:ext uri="{D42A27DB-BD31-4B8C-83A1-F6EECF244321}">
+                <p14:modId xmlns:p14="http://schemas.microsoft.com/office/powerpoint/2010/main" val="2721964230"/>
+              </p:ext>
+            </p:extLst>
+          </p:nvPr>
+        </p:nvGraphicFramePr>
+        <p:xfrm>
+          <a:off x="2665699" y="4343400"/>
+          <a:ext cx="3467100" cy="1478280"/>
+        </p:xfrm>
+        <a:graphic>
+          <a:graphicData uri="http://schemas.openxmlformats.org/drawingml/2006/table">
+            <a:tbl>
+              <a:tblPr firstRow="1" bandRow="1">
+                <a:tableStyleId>{5C22544A-7EE6-4342-B048-85BDC9FD1C3A}</a:tableStyleId>
+              </a:tblPr>
+              <a:tblGrid>
+                <a:gridCol w="1785818"/>
+                <a:gridCol w="1681282"/>
+              </a:tblGrid>
+              <a:tr h="381000">
+                <a:tc>
+                  <a:txBody>
+                    <a:bodyPr/>
+                    <a:lstStyle/>
+                    <a:p>
+                      <a:r>
+                        <a:rPr lang="en-US" dirty="0" smtClean="0"/>
+                        <a:t>Dollar Amount</a:t>
+                      </a:r>
+                      <a:endParaRPr lang="en-US" dirty="0"/>
+                    </a:p>
+                  </a:txBody>
+                  <a:tcPr/>
+                </a:tc>
+                <a:tc>
+                  <a:txBody>
+                    <a:bodyPr/>
+                    <a:lstStyle/>
+                    <a:p>
+                      <a:r>
+                        <a:rPr lang="en-US" dirty="0" smtClean="0"/>
+                        <a:t>Coins</a:t>
+                      </a:r>
+                      <a:endParaRPr lang="en-US" dirty="0"/>
+                    </a:p>
+                  </a:txBody>
+                  <a:tcPr/>
+                </a:tc>
+              </a:tr>
+              <a:tr h="365760">
+                <a:tc>
+                  <a:txBody>
+                    <a:bodyPr/>
+                    <a:lstStyle/>
+                    <a:p>
+                      <a:r>
+                        <a:rPr lang="en-US" dirty="0" smtClean="0"/>
+                        <a:t>.</a:t>
+                      </a:r>
+                      <a:r>
+                        <a:rPr lang="en-US" dirty="0" smtClean="0"/>
+                        <a:t>01</a:t>
+                      </a:r>
+                      <a:endParaRPr lang="en-US" dirty="0"/>
+                    </a:p>
+                  </a:txBody>
+                  <a:tcPr/>
+                </a:tc>
+                <a:tc>
+                  <a:txBody>
+                    <a:bodyPr/>
+                    <a:lstStyle/>
+                    <a:p>
+                      <a:r>
+                        <a:rPr lang="en-US" dirty="0" smtClean="0"/>
+                        <a:t>[ </a:t>
+                      </a:r>
+                      <a:r>
+                        <a:rPr lang="en-US" dirty="0" smtClean="0"/>
+                        <a:t>1 </a:t>
+                      </a:r>
+                      <a:r>
+                        <a:rPr lang="en-US" dirty="0" smtClean="0"/>
+                        <a:t>]</a:t>
+                      </a:r>
+                      <a:endParaRPr lang="en-US" dirty="0"/>
+                    </a:p>
+                  </a:txBody>
+                  <a:tcPr/>
+                </a:tc>
+              </a:tr>
+              <a:tr h="365760">
+                <a:tc>
+                  <a:txBody>
+                    <a:bodyPr/>
+                    <a:lstStyle/>
+                    <a:p>
+                      <a:r>
+                        <a:rPr lang="en-US" dirty="0" smtClean="0"/>
+                        <a:t>.04</a:t>
+                      </a:r>
+                      <a:endParaRPr lang="en-US" dirty="0"/>
+                    </a:p>
+                  </a:txBody>
+                  <a:tcPr/>
+                </a:tc>
+                <a:tc>
+                  <a:txBody>
+                    <a:bodyPr/>
+                    <a:lstStyle/>
+                    <a:p>
+                      <a:r>
+                        <a:rPr lang="en-US" dirty="0" smtClean="0"/>
+                        <a:t>[ </a:t>
+                      </a:r>
+                      <a:r>
+                        <a:rPr lang="en-US" baseline="0" dirty="0" smtClean="0"/>
+                        <a:t>4 ]</a:t>
+                      </a:r>
+                      <a:endParaRPr lang="en-US" dirty="0"/>
+                    </a:p>
+                  </a:txBody>
+                  <a:tcPr/>
+                </a:tc>
+              </a:tr>
+              <a:tr h="365760">
+                <a:tc>
+                  <a:txBody>
+                    <a:bodyPr/>
+                    <a:lstStyle/>
+                    <a:p>
+                      <a:r>
+                        <a:rPr lang="en-US" dirty="0" smtClean="0"/>
+                        <a:t>.05</a:t>
+                      </a:r>
+                      <a:endParaRPr lang="en-US" dirty="0"/>
+                    </a:p>
+                  </a:txBody>
+                  <a:tcPr/>
+                </a:tc>
+                <a:tc>
+                  <a:txBody>
+                    <a:bodyPr/>
+                    <a:lstStyle/>
+                    <a:p>
+                      <a:r>
+                        <a:rPr lang="en-US" dirty="0" smtClean="0"/>
+                        <a:t>[ 5 ]</a:t>
+                      </a:r>
+                      <a:endParaRPr lang="en-US" dirty="0"/>
+                    </a:p>
+                  </a:txBody>
+                  <a:tcPr/>
+                </a:tc>
+              </a:tr>
+            </a:tbl>
+          </a:graphicData>
+        </a:graphic>
+      </p:graphicFrame>
+      <p:sp>
+        <p:nvSpPr>
+          <p:cNvPr id="3" name="TextBox 2"/>
+          <p:cNvSpPr txBox="1"/>
+          <p:nvPr/>
+        </p:nvSpPr>
+        <p:spPr>
+          <a:xfrm>
+            <a:off x="533400" y="4800600"/>
+            <a:ext cx="1361976" cy="584775"/>
+          </a:xfrm>
+          <a:prstGeom prst="rect">
+            <a:avLst/>
+          </a:prstGeom>
+          <a:noFill/>
+        </p:spPr>
+        <p:txBody>
+          <a:bodyPr wrap="none" rtlCol="0">
+            <a:spAutoFit/>
+          </a:bodyPr>
+          <a:lstStyle/>
+          <a:p>
+            <a:r>
+              <a:rPr lang="en-US" sz="1600" dirty="0" smtClean="0"/>
+              <a:t>Initial Optimal</a:t>
+            </a:r>
+          </a:p>
+          <a:p>
+            <a:r>
+              <a:rPr lang="en-US" sz="1600" dirty="0" smtClean="0"/>
+              <a:t>Solutions</a:t>
+            </a:r>
+            <a:endParaRPr lang="en-US" sz="1600" dirty="0"/>
+          </a:p>
+        </p:txBody>
+      </p:sp>
+      <p:cxnSp>
+        <p:nvCxnSpPr>
+          <p:cNvPr id="19" name="Curved Connector 18"/>
+          <p:cNvCxnSpPr/>
+          <p:nvPr/>
+        </p:nvCxnSpPr>
+        <p:spPr>
+          <a:xfrm>
+            <a:off x="1978265" y="4953000"/>
+            <a:ext cx="502172" cy="139987"/>
+          </a:xfrm>
+          <a:prstGeom prst="curvedConnector3">
+            <a:avLst/>
+          </a:prstGeom>
+          <a:ln>
+            <a:solidFill>
+              <a:schemeClr val="tx1"/>
+            </a:solidFill>
+            <a:tailEnd type="arrow"/>
+          </a:ln>
+        </p:spPr>
+        <p:style>
+          <a:lnRef idx="1">
+            <a:schemeClr val="accent1"/>
+          </a:lnRef>
+          <a:fillRef idx="0">
+            <a:schemeClr val="accent1"/>
+          </a:fillRef>
+          <a:effectRef idx="0">
+            <a:schemeClr val="accent1"/>
+          </a:effectRef>
+          <a:fontRef idx="minor">
+            <a:schemeClr val="tx1"/>
+          </a:fontRef>
+        </p:style>
+      </p:cxnSp>
+    </p:spTree>
+    <p:extLst>
+      <p:ext uri="{BB962C8B-B14F-4D97-AF65-F5344CB8AC3E}">
+        <p14:creationId xmlns:p14="http://schemas.microsoft.com/office/powerpoint/2010/main" val="3615987726"/>
+      </p:ext>
+    </p:extLst>
+  </p:cSld>
+  <p:clrMapOvr>
+    <a:masterClrMapping/>
+  </p:clrMapOvr>
+  <p:timing>
+    <p:tnLst>
+      <p:par>
+        <p:cTn id="1" dur="indefinite" restart="never" nodeType="tmRoot"/>
+      </p:par>
+    </p:tnLst>
+  </p:timing>
+</p:sld>
+</file>
+
+<file path=ppt/slides/slide13.xml><?xml version="1.0" encoding="utf-8"?>
+<p:sld xmlns:a="http://schemas.openxmlformats.org/drawingml/2006/main" xmlns:r="http://schemas.openxmlformats.org/officeDocument/2006/relationships" xmlns:p="http://schemas.openxmlformats.org/presentationml/2006/main">
+  <p:cSld>
+    <p:spTree>
+      <p:nvGrpSpPr>
+        <p:cNvPr id="1" name=""/>
+        <p:cNvGrpSpPr/>
+        <p:nvPr/>
+      </p:nvGrpSpPr>
+      <p:grpSpPr>
+        <a:xfrm>
+          <a:off x="0" y="0"/>
+          <a:ext cx="0" cy="0"/>
+          <a:chOff x="0" y="0"/>
+          <a:chExt cx="0" cy="0"/>
+        </a:xfrm>
+      </p:grpSpPr>
+      <p:sp>
+        <p:nvSpPr>
+          <p:cNvPr id="2" name="Title 1"/>
+          <p:cNvSpPr>
+            <a:spLocks noGrp="1"/>
+          </p:cNvSpPr>
+          <p:nvPr>
+            <p:ph type="title"/>
+          </p:nvPr>
+        </p:nvSpPr>
+        <p:spPr>
+          <a:xfrm>
+            <a:off x="118772" y="198438"/>
+            <a:ext cx="9067799" cy="792162"/>
+          </a:xfrm>
+        </p:spPr>
+        <p:txBody>
+          <a:bodyPr>
+            <a:normAutofit/>
+          </a:bodyPr>
+          <a:lstStyle/>
+          <a:p>
+            <a:pPr algn="l"/>
+            <a:r>
+              <a:rPr lang="en-US" sz="4000" dirty="0" smtClean="0">
+                <a:solidFill>
+                  <a:schemeClr val="accent1">
+                    <a:lumMod val="75000"/>
+                  </a:schemeClr>
+                </a:solidFill>
+              </a:rPr>
+              <a:t>Advanced– Prune Less Optimal Solution</a:t>
+            </a:r>
+            <a:endParaRPr lang="en-US" sz="4000" dirty="0">
+              <a:solidFill>
+                <a:schemeClr val="accent1">
+                  <a:lumMod val="75000"/>
+                </a:schemeClr>
+              </a:solidFill>
+            </a:endParaRPr>
+          </a:p>
+        </p:txBody>
+      </p:sp>
+      <p:cxnSp>
+        <p:nvCxnSpPr>
+          <p:cNvPr id="5" name="Straight Connector 4"/>
+          <p:cNvCxnSpPr/>
+          <p:nvPr/>
+        </p:nvCxnSpPr>
+        <p:spPr>
+          <a:xfrm>
+            <a:off x="0" y="990600"/>
+            <a:ext cx="9144000" cy="0"/>
+          </a:xfrm>
+          <a:prstGeom prst="line">
+            <a:avLst/>
+          </a:prstGeom>
+          <a:ln w="19050"/>
+        </p:spPr>
+        <p:style>
+          <a:lnRef idx="1">
+            <a:schemeClr val="accent1"/>
+          </a:lnRef>
+          <a:fillRef idx="0">
+            <a:schemeClr val="accent1"/>
+          </a:fillRef>
+          <a:effectRef idx="0">
+            <a:schemeClr val="accent1"/>
+          </a:effectRef>
+          <a:fontRef idx="minor">
+            <a:schemeClr val="tx1"/>
+          </a:fontRef>
+        </p:style>
+      </p:cxnSp>
+      <p:sp>
+        <p:nvSpPr>
+          <p:cNvPr id="20" name="Dodecagon 19"/>
+          <p:cNvSpPr/>
+          <p:nvPr/>
+        </p:nvSpPr>
+        <p:spPr>
+          <a:xfrm>
+            <a:off x="1330153" y="3150588"/>
+            <a:ext cx="838200" cy="762000"/>
+          </a:xfrm>
+          <a:prstGeom prst="dodecagon">
+            <a:avLst/>
+          </a:prstGeom>
+        </p:spPr>
+        <p:style>
+          <a:lnRef idx="2">
+            <a:schemeClr val="accent1">
+              <a:shade val="50000"/>
+            </a:schemeClr>
+          </a:lnRef>
+          <a:fillRef idx="1">
+            <a:schemeClr val="accent1"/>
+          </a:fillRef>
+          <a:effectRef idx="0">
+            <a:schemeClr val="accent1"/>
+          </a:effectRef>
+          <a:fontRef idx="minor">
+            <a:schemeClr val="lt1"/>
+          </a:fontRef>
+        </p:style>
+        <p:txBody>
+          <a:bodyPr rtlCol="0" anchor="ctr"/>
+          <a:lstStyle/>
+          <a:p>
+            <a:pPr algn="ctr"/>
+            <a:r>
+              <a:rPr lang="en-US" dirty="0" smtClean="0"/>
+              <a:t>1</a:t>
+            </a:r>
+            <a:endParaRPr lang="en-US" dirty="0"/>
+          </a:p>
+        </p:txBody>
+      </p:sp>
+      <p:sp>
+        <p:nvSpPr>
+          <p:cNvPr id="23" name="Dodecagon 22"/>
+          <p:cNvSpPr/>
+          <p:nvPr/>
+        </p:nvSpPr>
+        <p:spPr>
+          <a:xfrm>
+            <a:off x="4047953" y="1651988"/>
+            <a:ext cx="838200" cy="762000"/>
+          </a:xfrm>
+          <a:prstGeom prst="dodecagon">
+            <a:avLst/>
+          </a:prstGeom>
+        </p:spPr>
+        <p:style>
+          <a:lnRef idx="2">
+            <a:schemeClr val="accent1">
+              <a:shade val="50000"/>
+            </a:schemeClr>
+          </a:lnRef>
+          <a:fillRef idx="1">
+            <a:schemeClr val="accent1"/>
+          </a:fillRef>
+          <a:effectRef idx="0">
+            <a:schemeClr val="accent1"/>
+          </a:effectRef>
+          <a:fontRef idx="minor">
+            <a:schemeClr val="lt1"/>
+          </a:fontRef>
+        </p:style>
+        <p:txBody>
+          <a:bodyPr rtlCol="0" anchor="ctr"/>
+          <a:lstStyle/>
+          <a:p>
+            <a:pPr algn="ctr"/>
+            <a:endParaRPr lang="en-US" dirty="0"/>
+          </a:p>
+        </p:txBody>
+      </p:sp>
+      <p:cxnSp>
+        <p:nvCxnSpPr>
+          <p:cNvPr id="24" name="Straight Arrow Connector 23"/>
+          <p:cNvCxnSpPr>
+            <a:stCxn id="23" idx="5"/>
+            <a:endCxn id="20" idx="0"/>
+          </p:cNvCxnSpPr>
+          <p:nvPr/>
+        </p:nvCxnSpPr>
+        <p:spPr>
+          <a:xfrm flipH="1">
+            <a:off x="2056050" y="2413988"/>
+            <a:ext cx="2298700" cy="838694"/>
+          </a:xfrm>
+          <a:prstGeom prst="straightConnector1">
+            <a:avLst/>
+          </a:prstGeom>
+          <a:ln w="25400">
+            <a:solidFill>
+              <a:schemeClr val="tx1"/>
+            </a:solidFill>
+            <a:tailEnd type="arrow"/>
+          </a:ln>
+        </p:spPr>
+        <p:style>
+          <a:lnRef idx="1">
+            <a:schemeClr val="accent1"/>
+          </a:lnRef>
+          <a:fillRef idx="0">
+            <a:schemeClr val="accent1"/>
+          </a:fillRef>
+          <a:effectRef idx="0">
+            <a:schemeClr val="accent1"/>
+          </a:effectRef>
+          <a:fontRef idx="minor">
+            <a:schemeClr val="tx1"/>
+          </a:fontRef>
+        </p:style>
+      </p:cxnSp>
+      <p:sp>
+        <p:nvSpPr>
+          <p:cNvPr id="31" name="Dodecagon 30"/>
+          <p:cNvSpPr/>
+          <p:nvPr/>
+        </p:nvSpPr>
+        <p:spPr>
+          <a:xfrm>
+            <a:off x="309271" y="4356347"/>
+            <a:ext cx="838200" cy="762000"/>
+          </a:xfrm>
+          <a:prstGeom prst="dodecagon">
+            <a:avLst/>
+          </a:prstGeom>
+        </p:spPr>
+        <p:style>
+          <a:lnRef idx="2">
+            <a:schemeClr val="accent1">
+              <a:shade val="50000"/>
+            </a:schemeClr>
+          </a:lnRef>
+          <a:fillRef idx="1">
+            <a:schemeClr val="accent1"/>
+          </a:fillRef>
+          <a:effectRef idx="0">
+            <a:schemeClr val="accent1"/>
+          </a:effectRef>
+          <a:fontRef idx="minor">
+            <a:schemeClr val="lt1"/>
+          </a:fontRef>
+        </p:style>
+        <p:txBody>
+          <a:bodyPr rtlCol="0" anchor="ctr"/>
+          <a:lstStyle/>
+          <a:p>
+            <a:pPr algn="ctr"/>
+            <a:r>
+              <a:rPr lang="en-US" dirty="0" smtClean="0"/>
+              <a:t>1</a:t>
+            </a:r>
+            <a:endParaRPr lang="en-US" dirty="0"/>
+          </a:p>
+        </p:txBody>
+      </p:sp>
+      <p:sp>
+        <p:nvSpPr>
+          <p:cNvPr id="32" name="Dodecagon 31"/>
+          <p:cNvSpPr/>
+          <p:nvPr/>
+        </p:nvSpPr>
+        <p:spPr>
+          <a:xfrm>
+            <a:off x="1263717" y="4356347"/>
+            <a:ext cx="838200" cy="762000"/>
+          </a:xfrm>
+          <a:prstGeom prst="dodecagon">
+            <a:avLst/>
+          </a:prstGeom>
+        </p:spPr>
+        <p:style>
+          <a:lnRef idx="2">
+            <a:schemeClr val="accent1">
+              <a:shade val="50000"/>
+            </a:schemeClr>
+          </a:lnRef>
+          <a:fillRef idx="1">
+            <a:schemeClr val="accent1"/>
+          </a:fillRef>
+          <a:effectRef idx="0">
+            <a:schemeClr val="accent1"/>
+          </a:effectRef>
+          <a:fontRef idx="minor">
+            <a:schemeClr val="lt1"/>
+          </a:fontRef>
+        </p:style>
+        <p:txBody>
+          <a:bodyPr rtlCol="0" anchor="ctr"/>
+          <a:lstStyle/>
+          <a:p>
+            <a:pPr algn="ctr"/>
+            <a:r>
+              <a:rPr lang="en-US" dirty="0" smtClean="0"/>
+              <a:t>4</a:t>
+            </a:r>
+            <a:endParaRPr lang="en-US" dirty="0"/>
+          </a:p>
+        </p:txBody>
+      </p:sp>
+      <p:sp>
+        <p:nvSpPr>
+          <p:cNvPr id="33" name="Dodecagon 32"/>
+          <p:cNvSpPr/>
+          <p:nvPr/>
+        </p:nvSpPr>
+        <p:spPr>
+          <a:xfrm>
+            <a:off x="2197847" y="4356347"/>
+            <a:ext cx="838200" cy="762000"/>
+          </a:xfrm>
+          <a:prstGeom prst="dodecagon">
+            <a:avLst/>
+          </a:prstGeom>
+        </p:spPr>
+        <p:style>
+          <a:lnRef idx="2">
+            <a:schemeClr val="accent1">
+              <a:shade val="50000"/>
+            </a:schemeClr>
+          </a:lnRef>
+          <a:fillRef idx="1">
+            <a:schemeClr val="accent1"/>
+          </a:fillRef>
+          <a:effectRef idx="0">
+            <a:schemeClr val="accent1"/>
+          </a:effectRef>
+          <a:fontRef idx="minor">
+            <a:schemeClr val="lt1"/>
+          </a:fontRef>
+        </p:style>
+        <p:txBody>
+          <a:bodyPr rtlCol="0" anchor="ctr"/>
+          <a:lstStyle/>
+          <a:p>
+            <a:pPr algn="ctr"/>
+            <a:r>
+              <a:rPr lang="en-US" dirty="0" smtClean="0"/>
+              <a:t>5</a:t>
+            </a:r>
+            <a:endParaRPr lang="en-US" dirty="0"/>
+          </a:p>
+        </p:txBody>
+      </p:sp>
+      <p:cxnSp>
+        <p:nvCxnSpPr>
+          <p:cNvPr id="34" name="Straight Arrow Connector 33"/>
+          <p:cNvCxnSpPr>
+            <a:endCxn id="31" idx="0"/>
+          </p:cNvCxnSpPr>
+          <p:nvPr/>
+        </p:nvCxnSpPr>
+        <p:spPr>
+          <a:xfrm flipH="1">
+            <a:off x="1035168" y="3898653"/>
+            <a:ext cx="610078" cy="559788"/>
+          </a:xfrm>
+          <a:prstGeom prst="straightConnector1">
+            <a:avLst/>
+          </a:prstGeom>
+          <a:ln w="25400">
+            <a:solidFill>
+              <a:schemeClr val="tx1"/>
+            </a:solidFill>
+            <a:tailEnd type="arrow"/>
+          </a:ln>
+        </p:spPr>
+        <p:style>
+          <a:lnRef idx="1">
+            <a:schemeClr val="accent1"/>
+          </a:lnRef>
+          <a:fillRef idx="0">
+            <a:schemeClr val="accent1"/>
+          </a:fillRef>
+          <a:effectRef idx="0">
+            <a:schemeClr val="accent1"/>
+          </a:effectRef>
+          <a:fontRef idx="minor">
+            <a:schemeClr val="tx1"/>
+          </a:fontRef>
+        </p:style>
+      </p:cxnSp>
+      <p:cxnSp>
+        <p:nvCxnSpPr>
+          <p:cNvPr id="35" name="Straight Arrow Connector 34"/>
+          <p:cNvCxnSpPr>
+            <a:endCxn id="33" idx="9"/>
+          </p:cNvCxnSpPr>
+          <p:nvPr/>
+        </p:nvCxnSpPr>
+        <p:spPr>
+          <a:xfrm>
+            <a:off x="1901721" y="3912588"/>
+            <a:ext cx="408429" cy="545853"/>
+          </a:xfrm>
+          <a:prstGeom prst="straightConnector1">
+            <a:avLst/>
+          </a:prstGeom>
+          <a:ln w="25400">
+            <a:solidFill>
+              <a:schemeClr val="tx1"/>
+            </a:solidFill>
+            <a:tailEnd type="arrow"/>
+          </a:ln>
+        </p:spPr>
+        <p:style>
+          <a:lnRef idx="1">
+            <a:schemeClr val="accent1"/>
+          </a:lnRef>
+          <a:fillRef idx="0">
+            <a:schemeClr val="accent1"/>
+          </a:fillRef>
+          <a:effectRef idx="0">
+            <a:schemeClr val="accent1"/>
+          </a:effectRef>
+          <a:fontRef idx="minor">
+            <a:schemeClr val="tx1"/>
+          </a:fontRef>
+        </p:style>
+      </p:cxnSp>
+      <p:cxnSp>
+        <p:nvCxnSpPr>
+          <p:cNvPr id="36" name="Straight Arrow Connector 35"/>
+          <p:cNvCxnSpPr/>
+          <p:nvPr/>
+        </p:nvCxnSpPr>
+        <p:spPr>
+          <a:xfrm>
+            <a:off x="1730732" y="3912588"/>
+            <a:ext cx="0" cy="507259"/>
+          </a:xfrm>
+          <a:prstGeom prst="straightConnector1">
+            <a:avLst/>
+          </a:prstGeom>
+          <a:ln w="25400">
+            <a:solidFill>
+              <a:schemeClr val="tx1"/>
+            </a:solidFill>
+            <a:tailEnd type="arrow"/>
+          </a:ln>
+        </p:spPr>
+        <p:style>
+          <a:lnRef idx="1">
+            <a:schemeClr val="accent1"/>
+          </a:lnRef>
+          <a:fillRef idx="0">
+            <a:schemeClr val="accent1"/>
+          </a:fillRef>
+          <a:effectRef idx="0">
+            <a:schemeClr val="accent1"/>
+          </a:effectRef>
+          <a:fontRef idx="minor">
+            <a:schemeClr val="tx1"/>
+          </a:fontRef>
+        </p:style>
+      </p:cxnSp>
+      <p:sp>
+        <p:nvSpPr>
+          <p:cNvPr id="37" name="TextBox 36"/>
+          <p:cNvSpPr txBox="1"/>
+          <p:nvPr/>
+        </p:nvSpPr>
+        <p:spPr>
+          <a:xfrm rot="19345566">
+            <a:off x="756408" y="3858818"/>
+            <a:ext cx="954592" cy="338554"/>
+          </a:xfrm>
+          <a:prstGeom prst="rect">
+            <a:avLst/>
+          </a:prstGeom>
+          <a:noFill/>
+        </p:spPr>
+        <p:txBody>
+          <a:bodyPr wrap="square" rtlCol="0">
+            <a:spAutoFit/>
+          </a:bodyPr>
+          <a:lstStyle/>
+          <a:p>
+            <a:r>
+              <a:rPr lang="en-US" sz="1600" dirty="0" smtClean="0"/>
+              <a:t>sum = 2</a:t>
+            </a:r>
+            <a:endParaRPr lang="en-US" sz="1600" dirty="0"/>
+          </a:p>
+        </p:txBody>
+      </p:sp>
+      <p:sp>
+        <p:nvSpPr>
+          <p:cNvPr id="38" name="TextBox 37"/>
+          <p:cNvSpPr txBox="1"/>
+          <p:nvPr/>
+        </p:nvSpPr>
+        <p:spPr>
+          <a:xfrm rot="3021027">
+            <a:off x="1832853" y="3996939"/>
+            <a:ext cx="954592" cy="338554"/>
+          </a:xfrm>
+          <a:prstGeom prst="rect">
+            <a:avLst/>
+          </a:prstGeom>
+          <a:noFill/>
+        </p:spPr>
+        <p:txBody>
+          <a:bodyPr wrap="square" rtlCol="0">
+            <a:spAutoFit/>
+          </a:bodyPr>
+          <a:lstStyle/>
+          <a:p>
+            <a:r>
+              <a:rPr lang="en-US" sz="1600" dirty="0" smtClean="0"/>
+              <a:t>sum = 6</a:t>
+            </a:r>
+            <a:endParaRPr lang="en-US" sz="1600" dirty="0"/>
+          </a:p>
+        </p:txBody>
+      </p:sp>
+      <p:sp>
+        <p:nvSpPr>
+          <p:cNvPr id="39" name="TextBox 38"/>
+          <p:cNvSpPr txBox="1"/>
+          <p:nvPr/>
+        </p:nvSpPr>
+        <p:spPr>
+          <a:xfrm>
+            <a:off x="334449" y="5389521"/>
+            <a:ext cx="835485" cy="338554"/>
+          </a:xfrm>
+          <a:prstGeom prst="rect">
+            <a:avLst/>
+          </a:prstGeom>
+          <a:noFill/>
+        </p:spPr>
+        <p:txBody>
+          <a:bodyPr wrap="none" rtlCol="0">
+            <a:spAutoFit/>
+          </a:bodyPr>
+          <a:lstStyle/>
+          <a:p>
+            <a:r>
+              <a:rPr lang="en-US" sz="1600" dirty="0"/>
+              <a:t>s</a:t>
+            </a:r>
+            <a:r>
+              <a:rPr lang="en-US" sz="1600" dirty="0" smtClean="0"/>
+              <a:t>um = 5</a:t>
+            </a:r>
+            <a:endParaRPr lang="en-US" sz="1600" dirty="0"/>
+          </a:p>
+        </p:txBody>
+      </p:sp>
+      <p:cxnSp>
+        <p:nvCxnSpPr>
+          <p:cNvPr id="40" name="Curved Connector 39"/>
+          <p:cNvCxnSpPr/>
+          <p:nvPr/>
+        </p:nvCxnSpPr>
+        <p:spPr>
+          <a:xfrm flipV="1">
+            <a:off x="1119309" y="4965947"/>
+            <a:ext cx="629946" cy="478304"/>
+          </a:xfrm>
+          <a:prstGeom prst="curvedConnector3">
+            <a:avLst/>
+          </a:prstGeom>
+          <a:ln w="12700">
+            <a:solidFill>
+              <a:schemeClr val="tx1"/>
+            </a:solidFill>
+            <a:tailEnd type="arrow"/>
+          </a:ln>
+        </p:spPr>
+        <p:style>
+          <a:lnRef idx="1">
+            <a:schemeClr val="accent1"/>
+          </a:lnRef>
+          <a:fillRef idx="0">
+            <a:schemeClr val="accent1"/>
+          </a:fillRef>
+          <a:effectRef idx="0">
+            <a:schemeClr val="accent1"/>
+          </a:effectRef>
+          <a:fontRef idx="minor">
+            <a:schemeClr val="tx1"/>
+          </a:fontRef>
+        </p:style>
+      </p:cxnSp>
+      <p:sp>
+        <p:nvSpPr>
+          <p:cNvPr id="51" name="Rectangle 50"/>
+          <p:cNvSpPr/>
+          <p:nvPr/>
+        </p:nvSpPr>
+        <p:spPr>
+          <a:xfrm>
+            <a:off x="2838363" y="1243074"/>
+            <a:ext cx="3269036" cy="369332"/>
+          </a:xfrm>
+          <a:prstGeom prst="rect">
+            <a:avLst/>
+          </a:prstGeom>
+        </p:spPr>
+        <p:txBody>
+          <a:bodyPr wrap="none">
+            <a:spAutoFit/>
+          </a:bodyPr>
+          <a:lstStyle/>
+          <a:p>
+            <a:r>
+              <a:rPr lang="en-US" b="1" dirty="0" smtClean="0">
+                <a:solidFill>
+                  <a:schemeClr val="accent3">
+                    <a:lumMod val="50000"/>
+                  </a:schemeClr>
+                </a:solidFill>
+              </a:rPr>
+              <a:t>coins = BFS( $.08, [ 15, 5, 4, 1 ] ) </a:t>
+            </a:r>
+            <a:endParaRPr lang="en-US" dirty="0"/>
+          </a:p>
+        </p:txBody>
+      </p:sp>
+      <p:graphicFrame>
+        <p:nvGraphicFramePr>
+          <p:cNvPr id="52" name="Table 51"/>
+          <p:cNvGraphicFramePr>
+            <a:graphicFrameLocks noGrp="1"/>
+          </p:cNvGraphicFramePr>
+          <p:nvPr>
+            <p:extLst>
+              <p:ext uri="{D42A27DB-BD31-4B8C-83A1-F6EECF244321}">
+                <p14:modId xmlns:p14="http://schemas.microsoft.com/office/powerpoint/2010/main" val="4116424866"/>
+              </p:ext>
+            </p:extLst>
+          </p:nvPr>
+        </p:nvGraphicFramePr>
+        <p:xfrm>
+          <a:off x="4953000" y="3265998"/>
+          <a:ext cx="3467100" cy="2236063"/>
+        </p:xfrm>
+        <a:graphic>
+          <a:graphicData uri="http://schemas.openxmlformats.org/drawingml/2006/table">
+            <a:tbl>
+              <a:tblPr firstRow="1" bandRow="1">
+                <a:tableStyleId>{5C22544A-7EE6-4342-B048-85BDC9FD1C3A}</a:tableStyleId>
+              </a:tblPr>
+              <a:tblGrid>
+                <a:gridCol w="1785818"/>
+                <a:gridCol w="1681282"/>
+              </a:tblGrid>
+              <a:tr h="407263">
+                <a:tc>
+                  <a:txBody>
+                    <a:bodyPr/>
+                    <a:lstStyle/>
+                    <a:p>
+                      <a:r>
+                        <a:rPr lang="en-US" dirty="0" smtClean="0"/>
+                        <a:t>Dollar Amount</a:t>
+                      </a:r>
+                      <a:endParaRPr lang="en-US" dirty="0"/>
+                    </a:p>
+                  </a:txBody>
+                  <a:tcPr/>
+                </a:tc>
+                <a:tc>
+                  <a:txBody>
+                    <a:bodyPr/>
+                    <a:lstStyle/>
+                    <a:p>
+                      <a:r>
+                        <a:rPr lang="en-US" dirty="0" smtClean="0"/>
+                        <a:t>Coins</a:t>
+                      </a:r>
+                      <a:endParaRPr lang="en-US" dirty="0"/>
+                    </a:p>
+                  </a:txBody>
+                  <a:tcPr/>
+                </a:tc>
+              </a:tr>
+              <a:tr h="365760">
+                <a:tc>
+                  <a:txBody>
+                    <a:bodyPr/>
+                    <a:lstStyle/>
+                    <a:p>
+                      <a:r>
+                        <a:rPr lang="en-US" dirty="0" smtClean="0"/>
+                        <a:t>.</a:t>
+                      </a:r>
+                      <a:r>
+                        <a:rPr lang="en-US" dirty="0" smtClean="0"/>
+                        <a:t>01</a:t>
+                      </a:r>
+                      <a:endParaRPr lang="en-US" dirty="0"/>
+                    </a:p>
+                  </a:txBody>
+                  <a:tcPr/>
+                </a:tc>
+                <a:tc>
+                  <a:txBody>
+                    <a:bodyPr/>
+                    <a:lstStyle/>
+                    <a:p>
+                      <a:r>
+                        <a:rPr lang="en-US" dirty="0" smtClean="0"/>
+                        <a:t>[ </a:t>
+                      </a:r>
+                      <a:r>
+                        <a:rPr lang="en-US" dirty="0" smtClean="0"/>
+                        <a:t>1 </a:t>
+                      </a:r>
+                      <a:r>
+                        <a:rPr lang="en-US" dirty="0" smtClean="0"/>
+                        <a:t>]</a:t>
+                      </a:r>
+                      <a:endParaRPr lang="en-US" dirty="0"/>
+                    </a:p>
+                  </a:txBody>
+                  <a:tcPr/>
+                </a:tc>
+              </a:tr>
+              <a:tr h="365760">
+                <a:tc>
+                  <a:txBody>
+                    <a:bodyPr/>
+                    <a:lstStyle/>
+                    <a:p>
+                      <a:r>
+                        <a:rPr lang="en-US" dirty="0" smtClean="0"/>
+                        <a:t>.02</a:t>
+                      </a:r>
+                      <a:endParaRPr lang="en-US" dirty="0"/>
+                    </a:p>
+                  </a:txBody>
+                  <a:tcPr/>
+                </a:tc>
+                <a:tc>
+                  <a:txBody>
+                    <a:bodyPr/>
+                    <a:lstStyle/>
+                    <a:p>
+                      <a:r>
+                        <a:rPr lang="en-US" dirty="0" smtClean="0"/>
+                        <a:t>[ 1, 1 ]</a:t>
+                      </a:r>
+                      <a:endParaRPr lang="en-US" dirty="0"/>
+                    </a:p>
+                  </a:txBody>
+                  <a:tcPr/>
+                </a:tc>
+              </a:tr>
+              <a:tr h="365760">
+                <a:tc>
+                  <a:txBody>
+                    <a:bodyPr/>
+                    <a:lstStyle/>
+                    <a:p>
+                      <a:r>
+                        <a:rPr lang="en-US" dirty="0" smtClean="0"/>
+                        <a:t>.04</a:t>
+                      </a:r>
+                      <a:endParaRPr lang="en-US" dirty="0"/>
+                    </a:p>
+                  </a:txBody>
+                  <a:tcPr/>
+                </a:tc>
+                <a:tc>
+                  <a:txBody>
+                    <a:bodyPr/>
+                    <a:lstStyle/>
+                    <a:p>
+                      <a:r>
+                        <a:rPr lang="en-US" dirty="0" smtClean="0"/>
+                        <a:t>[ </a:t>
+                      </a:r>
+                      <a:r>
+                        <a:rPr lang="en-US" baseline="0" dirty="0" smtClean="0"/>
+                        <a:t>4 ]</a:t>
+                      </a:r>
+                      <a:endParaRPr lang="en-US" dirty="0"/>
+                    </a:p>
+                  </a:txBody>
+                  <a:tcPr/>
+                </a:tc>
+              </a:tr>
+              <a:tr h="365760">
+                <a:tc>
+                  <a:txBody>
+                    <a:bodyPr/>
+                    <a:lstStyle/>
+                    <a:p>
+                      <a:r>
+                        <a:rPr lang="en-US" dirty="0" smtClean="0"/>
+                        <a:t>.05</a:t>
+                      </a:r>
+                      <a:endParaRPr lang="en-US" dirty="0"/>
+                    </a:p>
+                  </a:txBody>
+                  <a:tcPr/>
+                </a:tc>
+                <a:tc>
+                  <a:txBody>
+                    <a:bodyPr/>
+                    <a:lstStyle/>
+                    <a:p>
+                      <a:r>
+                        <a:rPr lang="en-US" dirty="0" smtClean="0"/>
+                        <a:t>[ 5 ]</a:t>
+                      </a:r>
+                      <a:endParaRPr lang="en-US" dirty="0"/>
+                    </a:p>
+                  </a:txBody>
+                  <a:tcPr/>
+                </a:tc>
+              </a:tr>
+              <a:tr h="365760">
+                <a:tc>
+                  <a:txBody>
+                    <a:bodyPr/>
+                    <a:lstStyle/>
+                    <a:p>
+                      <a:r>
+                        <a:rPr lang="en-US" dirty="0" smtClean="0"/>
+                        <a:t>.06</a:t>
+                      </a:r>
+                      <a:endParaRPr lang="en-US" dirty="0"/>
+                    </a:p>
+                  </a:txBody>
+                  <a:tcPr/>
+                </a:tc>
+                <a:tc>
+                  <a:txBody>
+                    <a:bodyPr/>
+                    <a:lstStyle/>
+                    <a:p>
+                      <a:r>
+                        <a:rPr lang="en-US" dirty="0" smtClean="0"/>
+                        <a:t>[ 5, 1 ]</a:t>
+                      </a:r>
+                      <a:endParaRPr lang="en-US" dirty="0"/>
+                    </a:p>
+                  </a:txBody>
+                  <a:tcPr/>
+                </a:tc>
+              </a:tr>
+            </a:tbl>
+          </a:graphicData>
+        </a:graphic>
+      </p:graphicFrame>
+      <p:cxnSp>
+        <p:nvCxnSpPr>
+          <p:cNvPr id="53" name="Straight Arrow Connector 52"/>
+          <p:cNvCxnSpPr/>
+          <p:nvPr/>
+        </p:nvCxnSpPr>
+        <p:spPr>
+          <a:xfrm flipV="1">
+            <a:off x="838200" y="4185514"/>
+            <a:ext cx="4267200" cy="456217"/>
+          </a:xfrm>
+          <a:prstGeom prst="straightConnector1">
+            <a:avLst/>
+          </a:prstGeom>
+          <a:ln w="25400">
+            <a:solidFill>
+              <a:schemeClr val="accent3">
+                <a:lumMod val="50000"/>
+              </a:schemeClr>
+            </a:solidFill>
+            <a:tailEnd type="arrow"/>
+          </a:ln>
+        </p:spPr>
+        <p:style>
+          <a:lnRef idx="1">
+            <a:schemeClr val="accent1"/>
+          </a:lnRef>
+          <a:fillRef idx="0">
+            <a:schemeClr val="accent1"/>
+          </a:fillRef>
+          <a:effectRef idx="0">
+            <a:schemeClr val="accent1"/>
+          </a:effectRef>
+          <a:fontRef idx="minor">
+            <a:schemeClr val="tx1"/>
+          </a:fontRef>
+        </p:style>
+      </p:cxnSp>
+      <p:cxnSp>
+        <p:nvCxnSpPr>
+          <p:cNvPr id="54" name="Straight Arrow Connector 53"/>
+          <p:cNvCxnSpPr/>
+          <p:nvPr/>
+        </p:nvCxnSpPr>
+        <p:spPr>
+          <a:xfrm>
+            <a:off x="2745044" y="4831987"/>
+            <a:ext cx="2360356" cy="557534"/>
+          </a:xfrm>
+          <a:prstGeom prst="straightConnector1">
+            <a:avLst/>
+          </a:prstGeom>
+          <a:ln w="25400">
+            <a:solidFill>
+              <a:schemeClr val="accent3">
+                <a:lumMod val="50000"/>
+              </a:schemeClr>
+            </a:solidFill>
+            <a:tailEnd type="arrow"/>
+          </a:ln>
+        </p:spPr>
+        <p:style>
+          <a:lnRef idx="1">
+            <a:schemeClr val="accent1"/>
+          </a:lnRef>
+          <a:fillRef idx="0">
+            <a:schemeClr val="accent1"/>
+          </a:fillRef>
+          <a:effectRef idx="0">
+            <a:schemeClr val="accent1"/>
+          </a:effectRef>
+          <a:fontRef idx="minor">
+            <a:schemeClr val="tx1"/>
+          </a:fontRef>
+        </p:style>
+      </p:cxnSp>
+      <p:sp>
+        <p:nvSpPr>
+          <p:cNvPr id="56" name="TextBox 55"/>
+          <p:cNvSpPr txBox="1"/>
+          <p:nvPr/>
+        </p:nvSpPr>
+        <p:spPr>
+          <a:xfrm>
+            <a:off x="3507479" y="3398314"/>
+            <a:ext cx="967509" cy="584775"/>
+          </a:xfrm>
+          <a:prstGeom prst="rect">
+            <a:avLst/>
+          </a:prstGeom>
+          <a:noFill/>
+        </p:spPr>
+        <p:txBody>
+          <a:bodyPr wrap="none" rtlCol="0">
+            <a:spAutoFit/>
+          </a:bodyPr>
+          <a:lstStyle/>
+          <a:p>
+            <a:r>
+              <a:rPr lang="en-US" sz="1600" dirty="0" smtClean="0"/>
+              <a:t>Add new </a:t>
+            </a:r>
+          </a:p>
+          <a:p>
+            <a:r>
+              <a:rPr lang="en-US" sz="1600" dirty="0" smtClean="0"/>
+              <a:t>solutions</a:t>
+            </a:r>
+            <a:endParaRPr lang="en-US" sz="1600" dirty="0"/>
+          </a:p>
+        </p:txBody>
+      </p:sp>
+      <p:cxnSp>
+        <p:nvCxnSpPr>
+          <p:cNvPr id="57" name="Curved Connector 56"/>
+          <p:cNvCxnSpPr/>
+          <p:nvPr/>
+        </p:nvCxnSpPr>
+        <p:spPr>
+          <a:xfrm rot="5400000">
+            <a:off x="3559175" y="4056527"/>
+            <a:ext cx="398246" cy="201395"/>
+          </a:xfrm>
+          <a:prstGeom prst="curvedConnector3">
+            <a:avLst/>
+          </a:prstGeom>
+          <a:ln>
+            <a:solidFill>
+              <a:schemeClr val="tx1"/>
+            </a:solidFill>
+            <a:tailEnd type="arrow"/>
+          </a:ln>
+        </p:spPr>
+        <p:style>
+          <a:lnRef idx="1">
+            <a:schemeClr val="accent1"/>
+          </a:lnRef>
+          <a:fillRef idx="0">
+            <a:schemeClr val="accent1"/>
+          </a:fillRef>
+          <a:effectRef idx="0">
+            <a:schemeClr val="accent1"/>
+          </a:effectRef>
+          <a:fontRef idx="minor">
+            <a:schemeClr val="tx1"/>
+          </a:fontRef>
+        </p:style>
+      </p:cxnSp>
+      <p:cxnSp>
+        <p:nvCxnSpPr>
+          <p:cNvPr id="59" name="Curved Connector 58"/>
+          <p:cNvCxnSpPr/>
+          <p:nvPr/>
+        </p:nvCxnSpPr>
+        <p:spPr>
+          <a:xfrm rot="16200000" flipH="1">
+            <a:off x="3509304" y="4366928"/>
+            <a:ext cx="1093517" cy="394133"/>
+          </a:xfrm>
+          <a:prstGeom prst="curvedConnector3">
+            <a:avLst/>
+          </a:prstGeom>
+          <a:ln>
+            <a:solidFill>
+              <a:schemeClr val="tx1"/>
+            </a:solidFill>
+            <a:tailEnd type="arrow"/>
+          </a:ln>
+        </p:spPr>
+        <p:style>
+          <a:lnRef idx="1">
+            <a:schemeClr val="accent1"/>
+          </a:lnRef>
+          <a:fillRef idx="0">
+            <a:schemeClr val="accent1"/>
+          </a:fillRef>
+          <a:effectRef idx="0">
+            <a:schemeClr val="accent1"/>
+          </a:effectRef>
+          <a:fontRef idx="minor">
+            <a:schemeClr val="tx1"/>
+          </a:fontRef>
+        </p:style>
+      </p:cxnSp>
+      <p:cxnSp>
+        <p:nvCxnSpPr>
+          <p:cNvPr id="63" name="Straight Connector 62"/>
+          <p:cNvCxnSpPr/>
+          <p:nvPr/>
+        </p:nvCxnSpPr>
+        <p:spPr>
+          <a:xfrm flipV="1">
+            <a:off x="1233704" y="4356348"/>
+            <a:ext cx="868213" cy="754405"/>
+          </a:xfrm>
+          <a:prstGeom prst="line">
+            <a:avLst/>
+          </a:prstGeom>
+          <a:ln w="31750">
+            <a:solidFill>
+              <a:srgbClr val="C00000"/>
+            </a:solidFill>
+          </a:ln>
+        </p:spPr>
+        <p:style>
+          <a:lnRef idx="1">
+            <a:schemeClr val="accent1"/>
+          </a:lnRef>
+          <a:fillRef idx="0">
+            <a:schemeClr val="accent1"/>
+          </a:fillRef>
+          <a:effectRef idx="0">
+            <a:schemeClr val="accent1"/>
+          </a:effectRef>
+          <a:fontRef idx="minor">
+            <a:schemeClr val="tx1"/>
+          </a:fontRef>
+        </p:style>
+      </p:cxnSp>
+      <p:cxnSp>
+        <p:nvCxnSpPr>
+          <p:cNvPr id="65" name="Straight Connector 64"/>
+          <p:cNvCxnSpPr/>
+          <p:nvPr/>
+        </p:nvCxnSpPr>
+        <p:spPr>
+          <a:xfrm flipH="1" flipV="1">
+            <a:off x="1302387" y="4350502"/>
+            <a:ext cx="865966" cy="760251"/>
+          </a:xfrm>
+          <a:prstGeom prst="line">
+            <a:avLst/>
+          </a:prstGeom>
+          <a:ln w="31750">
+            <a:solidFill>
+              <a:srgbClr val="C00000"/>
+            </a:solidFill>
+          </a:ln>
+        </p:spPr>
+        <p:style>
+          <a:lnRef idx="1">
+            <a:schemeClr val="accent1"/>
+          </a:lnRef>
+          <a:fillRef idx="0">
+            <a:schemeClr val="accent1"/>
+          </a:fillRef>
+          <a:effectRef idx="0">
+            <a:schemeClr val="accent1"/>
+          </a:effectRef>
+          <a:fontRef idx="minor">
+            <a:schemeClr val="tx1"/>
+          </a:fontRef>
+        </p:style>
+      </p:cxnSp>
+      <p:sp>
+        <p:nvSpPr>
+          <p:cNvPr id="68" name="TextBox 67"/>
+          <p:cNvSpPr txBox="1"/>
+          <p:nvPr/>
+        </p:nvSpPr>
+        <p:spPr>
+          <a:xfrm>
+            <a:off x="2068538" y="5558798"/>
+            <a:ext cx="2501710" cy="830997"/>
+          </a:xfrm>
+          <a:prstGeom prst="rect">
+            <a:avLst/>
+          </a:prstGeom>
+          <a:noFill/>
+        </p:spPr>
+        <p:txBody>
+          <a:bodyPr wrap="none" rtlCol="0">
+            <a:spAutoFit/>
+          </a:bodyPr>
+          <a:lstStyle/>
+          <a:p>
+            <a:r>
+              <a:rPr lang="en-US" sz="1600" dirty="0" smtClean="0"/>
+              <a:t>Prune Node since current</a:t>
+            </a:r>
+            <a:br>
+              <a:rPr lang="en-US" sz="1600" dirty="0" smtClean="0"/>
+            </a:br>
+            <a:r>
+              <a:rPr lang="en-US" sz="1600" dirty="0" smtClean="0"/>
+              <a:t>solution is less optimal than</a:t>
+            </a:r>
+          </a:p>
+          <a:p>
+            <a:r>
+              <a:rPr lang="en-US" sz="1600" dirty="0" smtClean="0"/>
+              <a:t>solution in solution space.</a:t>
+            </a:r>
+            <a:endParaRPr lang="en-US" sz="1600" dirty="0"/>
+          </a:p>
+        </p:txBody>
+      </p:sp>
+      <p:cxnSp>
+        <p:nvCxnSpPr>
+          <p:cNvPr id="69" name="Curved Connector 68"/>
+          <p:cNvCxnSpPr>
+            <a:stCxn id="68" idx="1"/>
+          </p:cNvCxnSpPr>
+          <p:nvPr/>
+        </p:nvCxnSpPr>
+        <p:spPr>
+          <a:xfrm rot="10800000">
+            <a:off x="1682818" y="5205101"/>
+            <a:ext cx="385720" cy="769197"/>
+          </a:xfrm>
+          <a:prstGeom prst="curvedConnector2">
+            <a:avLst/>
+          </a:prstGeom>
+          <a:ln w="12700">
+            <a:solidFill>
+              <a:schemeClr val="tx1"/>
+            </a:solidFill>
+            <a:tailEnd type="arrow"/>
+          </a:ln>
+        </p:spPr>
+        <p:style>
+          <a:lnRef idx="1">
+            <a:schemeClr val="accent1"/>
+          </a:lnRef>
+          <a:fillRef idx="0">
+            <a:schemeClr val="accent1"/>
+          </a:fillRef>
+          <a:effectRef idx="0">
+            <a:schemeClr val="accent1"/>
+          </a:effectRef>
+          <a:fontRef idx="minor">
+            <a:schemeClr val="tx1"/>
+          </a:fontRef>
+        </p:style>
+      </p:cxnSp>
+      <p:sp>
+        <p:nvSpPr>
+          <p:cNvPr id="72" name="TextBox 71"/>
+          <p:cNvSpPr txBox="1"/>
+          <p:nvPr/>
+        </p:nvSpPr>
+        <p:spPr>
+          <a:xfrm>
+            <a:off x="379283" y="2244711"/>
+            <a:ext cx="2433680" cy="338554"/>
+          </a:xfrm>
+          <a:prstGeom prst="rect">
+            <a:avLst/>
+          </a:prstGeom>
+          <a:noFill/>
+        </p:spPr>
+        <p:txBody>
+          <a:bodyPr wrap="none" rtlCol="0">
+            <a:spAutoFit/>
+          </a:bodyPr>
+          <a:lstStyle/>
+          <a:p>
+            <a:r>
+              <a:rPr lang="en-US" sz="1600" dirty="0" smtClean="0"/>
+              <a:t>Solve for sub-problem $.07</a:t>
+            </a:r>
+            <a:endParaRPr lang="en-US" sz="1600" dirty="0"/>
+          </a:p>
+        </p:txBody>
+      </p:sp>
+      <p:cxnSp>
+        <p:nvCxnSpPr>
+          <p:cNvPr id="73" name="Curved Connector 72"/>
+          <p:cNvCxnSpPr>
+            <a:endCxn id="20" idx="10"/>
+          </p:cNvCxnSpPr>
+          <p:nvPr/>
+        </p:nvCxnSpPr>
+        <p:spPr>
+          <a:xfrm rot="16200000" flipH="1">
+            <a:off x="1119348" y="2632985"/>
+            <a:ext cx="545725" cy="489479"/>
+          </a:xfrm>
+          <a:prstGeom prst="curvedConnector3">
+            <a:avLst/>
+          </a:prstGeom>
+          <a:ln w="12700">
+            <a:solidFill>
+              <a:schemeClr val="tx1"/>
+            </a:solidFill>
+            <a:tailEnd type="arrow"/>
+          </a:ln>
+        </p:spPr>
+        <p:style>
+          <a:lnRef idx="1">
+            <a:schemeClr val="accent1"/>
+          </a:lnRef>
+          <a:fillRef idx="0">
+            <a:schemeClr val="accent1"/>
+          </a:fillRef>
+          <a:effectRef idx="0">
+            <a:schemeClr val="accent1"/>
+          </a:effectRef>
+          <a:fontRef idx="minor">
+            <a:schemeClr val="tx1"/>
+          </a:fontRef>
+        </p:style>
+      </p:cxnSp>
+    </p:spTree>
+    <p:extLst>
+      <p:ext uri="{BB962C8B-B14F-4D97-AF65-F5344CB8AC3E}">
+        <p14:creationId xmlns:p14="http://schemas.microsoft.com/office/powerpoint/2010/main" val="3093499215"/>
+      </p:ext>
+    </p:extLst>
+  </p:cSld>
+  <p:clrMapOvr>
+    <a:masterClrMapping/>
+  </p:clrMapOvr>
+  <p:timing>
+    <p:tnLst>
+      <p:par>
+        <p:cTn id="1" dur="indefinite" restart="never" nodeType="tmRoot"/>
+      </p:par>
+    </p:tnLst>
+  </p:timing>
+</p:sld>
+</file>
+
+<file path=ppt/slides/slide14.xml><?xml version="1.0" encoding="utf-8"?>
+<p:sld xmlns:a="http://schemas.openxmlformats.org/drawingml/2006/main" xmlns:r="http://schemas.openxmlformats.org/officeDocument/2006/relationships" xmlns:p="http://schemas.openxmlformats.org/presentationml/2006/main">
+  <p:cSld>
+    <p:spTree>
+      <p:nvGrpSpPr>
+        <p:cNvPr id="1" name=""/>
+        <p:cNvGrpSpPr/>
+        <p:nvPr/>
+      </p:nvGrpSpPr>
+      <p:grpSpPr>
+        <a:xfrm>
+          <a:off x="0" y="0"/>
+          <a:ext cx="0" cy="0"/>
+          <a:chOff x="0" y="0"/>
+          <a:chExt cx="0" cy="0"/>
+        </a:xfrm>
+      </p:grpSpPr>
+      <p:sp>
+        <p:nvSpPr>
+          <p:cNvPr id="2" name="Title 1"/>
+          <p:cNvSpPr>
+            <a:spLocks noGrp="1"/>
+          </p:cNvSpPr>
+          <p:nvPr>
+            <p:ph type="title"/>
+          </p:nvPr>
+        </p:nvSpPr>
+        <p:spPr>
+          <a:xfrm>
+            <a:off x="152400" y="274638"/>
+            <a:ext cx="8915399" cy="792162"/>
+          </a:xfrm>
+        </p:spPr>
+        <p:txBody>
+          <a:bodyPr>
+            <a:normAutofit fontScale="90000"/>
+          </a:bodyPr>
+          <a:lstStyle/>
+          <a:p>
+            <a:pPr algn="l"/>
+            <a:r>
+              <a:rPr lang="en-US" sz="4000" dirty="0" smtClean="0">
+                <a:solidFill>
+                  <a:schemeClr val="accent1">
+                    <a:lumMod val="75000"/>
+                  </a:schemeClr>
+                </a:solidFill>
+              </a:rPr>
+              <a:t>Advanced – Prune Nodes when Solution Exists </a:t>
+            </a:r>
+            <a:endParaRPr lang="en-US" sz="4000" dirty="0">
+              <a:solidFill>
+                <a:schemeClr val="accent1">
+                  <a:lumMod val="75000"/>
+                </a:schemeClr>
+              </a:solidFill>
+            </a:endParaRPr>
+          </a:p>
+        </p:txBody>
+      </p:sp>
+      <p:cxnSp>
+        <p:nvCxnSpPr>
+          <p:cNvPr id="5" name="Straight Connector 4"/>
+          <p:cNvCxnSpPr/>
+          <p:nvPr/>
+        </p:nvCxnSpPr>
+        <p:spPr>
+          <a:xfrm>
+            <a:off x="0" y="990600"/>
+            <a:ext cx="9144000" cy="0"/>
+          </a:xfrm>
+          <a:prstGeom prst="line">
+            <a:avLst/>
+          </a:prstGeom>
+          <a:ln w="19050"/>
+        </p:spPr>
+        <p:style>
+          <a:lnRef idx="1">
+            <a:schemeClr val="accent1"/>
+          </a:lnRef>
+          <a:fillRef idx="0">
+            <a:schemeClr val="accent1"/>
+          </a:fillRef>
+          <a:effectRef idx="0">
+            <a:schemeClr val="accent1"/>
+          </a:effectRef>
+          <a:fontRef idx="minor">
+            <a:schemeClr val="tx1"/>
+          </a:fontRef>
+        </p:style>
+      </p:cxnSp>
+      <p:sp>
+        <p:nvSpPr>
+          <p:cNvPr id="14" name="Dodecagon 13"/>
+          <p:cNvSpPr/>
+          <p:nvPr/>
+        </p:nvSpPr>
+        <p:spPr>
+          <a:xfrm>
+            <a:off x="4051965" y="3016130"/>
+            <a:ext cx="838200" cy="762000"/>
+          </a:xfrm>
+          <a:prstGeom prst="dodecagon">
+            <a:avLst/>
+          </a:prstGeom>
+        </p:spPr>
+        <p:style>
+          <a:lnRef idx="2">
+            <a:schemeClr val="accent1">
+              <a:shade val="50000"/>
+            </a:schemeClr>
+          </a:lnRef>
+          <a:fillRef idx="1">
+            <a:schemeClr val="accent1"/>
+          </a:fillRef>
+          <a:effectRef idx="0">
+            <a:schemeClr val="accent1"/>
+          </a:effectRef>
+          <a:fontRef idx="minor">
+            <a:schemeClr val="lt1"/>
+          </a:fontRef>
+        </p:style>
+        <p:txBody>
+          <a:bodyPr rtlCol="0" anchor="ctr"/>
+          <a:lstStyle/>
+          <a:p>
+            <a:pPr algn="ctr"/>
+            <a:r>
+              <a:rPr lang="en-US" dirty="0" smtClean="0"/>
+              <a:t>4</a:t>
+            </a:r>
+            <a:endParaRPr lang="en-US" dirty="0"/>
+          </a:p>
+        </p:txBody>
+      </p:sp>
+      <p:sp>
+        <p:nvSpPr>
+          <p:cNvPr id="22" name="Dodecagon 21"/>
+          <p:cNvSpPr/>
+          <p:nvPr/>
+        </p:nvSpPr>
+        <p:spPr>
+          <a:xfrm>
+            <a:off x="4051965" y="1581030"/>
+            <a:ext cx="838200" cy="762000"/>
+          </a:xfrm>
+          <a:prstGeom prst="dodecagon">
+            <a:avLst/>
+          </a:prstGeom>
+        </p:spPr>
+        <p:style>
+          <a:lnRef idx="2">
+            <a:schemeClr val="accent1">
+              <a:shade val="50000"/>
+            </a:schemeClr>
+          </a:lnRef>
+          <a:fillRef idx="1">
+            <a:schemeClr val="accent1"/>
+          </a:fillRef>
+          <a:effectRef idx="0">
+            <a:schemeClr val="accent1"/>
+          </a:effectRef>
+          <a:fontRef idx="minor">
+            <a:schemeClr val="lt1"/>
+          </a:fontRef>
+        </p:style>
+        <p:txBody>
+          <a:bodyPr rtlCol="0" anchor="ctr"/>
+          <a:lstStyle/>
+          <a:p>
+            <a:pPr algn="ctr"/>
+            <a:endParaRPr lang="en-US" dirty="0"/>
+          </a:p>
+        </p:txBody>
+      </p:sp>
+      <p:cxnSp>
+        <p:nvCxnSpPr>
+          <p:cNvPr id="25" name="Straight Arrow Connector 24"/>
+          <p:cNvCxnSpPr/>
+          <p:nvPr/>
+        </p:nvCxnSpPr>
+        <p:spPr>
+          <a:xfrm flipH="1">
+            <a:off x="4471065" y="2343030"/>
+            <a:ext cx="1" cy="609600"/>
+          </a:xfrm>
+          <a:prstGeom prst="straightConnector1">
+            <a:avLst/>
+          </a:prstGeom>
+          <a:ln w="25400">
+            <a:solidFill>
+              <a:schemeClr val="tx1"/>
+            </a:solidFill>
+            <a:tailEnd type="arrow"/>
+          </a:ln>
+        </p:spPr>
+        <p:style>
+          <a:lnRef idx="1">
+            <a:schemeClr val="accent1"/>
+          </a:lnRef>
+          <a:fillRef idx="0">
+            <a:schemeClr val="accent1"/>
+          </a:fillRef>
+          <a:effectRef idx="0">
+            <a:schemeClr val="accent1"/>
+          </a:effectRef>
+          <a:fontRef idx="minor">
+            <a:schemeClr val="tx1"/>
+          </a:fontRef>
+        </p:style>
+      </p:cxnSp>
+      <p:sp>
+        <p:nvSpPr>
+          <p:cNvPr id="35" name="TextBox 34"/>
+          <p:cNvSpPr txBox="1"/>
+          <p:nvPr/>
+        </p:nvSpPr>
+        <p:spPr>
+          <a:xfrm>
+            <a:off x="3552225" y="2647830"/>
+            <a:ext cx="918841" cy="369332"/>
+          </a:xfrm>
+          <a:prstGeom prst="rect">
+            <a:avLst/>
+          </a:prstGeom>
+          <a:noFill/>
+        </p:spPr>
+        <p:txBody>
+          <a:bodyPr wrap="none" rtlCol="0">
+            <a:spAutoFit/>
+          </a:bodyPr>
+          <a:lstStyle/>
+          <a:p>
+            <a:r>
+              <a:rPr lang="en-US" dirty="0"/>
+              <a:t>s</a:t>
+            </a:r>
+            <a:r>
+              <a:rPr lang="en-US" dirty="0" smtClean="0"/>
+              <a:t>um = 4</a:t>
+            </a:r>
+            <a:endParaRPr lang="en-US" dirty="0"/>
+          </a:p>
+        </p:txBody>
+      </p:sp>
+      <p:sp>
+        <p:nvSpPr>
+          <p:cNvPr id="37" name="Rectangle 36"/>
+          <p:cNvSpPr/>
+          <p:nvPr/>
+        </p:nvSpPr>
+        <p:spPr>
+          <a:xfrm>
+            <a:off x="2838363" y="1128527"/>
+            <a:ext cx="3269036" cy="369332"/>
+          </a:xfrm>
+          <a:prstGeom prst="rect">
+            <a:avLst/>
+          </a:prstGeom>
+        </p:spPr>
+        <p:txBody>
+          <a:bodyPr wrap="none">
+            <a:spAutoFit/>
+          </a:bodyPr>
+          <a:lstStyle/>
+          <a:p>
+            <a:r>
+              <a:rPr lang="en-US" b="1" dirty="0" smtClean="0">
+                <a:solidFill>
+                  <a:schemeClr val="accent3">
+                    <a:lumMod val="50000"/>
+                  </a:schemeClr>
+                </a:solidFill>
+              </a:rPr>
+              <a:t>coins = BFS( $.08, [ 15, 5, 4, 1 ] ) </a:t>
+            </a:r>
+            <a:endParaRPr lang="en-US" dirty="0"/>
+          </a:p>
+        </p:txBody>
+      </p:sp>
+      <p:sp>
+        <p:nvSpPr>
+          <p:cNvPr id="43" name="Dodecagon 42"/>
+          <p:cNvSpPr/>
+          <p:nvPr/>
+        </p:nvSpPr>
+        <p:spPr>
+          <a:xfrm>
+            <a:off x="4053781" y="4303578"/>
+            <a:ext cx="838200" cy="762000"/>
+          </a:xfrm>
+          <a:prstGeom prst="dodecagon">
+            <a:avLst/>
+          </a:prstGeom>
+          <a:solidFill>
+            <a:srgbClr val="FFC000"/>
+          </a:solidFill>
+        </p:spPr>
+        <p:style>
+          <a:lnRef idx="2">
+            <a:schemeClr val="accent1">
+              <a:shade val="50000"/>
+            </a:schemeClr>
+          </a:lnRef>
+          <a:fillRef idx="1">
+            <a:schemeClr val="accent1"/>
+          </a:fillRef>
+          <a:effectRef idx="0">
+            <a:schemeClr val="accent1"/>
+          </a:effectRef>
+          <a:fontRef idx="minor">
+            <a:schemeClr val="lt1"/>
+          </a:fontRef>
+        </p:style>
+        <p:txBody>
+          <a:bodyPr rtlCol="0" anchor="ctr"/>
+          <a:lstStyle/>
+          <a:p>
+            <a:pPr algn="ctr"/>
+            <a:r>
+              <a:rPr lang="en-US" dirty="0" smtClean="0"/>
+              <a:t>4</a:t>
+            </a:r>
+            <a:endParaRPr lang="en-US" dirty="0"/>
+          </a:p>
+        </p:txBody>
+      </p:sp>
+      <p:cxnSp>
+        <p:nvCxnSpPr>
+          <p:cNvPr id="46" name="Straight Arrow Connector 45"/>
+          <p:cNvCxnSpPr/>
+          <p:nvPr/>
+        </p:nvCxnSpPr>
+        <p:spPr>
+          <a:xfrm>
+            <a:off x="4471065" y="3765429"/>
+            <a:ext cx="0" cy="538149"/>
+          </a:xfrm>
+          <a:prstGeom prst="straightConnector1">
+            <a:avLst/>
+          </a:prstGeom>
+          <a:ln w="25400">
+            <a:solidFill>
+              <a:schemeClr val="tx1"/>
+            </a:solidFill>
+            <a:tailEnd type="arrow"/>
+          </a:ln>
+        </p:spPr>
+        <p:style>
+          <a:lnRef idx="1">
+            <a:schemeClr val="accent1"/>
+          </a:lnRef>
+          <a:fillRef idx="0">
+            <a:schemeClr val="accent1"/>
+          </a:fillRef>
+          <a:effectRef idx="0">
+            <a:schemeClr val="accent1"/>
+          </a:effectRef>
+          <a:fontRef idx="minor">
+            <a:schemeClr val="tx1"/>
+          </a:fontRef>
+        </p:style>
+      </p:cxnSp>
+      <p:sp>
+        <p:nvSpPr>
+          <p:cNvPr id="48" name="TextBox 47"/>
+          <p:cNvSpPr txBox="1"/>
+          <p:nvPr/>
+        </p:nvSpPr>
+        <p:spPr>
+          <a:xfrm>
+            <a:off x="4503263" y="3790696"/>
+            <a:ext cx="859906" cy="338554"/>
+          </a:xfrm>
+          <a:prstGeom prst="rect">
+            <a:avLst/>
+          </a:prstGeom>
+          <a:noFill/>
+        </p:spPr>
+        <p:txBody>
+          <a:bodyPr wrap="square" rtlCol="0">
+            <a:spAutoFit/>
+          </a:bodyPr>
+          <a:lstStyle/>
+          <a:p>
+            <a:r>
+              <a:rPr lang="en-US" sz="1600" dirty="0" smtClean="0"/>
+              <a:t>sum = 8</a:t>
+            </a:r>
+            <a:endParaRPr lang="en-US" sz="1600" dirty="0"/>
+          </a:p>
+        </p:txBody>
+      </p:sp>
+      <p:graphicFrame>
+        <p:nvGraphicFramePr>
+          <p:cNvPr id="44" name="Table 43"/>
+          <p:cNvGraphicFramePr>
+            <a:graphicFrameLocks noGrp="1"/>
+          </p:cNvGraphicFramePr>
+          <p:nvPr>
+            <p:extLst>
+              <p:ext uri="{D42A27DB-BD31-4B8C-83A1-F6EECF244321}">
+                <p14:modId xmlns:p14="http://schemas.microsoft.com/office/powerpoint/2010/main" val="4232168874"/>
+              </p:ext>
+            </p:extLst>
+          </p:nvPr>
+        </p:nvGraphicFramePr>
+        <p:xfrm>
+          <a:off x="5715000" y="3397130"/>
+          <a:ext cx="3200400" cy="2601823"/>
+        </p:xfrm>
+        <a:graphic>
+          <a:graphicData uri="http://schemas.openxmlformats.org/drawingml/2006/table">
+            <a:tbl>
+              <a:tblPr firstRow="1" bandRow="1">
+                <a:tableStyleId>{5C22544A-7EE6-4342-B048-85BDC9FD1C3A}</a:tableStyleId>
+              </a:tblPr>
+              <a:tblGrid>
+                <a:gridCol w="1648447"/>
+                <a:gridCol w="1551953"/>
+              </a:tblGrid>
+              <a:tr h="407263">
+                <a:tc>
+                  <a:txBody>
+                    <a:bodyPr/>
+                    <a:lstStyle/>
+                    <a:p>
+                      <a:r>
+                        <a:rPr lang="en-US" dirty="0" smtClean="0"/>
+                        <a:t>Dollar Amount</a:t>
+                      </a:r>
+                      <a:endParaRPr lang="en-US" dirty="0"/>
+                    </a:p>
+                  </a:txBody>
+                  <a:tcPr/>
+                </a:tc>
+                <a:tc>
+                  <a:txBody>
+                    <a:bodyPr/>
+                    <a:lstStyle/>
+                    <a:p>
+                      <a:r>
+                        <a:rPr lang="en-US" dirty="0" smtClean="0"/>
+                        <a:t>Coins</a:t>
+                      </a:r>
+                      <a:endParaRPr lang="en-US" dirty="0"/>
+                    </a:p>
+                  </a:txBody>
+                  <a:tcPr/>
+                </a:tc>
+              </a:tr>
+              <a:tr h="365760">
+                <a:tc>
+                  <a:txBody>
+                    <a:bodyPr/>
+                    <a:lstStyle/>
+                    <a:p>
+                      <a:r>
+                        <a:rPr lang="en-US" dirty="0" smtClean="0"/>
+                        <a:t>.</a:t>
+                      </a:r>
+                      <a:r>
+                        <a:rPr lang="en-US" dirty="0" smtClean="0"/>
+                        <a:t>01</a:t>
+                      </a:r>
+                      <a:endParaRPr lang="en-US" dirty="0"/>
+                    </a:p>
+                  </a:txBody>
+                  <a:tcPr/>
+                </a:tc>
+                <a:tc>
+                  <a:txBody>
+                    <a:bodyPr/>
+                    <a:lstStyle/>
+                    <a:p>
+                      <a:r>
+                        <a:rPr lang="en-US" dirty="0" smtClean="0"/>
+                        <a:t>[ </a:t>
+                      </a:r>
+                      <a:r>
+                        <a:rPr lang="en-US" dirty="0" smtClean="0"/>
+                        <a:t>1 </a:t>
+                      </a:r>
+                      <a:r>
+                        <a:rPr lang="en-US" dirty="0" smtClean="0"/>
+                        <a:t>]</a:t>
+                      </a:r>
+                      <a:endParaRPr lang="en-US" dirty="0"/>
+                    </a:p>
+                  </a:txBody>
+                  <a:tcPr/>
+                </a:tc>
+              </a:tr>
+              <a:tr h="365760">
+                <a:tc>
+                  <a:txBody>
+                    <a:bodyPr/>
+                    <a:lstStyle/>
+                    <a:p>
+                      <a:r>
+                        <a:rPr lang="en-US" dirty="0" smtClean="0"/>
+                        <a:t>.02</a:t>
+                      </a:r>
+                      <a:endParaRPr lang="en-US" dirty="0"/>
+                    </a:p>
+                  </a:txBody>
+                  <a:tcPr/>
+                </a:tc>
+                <a:tc>
+                  <a:txBody>
+                    <a:bodyPr/>
+                    <a:lstStyle/>
+                    <a:p>
+                      <a:r>
+                        <a:rPr lang="en-US" dirty="0" smtClean="0"/>
+                        <a:t>[ 1, 1 ]</a:t>
+                      </a:r>
+                      <a:endParaRPr lang="en-US" dirty="0"/>
+                    </a:p>
+                  </a:txBody>
+                  <a:tcPr/>
+                </a:tc>
+              </a:tr>
+              <a:tr h="365760">
+                <a:tc>
+                  <a:txBody>
+                    <a:bodyPr/>
+                    <a:lstStyle/>
+                    <a:p>
+                      <a:r>
+                        <a:rPr lang="en-US" dirty="0" smtClean="0"/>
+                        <a:t>.04</a:t>
+                      </a:r>
+                      <a:endParaRPr lang="en-US" dirty="0"/>
+                    </a:p>
+                  </a:txBody>
+                  <a:tcPr/>
+                </a:tc>
+                <a:tc>
+                  <a:txBody>
+                    <a:bodyPr/>
+                    <a:lstStyle/>
+                    <a:p>
+                      <a:r>
+                        <a:rPr lang="en-US" dirty="0" smtClean="0"/>
+                        <a:t>[ </a:t>
+                      </a:r>
+                      <a:r>
+                        <a:rPr lang="en-US" baseline="0" dirty="0" smtClean="0"/>
+                        <a:t>4 ]</a:t>
+                      </a:r>
+                      <a:endParaRPr lang="en-US" dirty="0"/>
+                    </a:p>
+                  </a:txBody>
+                  <a:tcPr/>
+                </a:tc>
+              </a:tr>
+              <a:tr h="365760">
+                <a:tc>
+                  <a:txBody>
+                    <a:bodyPr/>
+                    <a:lstStyle/>
+                    <a:p>
+                      <a:r>
+                        <a:rPr lang="en-US" dirty="0" smtClean="0"/>
+                        <a:t>.05</a:t>
+                      </a:r>
+                      <a:endParaRPr lang="en-US" dirty="0"/>
+                    </a:p>
+                  </a:txBody>
+                  <a:tcPr/>
+                </a:tc>
+                <a:tc>
+                  <a:txBody>
+                    <a:bodyPr/>
+                    <a:lstStyle/>
+                    <a:p>
+                      <a:r>
+                        <a:rPr lang="en-US" dirty="0" smtClean="0"/>
+                        <a:t>[ 5 ]</a:t>
+                      </a:r>
+                      <a:endParaRPr lang="en-US" dirty="0"/>
+                    </a:p>
+                  </a:txBody>
+                  <a:tcPr/>
+                </a:tc>
+              </a:tr>
+              <a:tr h="365760">
+                <a:tc>
+                  <a:txBody>
+                    <a:bodyPr/>
+                    <a:lstStyle/>
+                    <a:p>
+                      <a:r>
+                        <a:rPr lang="en-US" dirty="0" smtClean="0"/>
+                        <a:t>.06</a:t>
+                      </a:r>
+                      <a:endParaRPr lang="en-US" dirty="0"/>
+                    </a:p>
+                  </a:txBody>
+                  <a:tcPr/>
+                </a:tc>
+                <a:tc>
+                  <a:txBody>
+                    <a:bodyPr/>
+                    <a:lstStyle/>
+                    <a:p>
+                      <a:r>
+                        <a:rPr lang="en-US" dirty="0" smtClean="0"/>
+                        <a:t>[ 5, 1 ]</a:t>
+                      </a:r>
+                      <a:endParaRPr lang="en-US" dirty="0"/>
+                    </a:p>
+                  </a:txBody>
+                  <a:tcPr/>
+                </a:tc>
+              </a:tr>
+              <a:tr h="365760">
+                <a:tc>
+                  <a:txBody>
+                    <a:bodyPr/>
+                    <a:lstStyle/>
+                    <a:p>
+                      <a:r>
+                        <a:rPr lang="en-US" dirty="0" smtClean="0"/>
+                        <a:t>.08</a:t>
+                      </a:r>
+                      <a:endParaRPr lang="en-US" dirty="0"/>
+                    </a:p>
+                  </a:txBody>
+                  <a:tcPr/>
+                </a:tc>
+                <a:tc>
+                  <a:txBody>
+                    <a:bodyPr/>
+                    <a:lstStyle/>
+                    <a:p>
+                      <a:r>
+                        <a:rPr lang="en-US" dirty="0" smtClean="0"/>
+                        <a:t>[ 4, 4 ]</a:t>
+                      </a:r>
+                      <a:endParaRPr lang="en-US" dirty="0"/>
+                    </a:p>
+                  </a:txBody>
+                  <a:tcPr/>
+                </a:tc>
+              </a:tr>
+            </a:tbl>
+          </a:graphicData>
+        </a:graphic>
+      </p:graphicFrame>
+      <p:sp>
+        <p:nvSpPr>
+          <p:cNvPr id="54" name="TextBox 53"/>
+          <p:cNvSpPr txBox="1"/>
+          <p:nvPr/>
+        </p:nvSpPr>
+        <p:spPr>
+          <a:xfrm>
+            <a:off x="838200" y="2783353"/>
+            <a:ext cx="2433680" cy="338554"/>
+          </a:xfrm>
+          <a:prstGeom prst="rect">
+            <a:avLst/>
+          </a:prstGeom>
+          <a:noFill/>
+        </p:spPr>
+        <p:txBody>
+          <a:bodyPr wrap="none" rtlCol="0">
+            <a:spAutoFit/>
+          </a:bodyPr>
+          <a:lstStyle/>
+          <a:p>
+            <a:r>
+              <a:rPr lang="en-US" sz="1600" dirty="0" smtClean="0"/>
+              <a:t>Solve for sub-problem $.04</a:t>
+            </a:r>
+            <a:endParaRPr lang="en-US" sz="1600" dirty="0"/>
+          </a:p>
+        </p:txBody>
+      </p:sp>
+      <p:cxnSp>
+        <p:nvCxnSpPr>
+          <p:cNvPr id="55" name="Curved Connector 54"/>
+          <p:cNvCxnSpPr>
+            <a:stCxn id="54" idx="3"/>
+          </p:cNvCxnSpPr>
+          <p:nvPr/>
+        </p:nvCxnSpPr>
+        <p:spPr>
+          <a:xfrm>
+            <a:off x="3271880" y="2952630"/>
+            <a:ext cx="739765" cy="444500"/>
+          </a:xfrm>
+          <a:prstGeom prst="curvedConnector3">
+            <a:avLst/>
+          </a:prstGeom>
+          <a:ln w="12700">
+            <a:solidFill>
+              <a:schemeClr val="tx1"/>
+            </a:solidFill>
+            <a:tailEnd type="arrow"/>
+          </a:ln>
+        </p:spPr>
+        <p:style>
+          <a:lnRef idx="1">
+            <a:schemeClr val="accent1"/>
+          </a:lnRef>
+          <a:fillRef idx="0">
+            <a:schemeClr val="accent1"/>
+          </a:fillRef>
+          <a:effectRef idx="0">
+            <a:schemeClr val="accent1"/>
+          </a:effectRef>
+          <a:fontRef idx="minor">
+            <a:schemeClr val="tx1"/>
+          </a:fontRef>
+        </p:style>
+      </p:cxnSp>
+      <p:cxnSp>
+        <p:nvCxnSpPr>
+          <p:cNvPr id="56" name="Straight Arrow Connector 55"/>
+          <p:cNvCxnSpPr>
+            <a:stCxn id="44" idx="1"/>
+          </p:cNvCxnSpPr>
+          <p:nvPr/>
+        </p:nvCxnSpPr>
+        <p:spPr>
+          <a:xfrm flipH="1" flipV="1">
+            <a:off x="4724401" y="4684578"/>
+            <a:ext cx="990599" cy="13463"/>
+          </a:xfrm>
+          <a:prstGeom prst="straightConnector1">
+            <a:avLst/>
+          </a:prstGeom>
+          <a:ln w="25400">
+            <a:solidFill>
+              <a:schemeClr val="accent3">
+                <a:lumMod val="50000"/>
+              </a:schemeClr>
+            </a:solidFill>
+            <a:tailEnd type="arrow"/>
+          </a:ln>
+        </p:spPr>
+        <p:style>
+          <a:lnRef idx="1">
+            <a:schemeClr val="accent1"/>
+          </a:lnRef>
+          <a:fillRef idx="0">
+            <a:schemeClr val="accent1"/>
+          </a:fillRef>
+          <a:effectRef idx="0">
+            <a:schemeClr val="accent1"/>
+          </a:effectRef>
+          <a:fontRef idx="minor">
+            <a:schemeClr val="tx1"/>
+          </a:fontRef>
+        </p:style>
+      </p:cxnSp>
+      <p:cxnSp>
+        <p:nvCxnSpPr>
+          <p:cNvPr id="57" name="Straight Arrow Connector 56"/>
+          <p:cNvCxnSpPr/>
+          <p:nvPr/>
+        </p:nvCxnSpPr>
+        <p:spPr>
+          <a:xfrm>
+            <a:off x="4572000" y="4952271"/>
+            <a:ext cx="1676400" cy="915129"/>
+          </a:xfrm>
+          <a:prstGeom prst="straightConnector1">
+            <a:avLst/>
+          </a:prstGeom>
+          <a:ln w="25400">
+            <a:solidFill>
+              <a:schemeClr val="accent3">
+                <a:lumMod val="50000"/>
+              </a:schemeClr>
+            </a:solidFill>
+            <a:tailEnd type="arrow"/>
+          </a:ln>
+        </p:spPr>
+        <p:style>
+          <a:lnRef idx="1">
+            <a:schemeClr val="accent1"/>
+          </a:lnRef>
+          <a:fillRef idx="0">
+            <a:schemeClr val="accent1"/>
+          </a:fillRef>
+          <a:effectRef idx="0">
+            <a:schemeClr val="accent1"/>
+          </a:effectRef>
+          <a:fontRef idx="minor">
+            <a:schemeClr val="tx1"/>
+          </a:fontRef>
+        </p:style>
+      </p:cxnSp>
+      <p:sp>
+        <p:nvSpPr>
+          <p:cNvPr id="58" name="TextBox 57"/>
+          <p:cNvSpPr txBox="1"/>
+          <p:nvPr/>
+        </p:nvSpPr>
+        <p:spPr>
+          <a:xfrm>
+            <a:off x="2175911" y="5867400"/>
+            <a:ext cx="1935658" cy="338554"/>
+          </a:xfrm>
+          <a:prstGeom prst="rect">
+            <a:avLst/>
+          </a:prstGeom>
+          <a:noFill/>
+        </p:spPr>
+        <p:txBody>
+          <a:bodyPr wrap="none" rtlCol="0">
+            <a:spAutoFit/>
+          </a:bodyPr>
+          <a:lstStyle/>
+          <a:p>
+            <a:r>
+              <a:rPr lang="en-US" sz="1600" dirty="0" smtClean="0"/>
+              <a:t>Add solution for $.08</a:t>
+            </a:r>
+            <a:endParaRPr lang="en-US" sz="1600" dirty="0"/>
+          </a:p>
+        </p:txBody>
+      </p:sp>
+      <p:cxnSp>
+        <p:nvCxnSpPr>
+          <p:cNvPr id="59" name="Curved Connector 58"/>
+          <p:cNvCxnSpPr/>
+          <p:nvPr/>
+        </p:nvCxnSpPr>
+        <p:spPr>
+          <a:xfrm flipV="1">
+            <a:off x="4048190" y="5409835"/>
+            <a:ext cx="1171510" cy="626842"/>
+          </a:xfrm>
+          <a:prstGeom prst="curvedConnector3">
+            <a:avLst/>
+          </a:prstGeom>
+          <a:ln w="12700">
+            <a:solidFill>
+              <a:schemeClr val="tx1"/>
+            </a:solidFill>
+            <a:tailEnd type="arrow"/>
+          </a:ln>
+        </p:spPr>
+        <p:style>
+          <a:lnRef idx="1">
+            <a:schemeClr val="accent1"/>
+          </a:lnRef>
+          <a:fillRef idx="0">
+            <a:schemeClr val="accent1"/>
+          </a:fillRef>
+          <a:effectRef idx="0">
+            <a:schemeClr val="accent1"/>
+          </a:effectRef>
+          <a:fontRef idx="minor">
+            <a:schemeClr val="tx1"/>
+          </a:fontRef>
+        </p:style>
+      </p:cxnSp>
+      <p:sp>
+        <p:nvSpPr>
+          <p:cNvPr id="60" name="TextBox 59"/>
+          <p:cNvSpPr txBox="1"/>
+          <p:nvPr/>
+        </p:nvSpPr>
+        <p:spPr>
+          <a:xfrm>
+            <a:off x="2383063" y="4303578"/>
+            <a:ext cx="1420710" cy="954107"/>
+          </a:xfrm>
+          <a:prstGeom prst="rect">
+            <a:avLst/>
+          </a:prstGeom>
+          <a:noFill/>
+        </p:spPr>
+        <p:txBody>
+          <a:bodyPr wrap="none" rtlCol="0">
+            <a:spAutoFit/>
+          </a:bodyPr>
+          <a:lstStyle/>
+          <a:p>
+            <a:r>
+              <a:rPr lang="en-US" sz="1400" dirty="0" smtClean="0">
+                <a:solidFill>
+                  <a:srgbClr val="FF0000"/>
+                </a:solidFill>
+              </a:rPr>
+              <a:t>No node for </a:t>
+            </a:r>
+            <a:br>
+              <a:rPr lang="en-US" sz="1400" dirty="0" smtClean="0">
+                <a:solidFill>
+                  <a:srgbClr val="FF0000"/>
+                </a:solidFill>
+              </a:rPr>
+            </a:br>
+            <a:r>
+              <a:rPr lang="en-US" sz="1400" dirty="0" smtClean="0">
+                <a:solidFill>
+                  <a:srgbClr val="FF0000"/>
+                </a:solidFill>
+              </a:rPr>
+              <a:t>1 </a:t>
+            </a:r>
+            <a:r>
+              <a:rPr lang="en-US" sz="1400" dirty="0" smtClean="0">
+                <a:solidFill>
+                  <a:srgbClr val="FF0000"/>
+                </a:solidFill>
+              </a:rPr>
+              <a:t>cent coin</a:t>
+            </a:r>
+          </a:p>
+          <a:p>
+            <a:r>
+              <a:rPr lang="en-US" sz="1400" dirty="0" smtClean="0">
+                <a:solidFill>
+                  <a:srgbClr val="FF0000"/>
+                </a:solidFill>
+              </a:rPr>
+              <a:t>because solution</a:t>
+            </a:r>
+          </a:p>
+          <a:p>
+            <a:r>
+              <a:rPr lang="en-US" sz="1400" dirty="0" smtClean="0">
+                <a:solidFill>
+                  <a:srgbClr val="FF0000"/>
+                </a:solidFill>
+              </a:rPr>
+              <a:t>exists.</a:t>
+            </a:r>
+            <a:endParaRPr lang="en-US" sz="1400" dirty="0">
+              <a:solidFill>
+                <a:srgbClr val="FF0000"/>
+              </a:solidFill>
+            </a:endParaRPr>
+          </a:p>
+        </p:txBody>
+      </p:sp>
+    </p:spTree>
+    <p:extLst>
+      <p:ext uri="{BB962C8B-B14F-4D97-AF65-F5344CB8AC3E}">
+        <p14:creationId xmlns:p14="http://schemas.microsoft.com/office/powerpoint/2010/main" val="2005819874"/>
+      </p:ext>
+    </p:extLst>
+  </p:cSld>
+  <p:clrMapOvr>
+    <a:masterClrMapping/>
+  </p:clrMapOvr>
+  <p:timing>
+    <p:tnLst>
+      <p:par>
+        <p:cTn id="1" dur="indefinite" restart="never" nodeType="tmRoot"/>
+      </p:par>
+    </p:tnLst>
+  </p:timing>
+</p:sld>
+</file>
+
+<file path=ppt/slides/slide15.xml><?xml version="1.0" encoding="utf-8"?>
+<p:sld xmlns:a="http://schemas.openxmlformats.org/drawingml/2006/main" xmlns:r="http://schemas.openxmlformats.org/officeDocument/2006/relationships" xmlns:p="http://schemas.openxmlformats.org/presentationml/2006/main">
+  <p:cSld>
+    <p:spTree>
+      <p:nvGrpSpPr>
+        <p:cNvPr id="1" name=""/>
+        <p:cNvGrpSpPr/>
+        <p:nvPr/>
+      </p:nvGrpSpPr>
+      <p:grpSpPr>
+        <a:xfrm>
+          <a:off x="0" y="0"/>
+          <a:ext cx="0" cy="0"/>
+          <a:chOff x="0" y="0"/>
+          <a:chExt cx="0" cy="0"/>
+        </a:xfrm>
+      </p:grpSpPr>
+      <p:sp>
+        <p:nvSpPr>
+          <p:cNvPr id="2" name="Title 1"/>
+          <p:cNvSpPr>
+            <a:spLocks noGrp="1"/>
+          </p:cNvSpPr>
+          <p:nvPr>
+            <p:ph type="title"/>
+          </p:nvPr>
+        </p:nvSpPr>
+        <p:spPr>
+          <a:xfrm>
+            <a:off x="152400" y="274638"/>
+            <a:ext cx="8915399" cy="792162"/>
+          </a:xfrm>
+        </p:spPr>
+        <p:txBody>
+          <a:bodyPr>
+            <a:normAutofit/>
+          </a:bodyPr>
+          <a:lstStyle/>
+          <a:p>
+            <a:pPr algn="l"/>
+            <a:r>
+              <a:rPr lang="en-US" sz="4000" dirty="0" smtClean="0">
+                <a:solidFill>
+                  <a:schemeClr val="accent1">
+                    <a:lumMod val="75000"/>
+                  </a:schemeClr>
+                </a:solidFill>
+              </a:rPr>
+              <a:t>Advanced – Initial Solutions for $.23 </a:t>
+            </a:r>
+            <a:endParaRPr lang="en-US" sz="4000" dirty="0">
+              <a:solidFill>
+                <a:schemeClr val="accent1">
+                  <a:lumMod val="75000"/>
+                </a:schemeClr>
+              </a:solidFill>
+            </a:endParaRPr>
+          </a:p>
+        </p:txBody>
+      </p:sp>
+      <p:cxnSp>
+        <p:nvCxnSpPr>
+          <p:cNvPr id="5" name="Straight Connector 4"/>
+          <p:cNvCxnSpPr/>
+          <p:nvPr/>
+        </p:nvCxnSpPr>
+        <p:spPr>
+          <a:xfrm>
+            <a:off x="0" y="990600"/>
+            <a:ext cx="9144000" cy="0"/>
+          </a:xfrm>
+          <a:prstGeom prst="line">
+            <a:avLst/>
+          </a:prstGeom>
+          <a:ln w="19050"/>
+        </p:spPr>
+        <p:style>
+          <a:lnRef idx="1">
+            <a:schemeClr val="accent1"/>
+          </a:lnRef>
+          <a:fillRef idx="0">
+            <a:schemeClr val="accent1"/>
+          </a:fillRef>
+          <a:effectRef idx="0">
+            <a:schemeClr val="accent1"/>
+          </a:effectRef>
+          <a:fontRef idx="minor">
+            <a:schemeClr val="tx1"/>
+          </a:fontRef>
+        </p:style>
+      </p:cxnSp>
+      <p:sp>
+        <p:nvSpPr>
+          <p:cNvPr id="13" name="Dodecagon 12"/>
+          <p:cNvSpPr/>
+          <p:nvPr/>
+        </p:nvSpPr>
+        <p:spPr>
+          <a:xfrm>
+            <a:off x="1236782" y="2869745"/>
+            <a:ext cx="838200" cy="762000"/>
+          </a:xfrm>
+          <a:prstGeom prst="dodecagon">
+            <a:avLst/>
+          </a:prstGeom>
+        </p:spPr>
+        <p:style>
+          <a:lnRef idx="2">
+            <a:schemeClr val="accent1">
+              <a:shade val="50000"/>
+            </a:schemeClr>
+          </a:lnRef>
+          <a:fillRef idx="1">
+            <a:schemeClr val="accent1"/>
+          </a:fillRef>
+          <a:effectRef idx="0">
+            <a:schemeClr val="accent1"/>
+          </a:effectRef>
+          <a:fontRef idx="minor">
+            <a:schemeClr val="lt1"/>
+          </a:fontRef>
+        </p:style>
+        <p:txBody>
+          <a:bodyPr rtlCol="0" anchor="ctr"/>
+          <a:lstStyle/>
+          <a:p>
+            <a:pPr algn="ctr"/>
+            <a:r>
+              <a:rPr lang="en-US" dirty="0" smtClean="0"/>
+              <a:t>1</a:t>
+            </a:r>
+            <a:endParaRPr lang="en-US" dirty="0"/>
+          </a:p>
+        </p:txBody>
+      </p:sp>
+      <p:sp>
+        <p:nvSpPr>
+          <p:cNvPr id="14" name="Dodecagon 13"/>
+          <p:cNvSpPr/>
+          <p:nvPr/>
+        </p:nvSpPr>
+        <p:spPr>
+          <a:xfrm>
+            <a:off x="3228685" y="2869745"/>
+            <a:ext cx="838200" cy="762000"/>
+          </a:xfrm>
+          <a:prstGeom prst="dodecagon">
+            <a:avLst/>
+          </a:prstGeom>
+        </p:spPr>
+        <p:style>
+          <a:lnRef idx="2">
+            <a:schemeClr val="accent1">
+              <a:shade val="50000"/>
+            </a:schemeClr>
+          </a:lnRef>
+          <a:fillRef idx="1">
+            <a:schemeClr val="accent1"/>
+          </a:fillRef>
+          <a:effectRef idx="0">
+            <a:schemeClr val="accent1"/>
+          </a:effectRef>
+          <a:fontRef idx="minor">
+            <a:schemeClr val="lt1"/>
+          </a:fontRef>
+        </p:style>
+        <p:txBody>
+          <a:bodyPr rtlCol="0" anchor="ctr"/>
+          <a:lstStyle/>
+          <a:p>
+            <a:pPr algn="ctr"/>
+            <a:r>
+              <a:rPr lang="en-US" dirty="0" smtClean="0"/>
+              <a:t>4</a:t>
+            </a:r>
+            <a:endParaRPr lang="en-US" dirty="0"/>
+          </a:p>
+        </p:txBody>
+      </p:sp>
+      <p:sp>
+        <p:nvSpPr>
+          <p:cNvPr id="15" name="Dodecagon 14"/>
+          <p:cNvSpPr/>
+          <p:nvPr/>
+        </p:nvSpPr>
+        <p:spPr>
+          <a:xfrm>
+            <a:off x="4792782" y="2854844"/>
+            <a:ext cx="838200" cy="762000"/>
+          </a:xfrm>
+          <a:prstGeom prst="dodecagon">
+            <a:avLst/>
+          </a:prstGeom>
+        </p:spPr>
+        <p:style>
+          <a:lnRef idx="2">
+            <a:schemeClr val="accent1">
+              <a:shade val="50000"/>
+            </a:schemeClr>
+          </a:lnRef>
+          <a:fillRef idx="1">
+            <a:schemeClr val="accent1"/>
+          </a:fillRef>
+          <a:effectRef idx="0">
+            <a:schemeClr val="accent1"/>
+          </a:effectRef>
+          <a:fontRef idx="minor">
+            <a:schemeClr val="lt1"/>
+          </a:fontRef>
+        </p:style>
+        <p:txBody>
+          <a:bodyPr rtlCol="0" anchor="ctr"/>
+          <a:lstStyle/>
+          <a:p>
+            <a:pPr algn="ctr"/>
+            <a:r>
+              <a:rPr lang="en-US" dirty="0" smtClean="0"/>
+              <a:t>5</a:t>
+            </a:r>
+            <a:endParaRPr lang="en-US" dirty="0"/>
+          </a:p>
+        </p:txBody>
+      </p:sp>
+      <p:sp>
+        <p:nvSpPr>
+          <p:cNvPr id="22" name="Dodecagon 21"/>
+          <p:cNvSpPr/>
+          <p:nvPr/>
+        </p:nvSpPr>
+        <p:spPr>
+          <a:xfrm>
+            <a:off x="3954582" y="1518380"/>
+            <a:ext cx="838200" cy="762000"/>
+          </a:xfrm>
+          <a:prstGeom prst="dodecagon">
+            <a:avLst/>
+          </a:prstGeom>
+        </p:spPr>
+        <p:style>
+          <a:lnRef idx="2">
+            <a:schemeClr val="accent1">
+              <a:shade val="50000"/>
+            </a:schemeClr>
+          </a:lnRef>
+          <a:fillRef idx="1">
+            <a:schemeClr val="accent1"/>
+          </a:fillRef>
+          <a:effectRef idx="0">
+            <a:schemeClr val="accent1"/>
+          </a:effectRef>
+          <a:fontRef idx="minor">
+            <a:schemeClr val="lt1"/>
+          </a:fontRef>
+        </p:style>
+        <p:txBody>
+          <a:bodyPr rtlCol="0" anchor="ctr"/>
+          <a:lstStyle/>
+          <a:p>
+            <a:pPr algn="ctr"/>
+            <a:endParaRPr lang="en-US" dirty="0"/>
+          </a:p>
+        </p:txBody>
+      </p:sp>
+      <p:cxnSp>
+        <p:nvCxnSpPr>
+          <p:cNvPr id="9" name="Straight Arrow Connector 8"/>
+          <p:cNvCxnSpPr>
+            <a:stCxn id="22" idx="6"/>
+          </p:cNvCxnSpPr>
+          <p:nvPr/>
+        </p:nvCxnSpPr>
+        <p:spPr>
+          <a:xfrm flipH="1">
+            <a:off x="1981200" y="2178286"/>
+            <a:ext cx="2085685" cy="793514"/>
+          </a:xfrm>
+          <a:prstGeom prst="straightConnector1">
+            <a:avLst/>
+          </a:prstGeom>
+          <a:ln w="25400">
+            <a:solidFill>
+              <a:schemeClr val="tx1"/>
+            </a:solidFill>
+            <a:tailEnd type="arrow"/>
+          </a:ln>
+        </p:spPr>
+        <p:style>
+          <a:lnRef idx="1">
+            <a:schemeClr val="accent1"/>
+          </a:lnRef>
+          <a:fillRef idx="0">
+            <a:schemeClr val="accent1"/>
+          </a:fillRef>
+          <a:effectRef idx="0">
+            <a:schemeClr val="accent1"/>
+          </a:effectRef>
+          <a:fontRef idx="minor">
+            <a:schemeClr val="tx1"/>
+          </a:fontRef>
+        </p:style>
+      </p:cxnSp>
+      <p:cxnSp>
+        <p:nvCxnSpPr>
+          <p:cNvPr id="25" name="Straight Arrow Connector 24"/>
+          <p:cNvCxnSpPr>
+            <a:stCxn id="22" idx="5"/>
+          </p:cNvCxnSpPr>
+          <p:nvPr/>
+        </p:nvCxnSpPr>
+        <p:spPr>
+          <a:xfrm flipH="1">
+            <a:off x="3862825" y="2280380"/>
+            <a:ext cx="398554" cy="589365"/>
+          </a:xfrm>
+          <a:prstGeom prst="straightConnector1">
+            <a:avLst/>
+          </a:prstGeom>
+          <a:ln w="25400">
+            <a:solidFill>
+              <a:schemeClr val="tx1"/>
+            </a:solidFill>
+            <a:tailEnd type="arrow"/>
+          </a:ln>
+        </p:spPr>
+        <p:style>
+          <a:lnRef idx="1">
+            <a:schemeClr val="accent1"/>
+          </a:lnRef>
+          <a:fillRef idx="0">
+            <a:schemeClr val="accent1"/>
+          </a:fillRef>
+          <a:effectRef idx="0">
+            <a:schemeClr val="accent1"/>
+          </a:effectRef>
+          <a:fontRef idx="minor">
+            <a:schemeClr val="tx1"/>
+          </a:fontRef>
+        </p:style>
+      </p:cxnSp>
+      <p:cxnSp>
+        <p:nvCxnSpPr>
+          <p:cNvPr id="30" name="Straight Arrow Connector 29"/>
+          <p:cNvCxnSpPr>
+            <a:stCxn id="22" idx="4"/>
+          </p:cNvCxnSpPr>
+          <p:nvPr/>
+        </p:nvCxnSpPr>
+        <p:spPr>
+          <a:xfrm>
+            <a:off x="4485985" y="2280380"/>
+            <a:ext cx="467015" cy="691420"/>
+          </a:xfrm>
+          <a:prstGeom prst="straightConnector1">
+            <a:avLst/>
+          </a:prstGeom>
+          <a:ln w="25400">
+            <a:solidFill>
+              <a:schemeClr val="tx1"/>
+            </a:solidFill>
+            <a:tailEnd type="arrow"/>
+          </a:ln>
+        </p:spPr>
+        <p:style>
+          <a:lnRef idx="1">
+            <a:schemeClr val="accent1"/>
+          </a:lnRef>
+          <a:fillRef idx="0">
+            <a:schemeClr val="accent1"/>
+          </a:fillRef>
+          <a:effectRef idx="0">
+            <a:schemeClr val="accent1"/>
+          </a:effectRef>
+          <a:fontRef idx="minor">
+            <a:schemeClr val="tx1"/>
+          </a:fontRef>
+        </p:style>
+      </p:cxnSp>
+      <p:sp>
+        <p:nvSpPr>
+          <p:cNvPr id="37" name="Rectangle 36"/>
+          <p:cNvSpPr/>
+          <p:nvPr/>
+        </p:nvSpPr>
+        <p:spPr>
+          <a:xfrm>
+            <a:off x="2838363" y="1128527"/>
+            <a:ext cx="3242234" cy="369332"/>
+          </a:xfrm>
+          <a:prstGeom prst="rect">
+            <a:avLst/>
+          </a:prstGeom>
+        </p:spPr>
+        <p:txBody>
+          <a:bodyPr wrap="none">
+            <a:spAutoFit/>
+          </a:bodyPr>
+          <a:lstStyle/>
+          <a:p>
+            <a:r>
+              <a:rPr lang="en-US" b="1" dirty="0" smtClean="0">
+                <a:solidFill>
+                  <a:schemeClr val="accent3">
+                    <a:lumMod val="50000"/>
+                  </a:schemeClr>
+                </a:solidFill>
+              </a:rPr>
+              <a:t>coins = BFS( $.23, [ 15, 5, 4, 1 ] ) </a:t>
+            </a:r>
+            <a:endParaRPr lang="en-US" dirty="0"/>
+          </a:p>
+        </p:txBody>
+      </p:sp>
+      <p:sp>
+        <p:nvSpPr>
+          <p:cNvPr id="44" name="Dodecagon 43"/>
+          <p:cNvSpPr/>
+          <p:nvPr/>
+        </p:nvSpPr>
+        <p:spPr>
+          <a:xfrm>
+            <a:off x="6756400" y="2867544"/>
+            <a:ext cx="838200" cy="762000"/>
+          </a:xfrm>
+          <a:prstGeom prst="dodecagon">
+            <a:avLst/>
+          </a:prstGeom>
+        </p:spPr>
+        <p:style>
+          <a:lnRef idx="2">
+            <a:schemeClr val="accent1">
+              <a:shade val="50000"/>
+            </a:schemeClr>
+          </a:lnRef>
+          <a:fillRef idx="1">
+            <a:schemeClr val="accent1"/>
+          </a:fillRef>
+          <a:effectRef idx="0">
+            <a:schemeClr val="accent1"/>
+          </a:effectRef>
+          <a:fontRef idx="minor">
+            <a:schemeClr val="lt1"/>
+          </a:fontRef>
+        </p:style>
+        <p:txBody>
+          <a:bodyPr rtlCol="0" anchor="ctr"/>
+          <a:lstStyle/>
+          <a:p>
+            <a:pPr algn="ctr"/>
+            <a:r>
+              <a:rPr lang="en-US" dirty="0" smtClean="0"/>
+              <a:t>15</a:t>
+            </a:r>
+            <a:endParaRPr lang="en-US" dirty="0"/>
+          </a:p>
+        </p:txBody>
+      </p:sp>
+      <p:cxnSp>
+        <p:nvCxnSpPr>
+          <p:cNvPr id="54" name="Straight Arrow Connector 53"/>
+          <p:cNvCxnSpPr>
+            <a:stCxn id="22" idx="3"/>
+            <a:endCxn id="44" idx="8"/>
+          </p:cNvCxnSpPr>
+          <p:nvPr/>
+        </p:nvCxnSpPr>
+        <p:spPr>
+          <a:xfrm>
+            <a:off x="4680479" y="2178286"/>
+            <a:ext cx="2075921" cy="968164"/>
+          </a:xfrm>
+          <a:prstGeom prst="straightConnector1">
+            <a:avLst/>
+          </a:prstGeom>
+          <a:ln w="25400">
+            <a:solidFill>
+              <a:schemeClr val="tx1"/>
+            </a:solidFill>
+            <a:tailEnd type="arrow"/>
+          </a:ln>
+        </p:spPr>
+        <p:style>
+          <a:lnRef idx="1">
+            <a:schemeClr val="accent1"/>
+          </a:lnRef>
+          <a:fillRef idx="0">
+            <a:schemeClr val="accent1"/>
+          </a:fillRef>
+          <a:effectRef idx="0">
+            <a:schemeClr val="accent1"/>
+          </a:effectRef>
+          <a:fontRef idx="minor">
+            <a:schemeClr val="tx1"/>
+          </a:fontRef>
+        </p:style>
+      </p:cxnSp>
+      <p:graphicFrame>
+        <p:nvGraphicFramePr>
+          <p:cNvPr id="21" name="Table 20"/>
+          <p:cNvGraphicFramePr>
+            <a:graphicFrameLocks noGrp="1"/>
+          </p:cNvGraphicFramePr>
+          <p:nvPr>
+            <p:extLst>
+              <p:ext uri="{D42A27DB-BD31-4B8C-83A1-F6EECF244321}">
+                <p14:modId xmlns:p14="http://schemas.microsoft.com/office/powerpoint/2010/main" val="2552875700"/>
+              </p:ext>
+            </p:extLst>
+          </p:nvPr>
+        </p:nvGraphicFramePr>
+        <p:xfrm>
+          <a:off x="2800263" y="3733800"/>
+          <a:ext cx="3200400" cy="2926080"/>
+        </p:xfrm>
+        <a:graphic>
+          <a:graphicData uri="http://schemas.openxmlformats.org/drawingml/2006/table">
+            <a:tbl>
+              <a:tblPr firstRow="1" bandRow="1">
+                <a:tableStyleId>{5C22544A-7EE6-4342-B048-85BDC9FD1C3A}</a:tableStyleId>
+              </a:tblPr>
+              <a:tblGrid>
+                <a:gridCol w="1648447"/>
+                <a:gridCol w="1551953"/>
+              </a:tblGrid>
+              <a:tr h="137160">
+                <a:tc>
+                  <a:txBody>
+                    <a:bodyPr/>
+                    <a:lstStyle/>
+                    <a:p>
+                      <a:r>
+                        <a:rPr lang="en-US" dirty="0" smtClean="0"/>
+                        <a:t>Dollar Amount</a:t>
+                      </a:r>
+                      <a:endParaRPr lang="en-US" dirty="0"/>
+                    </a:p>
+                  </a:txBody>
+                  <a:tcPr/>
+                </a:tc>
+                <a:tc>
+                  <a:txBody>
+                    <a:bodyPr/>
+                    <a:lstStyle/>
+                    <a:p>
+                      <a:r>
+                        <a:rPr lang="en-US" dirty="0" smtClean="0"/>
+                        <a:t>Coins</a:t>
+                      </a:r>
+                      <a:endParaRPr lang="en-US" dirty="0"/>
+                    </a:p>
+                  </a:txBody>
+                  <a:tcPr/>
+                </a:tc>
+              </a:tr>
+              <a:tr h="286078">
+                <a:tc>
+                  <a:txBody>
+                    <a:bodyPr/>
+                    <a:lstStyle/>
+                    <a:p>
+                      <a:r>
+                        <a:rPr lang="en-US" dirty="0" smtClean="0"/>
+                        <a:t>.</a:t>
+                      </a:r>
+                      <a:r>
+                        <a:rPr lang="en-US" dirty="0" smtClean="0"/>
+                        <a:t>01</a:t>
+                      </a:r>
+                      <a:endParaRPr lang="en-US" dirty="0"/>
+                    </a:p>
+                  </a:txBody>
+                  <a:tcPr/>
+                </a:tc>
+                <a:tc>
+                  <a:txBody>
+                    <a:bodyPr/>
+                    <a:lstStyle/>
+                    <a:p>
+                      <a:r>
+                        <a:rPr lang="en-US" dirty="0" smtClean="0"/>
+                        <a:t>[ </a:t>
+                      </a:r>
+                      <a:r>
+                        <a:rPr lang="en-US" dirty="0" smtClean="0"/>
+                        <a:t>1 </a:t>
+                      </a:r>
+                      <a:r>
+                        <a:rPr lang="en-US" dirty="0" smtClean="0"/>
+                        <a:t>]</a:t>
+                      </a:r>
+                      <a:endParaRPr lang="en-US" dirty="0"/>
+                    </a:p>
+                  </a:txBody>
+                  <a:tcPr/>
+                </a:tc>
+              </a:tr>
+              <a:tr h="301318">
+                <a:tc>
+                  <a:txBody>
+                    <a:bodyPr/>
+                    <a:lstStyle/>
+                    <a:p>
+                      <a:r>
+                        <a:rPr lang="en-US" dirty="0" smtClean="0"/>
+                        <a:t>.02</a:t>
+                      </a:r>
+                      <a:endParaRPr lang="en-US" dirty="0"/>
+                    </a:p>
+                  </a:txBody>
+                  <a:tcPr/>
+                </a:tc>
+                <a:tc>
+                  <a:txBody>
+                    <a:bodyPr/>
+                    <a:lstStyle/>
+                    <a:p>
+                      <a:r>
+                        <a:rPr lang="en-US" dirty="0" smtClean="0"/>
+                        <a:t>[ 1, 1 ]</a:t>
+                      </a:r>
+                      <a:endParaRPr lang="en-US" dirty="0"/>
+                    </a:p>
+                  </a:txBody>
+                  <a:tcPr/>
+                </a:tc>
+              </a:tr>
+              <a:tr h="365760">
+                <a:tc>
+                  <a:txBody>
+                    <a:bodyPr/>
+                    <a:lstStyle/>
+                    <a:p>
+                      <a:r>
+                        <a:rPr lang="en-US" dirty="0" smtClean="0"/>
+                        <a:t>.04</a:t>
+                      </a:r>
+                      <a:endParaRPr lang="en-US" dirty="0"/>
+                    </a:p>
+                  </a:txBody>
+                  <a:tcPr/>
+                </a:tc>
+                <a:tc>
+                  <a:txBody>
+                    <a:bodyPr/>
+                    <a:lstStyle/>
+                    <a:p>
+                      <a:r>
+                        <a:rPr lang="en-US" dirty="0" smtClean="0"/>
+                        <a:t>[ </a:t>
+                      </a:r>
+                      <a:r>
+                        <a:rPr lang="en-US" baseline="0" dirty="0" smtClean="0"/>
+                        <a:t>4 ]</a:t>
+                      </a:r>
+                      <a:endParaRPr lang="en-US" dirty="0"/>
+                    </a:p>
+                  </a:txBody>
+                  <a:tcPr/>
+                </a:tc>
+              </a:tr>
+              <a:tr h="365760">
+                <a:tc>
+                  <a:txBody>
+                    <a:bodyPr/>
+                    <a:lstStyle/>
+                    <a:p>
+                      <a:r>
+                        <a:rPr lang="en-US" dirty="0" smtClean="0"/>
+                        <a:t>.05</a:t>
+                      </a:r>
+                      <a:endParaRPr lang="en-US" dirty="0"/>
+                    </a:p>
+                  </a:txBody>
+                  <a:tcPr/>
+                </a:tc>
+                <a:tc>
+                  <a:txBody>
+                    <a:bodyPr/>
+                    <a:lstStyle/>
+                    <a:p>
+                      <a:r>
+                        <a:rPr lang="en-US" dirty="0" smtClean="0"/>
+                        <a:t>[ 5 ]</a:t>
+                      </a:r>
+                      <a:endParaRPr lang="en-US" dirty="0"/>
+                    </a:p>
+                  </a:txBody>
+                  <a:tcPr/>
+                </a:tc>
+              </a:tr>
+              <a:tr h="365760">
+                <a:tc>
+                  <a:txBody>
+                    <a:bodyPr/>
+                    <a:lstStyle/>
+                    <a:p>
+                      <a:r>
+                        <a:rPr lang="en-US" dirty="0" smtClean="0"/>
+                        <a:t>.06</a:t>
+                      </a:r>
+                      <a:endParaRPr lang="en-US" dirty="0"/>
+                    </a:p>
+                  </a:txBody>
+                  <a:tcPr/>
+                </a:tc>
+                <a:tc>
+                  <a:txBody>
+                    <a:bodyPr/>
+                    <a:lstStyle/>
+                    <a:p>
+                      <a:r>
+                        <a:rPr lang="en-US" dirty="0" smtClean="0"/>
+                        <a:t>[ 5, 1 ]</a:t>
+                      </a:r>
+                      <a:endParaRPr lang="en-US" dirty="0"/>
+                    </a:p>
+                  </a:txBody>
+                  <a:tcPr/>
+                </a:tc>
+              </a:tr>
+              <a:tr h="365760">
+                <a:tc>
+                  <a:txBody>
+                    <a:bodyPr/>
+                    <a:lstStyle/>
+                    <a:p>
+                      <a:r>
+                        <a:rPr lang="en-US" dirty="0" smtClean="0"/>
+                        <a:t>.08</a:t>
+                      </a:r>
+                      <a:endParaRPr lang="en-US" dirty="0"/>
+                    </a:p>
+                  </a:txBody>
+                  <a:tcPr/>
+                </a:tc>
+                <a:tc>
+                  <a:txBody>
+                    <a:bodyPr/>
+                    <a:lstStyle/>
+                    <a:p>
+                      <a:r>
+                        <a:rPr lang="en-US" dirty="0" smtClean="0"/>
+                        <a:t>[ 4, 4 ]</a:t>
+                      </a:r>
+                      <a:endParaRPr lang="en-US" dirty="0"/>
+                    </a:p>
+                  </a:txBody>
+                  <a:tcPr/>
+                </a:tc>
+              </a:tr>
+              <a:tr h="365760">
+                <a:tc>
+                  <a:txBody>
+                    <a:bodyPr/>
+                    <a:lstStyle/>
+                    <a:p>
+                      <a:r>
+                        <a:rPr lang="en-US" dirty="0" smtClean="0"/>
+                        <a:t>.15</a:t>
+                      </a:r>
+                      <a:endParaRPr lang="en-US" dirty="0"/>
+                    </a:p>
+                  </a:txBody>
+                  <a:tcPr/>
+                </a:tc>
+                <a:tc>
+                  <a:txBody>
+                    <a:bodyPr/>
+                    <a:lstStyle/>
+                    <a:p>
+                      <a:r>
+                        <a:rPr lang="en-US" dirty="0" smtClean="0"/>
+                        <a:t>[ 15 ]</a:t>
+                      </a:r>
+                      <a:endParaRPr lang="en-US" dirty="0"/>
+                    </a:p>
+                  </a:txBody>
+                  <a:tcPr/>
+                </a:tc>
+              </a:tr>
+            </a:tbl>
+          </a:graphicData>
+        </a:graphic>
+      </p:graphicFrame>
+      <p:cxnSp>
+        <p:nvCxnSpPr>
+          <p:cNvPr id="27" name="Straight Arrow Connector 26"/>
+          <p:cNvCxnSpPr/>
+          <p:nvPr/>
+        </p:nvCxnSpPr>
+        <p:spPr>
+          <a:xfrm flipH="1">
+            <a:off x="5410200" y="3442464"/>
+            <a:ext cx="1660997" cy="3034536"/>
+          </a:xfrm>
+          <a:prstGeom prst="straightConnector1">
+            <a:avLst/>
+          </a:prstGeom>
+          <a:ln w="25400">
+            <a:solidFill>
+              <a:schemeClr val="accent3">
+                <a:lumMod val="50000"/>
+              </a:schemeClr>
+            </a:solidFill>
+            <a:tailEnd type="arrow"/>
+          </a:ln>
+        </p:spPr>
+        <p:style>
+          <a:lnRef idx="1">
+            <a:schemeClr val="accent1"/>
+          </a:lnRef>
+          <a:fillRef idx="0">
+            <a:schemeClr val="accent1"/>
+          </a:fillRef>
+          <a:effectRef idx="0">
+            <a:schemeClr val="accent1"/>
+          </a:effectRef>
+          <a:fontRef idx="minor">
+            <a:schemeClr val="tx1"/>
+          </a:fontRef>
+        </p:style>
+      </p:cxnSp>
+      <p:sp>
+        <p:nvSpPr>
+          <p:cNvPr id="29" name="TextBox 28"/>
+          <p:cNvSpPr txBox="1"/>
+          <p:nvPr/>
+        </p:nvSpPr>
+        <p:spPr>
+          <a:xfrm>
+            <a:off x="6756400" y="4790455"/>
+            <a:ext cx="1935658" cy="338554"/>
+          </a:xfrm>
+          <a:prstGeom prst="rect">
+            <a:avLst/>
+          </a:prstGeom>
+          <a:noFill/>
+        </p:spPr>
+        <p:txBody>
+          <a:bodyPr wrap="none" rtlCol="0">
+            <a:spAutoFit/>
+          </a:bodyPr>
+          <a:lstStyle/>
+          <a:p>
+            <a:r>
+              <a:rPr lang="en-US" sz="1600" dirty="0" smtClean="0"/>
+              <a:t>Add solution for $.15</a:t>
+            </a:r>
+            <a:endParaRPr lang="en-US" sz="1600" dirty="0"/>
+          </a:p>
+        </p:txBody>
+      </p:sp>
+      <p:cxnSp>
+        <p:nvCxnSpPr>
+          <p:cNvPr id="31" name="Curved Connector 30"/>
+          <p:cNvCxnSpPr/>
+          <p:nvPr/>
+        </p:nvCxnSpPr>
+        <p:spPr>
+          <a:xfrm rot="16200000" flipV="1">
+            <a:off x="6742498" y="4062499"/>
+            <a:ext cx="1111632" cy="454233"/>
+          </a:xfrm>
+          <a:prstGeom prst="curvedConnector3">
+            <a:avLst/>
+          </a:prstGeom>
+          <a:ln w="12700">
+            <a:solidFill>
+              <a:schemeClr val="tx1"/>
+            </a:solidFill>
+            <a:tailEnd type="arrow"/>
+          </a:ln>
+        </p:spPr>
+        <p:style>
+          <a:lnRef idx="1">
+            <a:schemeClr val="accent1"/>
+          </a:lnRef>
+          <a:fillRef idx="0">
+            <a:schemeClr val="accent1"/>
+          </a:fillRef>
+          <a:effectRef idx="0">
+            <a:schemeClr val="accent1"/>
+          </a:effectRef>
+          <a:fontRef idx="minor">
+            <a:schemeClr val="tx1"/>
+          </a:fontRef>
+        </p:style>
+      </p:cxnSp>
+    </p:spTree>
+    <p:extLst>
+      <p:ext uri="{BB962C8B-B14F-4D97-AF65-F5344CB8AC3E}">
+        <p14:creationId xmlns:p14="http://schemas.microsoft.com/office/powerpoint/2010/main" val="3436491293"/>
+      </p:ext>
+    </p:extLst>
+  </p:cSld>
+  <p:clrMapOvr>
+    <a:masterClrMapping/>
+  </p:clrMapOvr>
+  <p:timing>
+    <p:tnLst>
+      <p:par>
+        <p:cTn id="1" dur="indefinite" restart="never" nodeType="tmRoot"/>
+      </p:par>
+    </p:tnLst>
+  </p:timing>
+</p:sld>
+</file>
+
+<file path=ppt/slides/slide16.xml><?xml version="1.0" encoding="utf-8"?>
+<p:sld xmlns:a="http://schemas.openxmlformats.org/drawingml/2006/main" xmlns:r="http://schemas.openxmlformats.org/officeDocument/2006/relationships" xmlns:p="http://schemas.openxmlformats.org/presentationml/2006/main">
+  <p:cSld>
+    <p:spTree>
+      <p:nvGrpSpPr>
+        <p:cNvPr id="1" name=""/>
+        <p:cNvGrpSpPr/>
+        <p:nvPr/>
+      </p:nvGrpSpPr>
+      <p:grpSpPr>
+        <a:xfrm>
+          <a:off x="0" y="0"/>
+          <a:ext cx="0" cy="0"/>
+          <a:chOff x="0" y="0"/>
+          <a:chExt cx="0" cy="0"/>
+        </a:xfrm>
+      </p:grpSpPr>
+      <p:sp>
+        <p:nvSpPr>
+          <p:cNvPr id="2" name="Title 1"/>
+          <p:cNvSpPr>
+            <a:spLocks noGrp="1"/>
+          </p:cNvSpPr>
+          <p:nvPr>
+            <p:ph type="title"/>
+          </p:nvPr>
+        </p:nvSpPr>
+        <p:spPr>
+          <a:xfrm>
+            <a:off x="152400" y="274638"/>
+            <a:ext cx="8915399" cy="792162"/>
+          </a:xfrm>
+        </p:spPr>
+        <p:txBody>
+          <a:bodyPr>
+            <a:normAutofit/>
+          </a:bodyPr>
+          <a:lstStyle/>
+          <a:p>
+            <a:pPr algn="l"/>
+            <a:r>
+              <a:rPr lang="en-US" sz="4000" dirty="0" smtClean="0">
+                <a:solidFill>
+                  <a:schemeClr val="accent1">
+                    <a:lumMod val="75000"/>
+                  </a:schemeClr>
+                </a:solidFill>
+              </a:rPr>
+              <a:t>Advanced – Apply Sub-Solution $.08</a:t>
+            </a:r>
+            <a:endParaRPr lang="en-US" sz="4000" dirty="0">
+              <a:solidFill>
+                <a:schemeClr val="accent1">
+                  <a:lumMod val="75000"/>
+                </a:schemeClr>
+              </a:solidFill>
+            </a:endParaRPr>
+          </a:p>
+        </p:txBody>
+      </p:sp>
+      <p:cxnSp>
+        <p:nvCxnSpPr>
+          <p:cNvPr id="5" name="Straight Connector 4"/>
+          <p:cNvCxnSpPr/>
+          <p:nvPr/>
+        </p:nvCxnSpPr>
+        <p:spPr>
+          <a:xfrm>
+            <a:off x="0" y="990600"/>
+            <a:ext cx="9144000" cy="0"/>
+          </a:xfrm>
+          <a:prstGeom prst="line">
+            <a:avLst/>
+          </a:prstGeom>
+          <a:ln w="19050"/>
+        </p:spPr>
+        <p:style>
+          <a:lnRef idx="1">
+            <a:schemeClr val="accent1"/>
+          </a:lnRef>
+          <a:fillRef idx="0">
+            <a:schemeClr val="accent1"/>
+          </a:fillRef>
+          <a:effectRef idx="0">
+            <a:schemeClr val="accent1"/>
+          </a:effectRef>
+          <a:fontRef idx="minor">
+            <a:schemeClr val="tx1"/>
+          </a:fontRef>
+        </p:style>
+      </p:cxnSp>
+      <p:sp>
+        <p:nvSpPr>
+          <p:cNvPr id="13" name="Dodecagon 12"/>
+          <p:cNvSpPr/>
+          <p:nvPr/>
+        </p:nvSpPr>
+        <p:spPr>
+          <a:xfrm>
+            <a:off x="1236782" y="2869745"/>
+            <a:ext cx="838200" cy="762000"/>
+          </a:xfrm>
+          <a:prstGeom prst="dodecagon">
+            <a:avLst/>
+          </a:prstGeom>
+        </p:spPr>
+        <p:style>
+          <a:lnRef idx="2">
+            <a:schemeClr val="accent1">
+              <a:shade val="50000"/>
+            </a:schemeClr>
+          </a:lnRef>
+          <a:fillRef idx="1">
+            <a:schemeClr val="accent1"/>
+          </a:fillRef>
+          <a:effectRef idx="0">
+            <a:schemeClr val="accent1"/>
+          </a:effectRef>
+          <a:fontRef idx="minor">
+            <a:schemeClr val="lt1"/>
+          </a:fontRef>
+        </p:style>
+        <p:txBody>
+          <a:bodyPr rtlCol="0" anchor="ctr"/>
+          <a:lstStyle/>
+          <a:p>
+            <a:pPr algn="ctr"/>
+            <a:r>
+              <a:rPr lang="en-US" dirty="0" smtClean="0"/>
+              <a:t>1</a:t>
+            </a:r>
+            <a:endParaRPr lang="en-US" dirty="0"/>
+          </a:p>
+        </p:txBody>
+      </p:sp>
+      <p:sp>
+        <p:nvSpPr>
+          <p:cNvPr id="14" name="Dodecagon 13"/>
+          <p:cNvSpPr/>
+          <p:nvPr/>
+        </p:nvSpPr>
+        <p:spPr>
+          <a:xfrm>
+            <a:off x="3228685" y="2869745"/>
+            <a:ext cx="838200" cy="762000"/>
+          </a:xfrm>
+          <a:prstGeom prst="dodecagon">
+            <a:avLst/>
+          </a:prstGeom>
+        </p:spPr>
+        <p:style>
+          <a:lnRef idx="2">
+            <a:schemeClr val="accent1">
+              <a:shade val="50000"/>
+            </a:schemeClr>
+          </a:lnRef>
+          <a:fillRef idx="1">
+            <a:schemeClr val="accent1"/>
+          </a:fillRef>
+          <a:effectRef idx="0">
+            <a:schemeClr val="accent1"/>
+          </a:effectRef>
+          <a:fontRef idx="minor">
+            <a:schemeClr val="lt1"/>
+          </a:fontRef>
+        </p:style>
+        <p:txBody>
+          <a:bodyPr rtlCol="0" anchor="ctr"/>
+          <a:lstStyle/>
+          <a:p>
+            <a:pPr algn="ctr"/>
+            <a:r>
+              <a:rPr lang="en-US" dirty="0" smtClean="0"/>
+              <a:t>4</a:t>
+            </a:r>
+            <a:endParaRPr lang="en-US" dirty="0"/>
+          </a:p>
+        </p:txBody>
+      </p:sp>
+      <p:sp>
+        <p:nvSpPr>
+          <p:cNvPr id="15" name="Dodecagon 14"/>
+          <p:cNvSpPr/>
+          <p:nvPr/>
+        </p:nvSpPr>
+        <p:spPr>
+          <a:xfrm>
+            <a:off x="4792782" y="2854844"/>
+            <a:ext cx="838200" cy="762000"/>
+          </a:xfrm>
+          <a:prstGeom prst="dodecagon">
+            <a:avLst/>
+          </a:prstGeom>
+        </p:spPr>
+        <p:style>
+          <a:lnRef idx="2">
+            <a:schemeClr val="accent1">
+              <a:shade val="50000"/>
+            </a:schemeClr>
+          </a:lnRef>
+          <a:fillRef idx="1">
+            <a:schemeClr val="accent1"/>
+          </a:fillRef>
+          <a:effectRef idx="0">
+            <a:schemeClr val="accent1"/>
+          </a:effectRef>
+          <a:fontRef idx="minor">
+            <a:schemeClr val="lt1"/>
+          </a:fontRef>
+        </p:style>
+        <p:txBody>
+          <a:bodyPr rtlCol="0" anchor="ctr"/>
+          <a:lstStyle/>
+          <a:p>
+            <a:pPr algn="ctr"/>
+            <a:r>
+              <a:rPr lang="en-US" dirty="0" smtClean="0"/>
+              <a:t>5</a:t>
+            </a:r>
+            <a:endParaRPr lang="en-US" dirty="0"/>
+          </a:p>
+        </p:txBody>
+      </p:sp>
+      <p:sp>
+        <p:nvSpPr>
+          <p:cNvPr id="22" name="Dodecagon 21"/>
+          <p:cNvSpPr/>
+          <p:nvPr/>
+        </p:nvSpPr>
+        <p:spPr>
+          <a:xfrm>
+            <a:off x="3954582" y="1518380"/>
+            <a:ext cx="838200" cy="762000"/>
+          </a:xfrm>
+          <a:prstGeom prst="dodecagon">
+            <a:avLst/>
+          </a:prstGeom>
+        </p:spPr>
+        <p:style>
+          <a:lnRef idx="2">
+            <a:schemeClr val="accent1">
+              <a:shade val="50000"/>
+            </a:schemeClr>
+          </a:lnRef>
+          <a:fillRef idx="1">
+            <a:schemeClr val="accent1"/>
+          </a:fillRef>
+          <a:effectRef idx="0">
+            <a:schemeClr val="accent1"/>
+          </a:effectRef>
+          <a:fontRef idx="minor">
+            <a:schemeClr val="lt1"/>
+          </a:fontRef>
+        </p:style>
+        <p:txBody>
+          <a:bodyPr rtlCol="0" anchor="ctr"/>
+          <a:lstStyle/>
+          <a:p>
+            <a:pPr algn="ctr"/>
+            <a:endParaRPr lang="en-US" dirty="0"/>
+          </a:p>
+        </p:txBody>
+      </p:sp>
+      <p:cxnSp>
+        <p:nvCxnSpPr>
+          <p:cNvPr id="9" name="Straight Arrow Connector 8"/>
+          <p:cNvCxnSpPr>
+            <a:stCxn id="22" idx="6"/>
+          </p:cNvCxnSpPr>
+          <p:nvPr/>
+        </p:nvCxnSpPr>
+        <p:spPr>
+          <a:xfrm flipH="1">
+            <a:off x="1981200" y="2178286"/>
+            <a:ext cx="2085685" cy="793514"/>
+          </a:xfrm>
+          <a:prstGeom prst="straightConnector1">
+            <a:avLst/>
+          </a:prstGeom>
+          <a:ln w="25400">
+            <a:solidFill>
+              <a:schemeClr val="tx1"/>
+            </a:solidFill>
+            <a:tailEnd type="arrow"/>
+          </a:ln>
+        </p:spPr>
+        <p:style>
+          <a:lnRef idx="1">
+            <a:schemeClr val="accent1"/>
+          </a:lnRef>
+          <a:fillRef idx="0">
+            <a:schemeClr val="accent1"/>
+          </a:fillRef>
+          <a:effectRef idx="0">
+            <a:schemeClr val="accent1"/>
+          </a:effectRef>
+          <a:fontRef idx="minor">
+            <a:schemeClr val="tx1"/>
+          </a:fontRef>
+        </p:style>
+      </p:cxnSp>
+      <p:cxnSp>
+        <p:nvCxnSpPr>
+          <p:cNvPr id="25" name="Straight Arrow Connector 24"/>
+          <p:cNvCxnSpPr>
+            <a:stCxn id="22" idx="5"/>
+          </p:cNvCxnSpPr>
+          <p:nvPr/>
+        </p:nvCxnSpPr>
+        <p:spPr>
+          <a:xfrm flipH="1">
+            <a:off x="3862825" y="2280380"/>
+            <a:ext cx="398554" cy="589365"/>
+          </a:xfrm>
+          <a:prstGeom prst="straightConnector1">
+            <a:avLst/>
+          </a:prstGeom>
+          <a:ln w="25400">
+            <a:solidFill>
+              <a:schemeClr val="tx1"/>
+            </a:solidFill>
+            <a:tailEnd type="arrow"/>
+          </a:ln>
+        </p:spPr>
+        <p:style>
+          <a:lnRef idx="1">
+            <a:schemeClr val="accent1"/>
+          </a:lnRef>
+          <a:fillRef idx="0">
+            <a:schemeClr val="accent1"/>
+          </a:fillRef>
+          <a:effectRef idx="0">
+            <a:schemeClr val="accent1"/>
+          </a:effectRef>
+          <a:fontRef idx="minor">
+            <a:schemeClr val="tx1"/>
+          </a:fontRef>
+        </p:style>
+      </p:cxnSp>
+      <p:cxnSp>
+        <p:nvCxnSpPr>
+          <p:cNvPr id="30" name="Straight Arrow Connector 29"/>
+          <p:cNvCxnSpPr>
+            <a:stCxn id="22" idx="4"/>
+          </p:cNvCxnSpPr>
+          <p:nvPr/>
+        </p:nvCxnSpPr>
+        <p:spPr>
+          <a:xfrm>
+            <a:off x="4485985" y="2280380"/>
+            <a:ext cx="467015" cy="691420"/>
+          </a:xfrm>
+          <a:prstGeom prst="straightConnector1">
+            <a:avLst/>
+          </a:prstGeom>
+          <a:ln w="25400">
+            <a:solidFill>
+              <a:schemeClr val="tx1"/>
+            </a:solidFill>
+            <a:tailEnd type="arrow"/>
+          </a:ln>
+        </p:spPr>
+        <p:style>
+          <a:lnRef idx="1">
+            <a:schemeClr val="accent1"/>
+          </a:lnRef>
+          <a:fillRef idx="0">
+            <a:schemeClr val="accent1"/>
+          </a:fillRef>
+          <a:effectRef idx="0">
+            <a:schemeClr val="accent1"/>
+          </a:effectRef>
+          <a:fontRef idx="minor">
+            <a:schemeClr val="tx1"/>
+          </a:fontRef>
+        </p:style>
+      </p:cxnSp>
+      <p:sp>
+        <p:nvSpPr>
+          <p:cNvPr id="37" name="Rectangle 36"/>
+          <p:cNvSpPr/>
+          <p:nvPr/>
+        </p:nvSpPr>
+        <p:spPr>
+          <a:xfrm>
+            <a:off x="2838363" y="1128527"/>
+            <a:ext cx="3242234" cy="369332"/>
+          </a:xfrm>
+          <a:prstGeom prst="rect">
+            <a:avLst/>
+          </a:prstGeom>
+        </p:spPr>
+        <p:txBody>
+          <a:bodyPr wrap="none">
+            <a:spAutoFit/>
+          </a:bodyPr>
+          <a:lstStyle/>
+          <a:p>
+            <a:r>
+              <a:rPr lang="en-US" b="1" dirty="0" smtClean="0">
+                <a:solidFill>
+                  <a:schemeClr val="accent3">
+                    <a:lumMod val="50000"/>
+                  </a:schemeClr>
+                </a:solidFill>
+              </a:rPr>
+              <a:t>coins = BFS( $.23, [ 15, 5, 4, 1 ] ) </a:t>
+            </a:r>
+            <a:endParaRPr lang="en-US" dirty="0"/>
+          </a:p>
+        </p:txBody>
+      </p:sp>
+      <p:sp>
+        <p:nvSpPr>
+          <p:cNvPr id="44" name="Dodecagon 43"/>
+          <p:cNvSpPr/>
+          <p:nvPr/>
+        </p:nvSpPr>
+        <p:spPr>
+          <a:xfrm>
+            <a:off x="6756400" y="2867544"/>
+            <a:ext cx="838200" cy="762000"/>
+          </a:xfrm>
+          <a:prstGeom prst="dodecagon">
+            <a:avLst/>
+          </a:prstGeom>
+        </p:spPr>
+        <p:style>
+          <a:lnRef idx="2">
+            <a:schemeClr val="accent1">
+              <a:shade val="50000"/>
+            </a:schemeClr>
+          </a:lnRef>
+          <a:fillRef idx="1">
+            <a:schemeClr val="accent1"/>
+          </a:fillRef>
+          <a:effectRef idx="0">
+            <a:schemeClr val="accent1"/>
+          </a:effectRef>
+          <a:fontRef idx="minor">
+            <a:schemeClr val="lt1"/>
+          </a:fontRef>
+        </p:style>
+        <p:txBody>
+          <a:bodyPr rtlCol="0" anchor="ctr"/>
+          <a:lstStyle/>
+          <a:p>
+            <a:pPr algn="ctr"/>
+            <a:r>
+              <a:rPr lang="en-US" dirty="0" smtClean="0"/>
+              <a:t>15</a:t>
+            </a:r>
+            <a:endParaRPr lang="en-US" dirty="0"/>
+          </a:p>
+        </p:txBody>
+      </p:sp>
+      <p:cxnSp>
+        <p:nvCxnSpPr>
+          <p:cNvPr id="54" name="Straight Arrow Connector 53"/>
+          <p:cNvCxnSpPr>
+            <a:stCxn id="22" idx="3"/>
+            <a:endCxn id="44" idx="8"/>
+          </p:cNvCxnSpPr>
+          <p:nvPr/>
+        </p:nvCxnSpPr>
+        <p:spPr>
+          <a:xfrm>
+            <a:off x="4680479" y="2178286"/>
+            <a:ext cx="2075921" cy="968164"/>
+          </a:xfrm>
+          <a:prstGeom prst="straightConnector1">
+            <a:avLst/>
+          </a:prstGeom>
+          <a:ln w="25400">
+            <a:solidFill>
+              <a:schemeClr val="tx1"/>
+            </a:solidFill>
+            <a:tailEnd type="arrow"/>
+          </a:ln>
+        </p:spPr>
+        <p:style>
+          <a:lnRef idx="1">
+            <a:schemeClr val="accent1"/>
+          </a:lnRef>
+          <a:fillRef idx="0">
+            <a:schemeClr val="accent1"/>
+          </a:fillRef>
+          <a:effectRef idx="0">
+            <a:schemeClr val="accent1"/>
+          </a:effectRef>
+          <a:fontRef idx="minor">
+            <a:schemeClr val="tx1"/>
+          </a:fontRef>
+        </p:style>
+      </p:cxnSp>
+      <p:graphicFrame>
+        <p:nvGraphicFramePr>
+          <p:cNvPr id="21" name="Table 20"/>
+          <p:cNvGraphicFramePr>
+            <a:graphicFrameLocks noGrp="1"/>
+          </p:cNvGraphicFramePr>
+          <p:nvPr>
+            <p:extLst>
+              <p:ext uri="{D42A27DB-BD31-4B8C-83A1-F6EECF244321}">
+                <p14:modId xmlns:p14="http://schemas.microsoft.com/office/powerpoint/2010/main" val="2649116291"/>
+              </p:ext>
+            </p:extLst>
+          </p:nvPr>
+        </p:nvGraphicFramePr>
+        <p:xfrm>
+          <a:off x="2800263" y="3733800"/>
+          <a:ext cx="3200400" cy="2926080"/>
+        </p:xfrm>
+        <a:graphic>
+          <a:graphicData uri="http://schemas.openxmlformats.org/drawingml/2006/table">
+            <a:tbl>
+              <a:tblPr firstRow="1" bandRow="1">
+                <a:tableStyleId>{5C22544A-7EE6-4342-B048-85BDC9FD1C3A}</a:tableStyleId>
+              </a:tblPr>
+              <a:tblGrid>
+                <a:gridCol w="1648447"/>
+                <a:gridCol w="1551953"/>
+              </a:tblGrid>
+              <a:tr h="137160">
+                <a:tc>
+                  <a:txBody>
+                    <a:bodyPr/>
+                    <a:lstStyle/>
+                    <a:p>
+                      <a:r>
+                        <a:rPr lang="en-US" dirty="0" smtClean="0"/>
+                        <a:t>Dollar Amount</a:t>
+                      </a:r>
+                      <a:endParaRPr lang="en-US" dirty="0"/>
+                    </a:p>
+                  </a:txBody>
+                  <a:tcPr/>
+                </a:tc>
+                <a:tc>
+                  <a:txBody>
+                    <a:bodyPr/>
+                    <a:lstStyle/>
+                    <a:p>
+                      <a:r>
+                        <a:rPr lang="en-US" dirty="0" smtClean="0"/>
+                        <a:t>Coins</a:t>
+                      </a:r>
+                      <a:endParaRPr lang="en-US" dirty="0"/>
+                    </a:p>
+                  </a:txBody>
+                  <a:tcPr/>
+                </a:tc>
+              </a:tr>
+              <a:tr h="286078">
+                <a:tc>
+                  <a:txBody>
+                    <a:bodyPr/>
+                    <a:lstStyle/>
+                    <a:p>
+                      <a:r>
+                        <a:rPr lang="en-US" dirty="0" smtClean="0"/>
+                        <a:t>.</a:t>
+                      </a:r>
+                      <a:r>
+                        <a:rPr lang="en-US" dirty="0" smtClean="0"/>
+                        <a:t>01</a:t>
+                      </a:r>
+                      <a:endParaRPr lang="en-US" dirty="0"/>
+                    </a:p>
+                  </a:txBody>
+                  <a:tcPr/>
+                </a:tc>
+                <a:tc>
+                  <a:txBody>
+                    <a:bodyPr/>
+                    <a:lstStyle/>
+                    <a:p>
+                      <a:r>
+                        <a:rPr lang="en-US" dirty="0" smtClean="0"/>
+                        <a:t>[ </a:t>
+                      </a:r>
+                      <a:r>
+                        <a:rPr lang="en-US" dirty="0" smtClean="0"/>
+                        <a:t>1 </a:t>
+                      </a:r>
+                      <a:r>
+                        <a:rPr lang="en-US" dirty="0" smtClean="0"/>
+                        <a:t>]</a:t>
+                      </a:r>
+                      <a:endParaRPr lang="en-US" dirty="0"/>
+                    </a:p>
+                  </a:txBody>
+                  <a:tcPr/>
+                </a:tc>
+              </a:tr>
+              <a:tr h="301318">
+                <a:tc>
+                  <a:txBody>
+                    <a:bodyPr/>
+                    <a:lstStyle/>
+                    <a:p>
+                      <a:r>
+                        <a:rPr lang="en-US" dirty="0" smtClean="0"/>
+                        <a:t>.02</a:t>
+                      </a:r>
+                      <a:endParaRPr lang="en-US" dirty="0"/>
+                    </a:p>
+                  </a:txBody>
+                  <a:tcPr/>
+                </a:tc>
+                <a:tc>
+                  <a:txBody>
+                    <a:bodyPr/>
+                    <a:lstStyle/>
+                    <a:p>
+                      <a:r>
+                        <a:rPr lang="en-US" dirty="0" smtClean="0"/>
+                        <a:t>[ 1, 1 ]</a:t>
+                      </a:r>
+                      <a:endParaRPr lang="en-US" dirty="0"/>
+                    </a:p>
+                  </a:txBody>
+                  <a:tcPr/>
+                </a:tc>
+              </a:tr>
+              <a:tr h="365760">
+                <a:tc>
+                  <a:txBody>
+                    <a:bodyPr/>
+                    <a:lstStyle/>
+                    <a:p>
+                      <a:r>
+                        <a:rPr lang="en-US" dirty="0" smtClean="0"/>
+                        <a:t>.04</a:t>
+                      </a:r>
+                      <a:endParaRPr lang="en-US" dirty="0"/>
+                    </a:p>
+                  </a:txBody>
+                  <a:tcPr/>
+                </a:tc>
+                <a:tc>
+                  <a:txBody>
+                    <a:bodyPr/>
+                    <a:lstStyle/>
+                    <a:p>
+                      <a:r>
+                        <a:rPr lang="en-US" dirty="0" smtClean="0"/>
+                        <a:t>[ </a:t>
+                      </a:r>
+                      <a:r>
+                        <a:rPr lang="en-US" baseline="0" dirty="0" smtClean="0"/>
+                        <a:t>4 ]</a:t>
+                      </a:r>
+                      <a:endParaRPr lang="en-US" dirty="0"/>
+                    </a:p>
+                  </a:txBody>
+                  <a:tcPr/>
+                </a:tc>
+              </a:tr>
+              <a:tr h="365760">
+                <a:tc>
+                  <a:txBody>
+                    <a:bodyPr/>
+                    <a:lstStyle/>
+                    <a:p>
+                      <a:r>
+                        <a:rPr lang="en-US" dirty="0" smtClean="0"/>
+                        <a:t>.05</a:t>
+                      </a:r>
+                      <a:endParaRPr lang="en-US" dirty="0"/>
+                    </a:p>
+                  </a:txBody>
+                  <a:tcPr/>
+                </a:tc>
+                <a:tc>
+                  <a:txBody>
+                    <a:bodyPr/>
+                    <a:lstStyle/>
+                    <a:p>
+                      <a:r>
+                        <a:rPr lang="en-US" dirty="0" smtClean="0"/>
+                        <a:t>[ 5 ]</a:t>
+                      </a:r>
+                      <a:endParaRPr lang="en-US" dirty="0"/>
+                    </a:p>
+                  </a:txBody>
+                  <a:tcPr/>
+                </a:tc>
+              </a:tr>
+              <a:tr h="365760">
+                <a:tc>
+                  <a:txBody>
+                    <a:bodyPr/>
+                    <a:lstStyle/>
+                    <a:p>
+                      <a:r>
+                        <a:rPr lang="en-US" dirty="0" smtClean="0"/>
+                        <a:t>.06</a:t>
+                      </a:r>
+                      <a:endParaRPr lang="en-US" dirty="0"/>
+                    </a:p>
+                  </a:txBody>
+                  <a:tcPr/>
+                </a:tc>
+                <a:tc>
+                  <a:txBody>
+                    <a:bodyPr/>
+                    <a:lstStyle/>
+                    <a:p>
+                      <a:r>
+                        <a:rPr lang="en-US" dirty="0" smtClean="0"/>
+                        <a:t>[ 5, 1 ]</a:t>
+                      </a:r>
+                      <a:endParaRPr lang="en-US" dirty="0"/>
+                    </a:p>
+                  </a:txBody>
+                  <a:tcPr/>
+                </a:tc>
+              </a:tr>
+              <a:tr h="365760">
+                <a:tc>
+                  <a:txBody>
+                    <a:bodyPr/>
+                    <a:lstStyle/>
+                    <a:p>
+                      <a:r>
+                        <a:rPr lang="en-US" dirty="0" smtClean="0"/>
+                        <a:t>.08</a:t>
+                      </a:r>
+                      <a:endParaRPr lang="en-US" dirty="0"/>
+                    </a:p>
+                  </a:txBody>
+                  <a:tcPr/>
+                </a:tc>
+                <a:tc>
+                  <a:txBody>
+                    <a:bodyPr/>
+                    <a:lstStyle/>
+                    <a:p>
+                      <a:r>
+                        <a:rPr lang="en-US" dirty="0" smtClean="0"/>
+                        <a:t>[ 4, 4 ]</a:t>
+                      </a:r>
+                      <a:endParaRPr lang="en-US" dirty="0"/>
+                    </a:p>
+                  </a:txBody>
+                  <a:tcPr/>
+                </a:tc>
+              </a:tr>
+              <a:tr h="365760">
+                <a:tc>
+                  <a:txBody>
+                    <a:bodyPr/>
+                    <a:lstStyle/>
+                    <a:p>
+                      <a:r>
+                        <a:rPr lang="en-US" dirty="0" smtClean="0"/>
+                        <a:t>.15</a:t>
+                      </a:r>
+                      <a:endParaRPr lang="en-US" dirty="0"/>
+                    </a:p>
+                  </a:txBody>
+                  <a:tcPr/>
+                </a:tc>
+                <a:tc>
+                  <a:txBody>
+                    <a:bodyPr/>
+                    <a:lstStyle/>
+                    <a:p>
+                      <a:r>
+                        <a:rPr lang="en-US" dirty="0" smtClean="0"/>
+                        <a:t>[ 15 ]</a:t>
+                      </a:r>
+                      <a:endParaRPr lang="en-US" dirty="0"/>
+                    </a:p>
+                  </a:txBody>
+                  <a:tcPr/>
+                </a:tc>
+              </a:tr>
+            </a:tbl>
+          </a:graphicData>
+        </a:graphic>
+      </p:graphicFrame>
+      <p:cxnSp>
+        <p:nvCxnSpPr>
+          <p:cNvPr id="27" name="Straight Arrow Connector 26"/>
+          <p:cNvCxnSpPr>
+            <a:endCxn id="32" idx="7"/>
+          </p:cNvCxnSpPr>
+          <p:nvPr/>
+        </p:nvCxnSpPr>
+        <p:spPr>
+          <a:xfrm flipV="1">
+            <a:off x="5253712" y="4521694"/>
+            <a:ext cx="1489988" cy="1574306"/>
+          </a:xfrm>
+          <a:prstGeom prst="straightConnector1">
+            <a:avLst/>
+          </a:prstGeom>
+          <a:ln w="25400">
+            <a:solidFill>
+              <a:schemeClr val="accent3">
+                <a:lumMod val="50000"/>
+              </a:schemeClr>
+            </a:solidFill>
+            <a:tailEnd type="arrow"/>
+          </a:ln>
+        </p:spPr>
+        <p:style>
+          <a:lnRef idx="1">
+            <a:schemeClr val="accent1"/>
+          </a:lnRef>
+          <a:fillRef idx="0">
+            <a:schemeClr val="accent1"/>
+          </a:fillRef>
+          <a:effectRef idx="0">
+            <a:schemeClr val="accent1"/>
+          </a:effectRef>
+          <a:fontRef idx="minor">
+            <a:schemeClr val="tx1"/>
+          </a:fontRef>
+        </p:style>
+      </p:cxnSp>
+      <p:sp>
+        <p:nvSpPr>
+          <p:cNvPr id="18" name="TextBox 17"/>
+          <p:cNvSpPr txBox="1"/>
+          <p:nvPr/>
+        </p:nvSpPr>
+        <p:spPr>
+          <a:xfrm>
+            <a:off x="1097374" y="1801846"/>
+            <a:ext cx="1371016" cy="338554"/>
+          </a:xfrm>
+          <a:prstGeom prst="rect">
+            <a:avLst/>
+          </a:prstGeom>
+          <a:noFill/>
+        </p:spPr>
+        <p:txBody>
+          <a:bodyPr wrap="none" rtlCol="0">
+            <a:spAutoFit/>
+          </a:bodyPr>
+          <a:lstStyle/>
+          <a:p>
+            <a:r>
+              <a:rPr lang="en-US" sz="1600" dirty="0" smtClean="0"/>
+              <a:t>Solve for $.22</a:t>
+            </a:r>
+            <a:endParaRPr lang="en-US" sz="1600" dirty="0"/>
+          </a:p>
+        </p:txBody>
+      </p:sp>
+      <p:sp>
+        <p:nvSpPr>
+          <p:cNvPr id="19" name="TextBox 18"/>
+          <p:cNvSpPr txBox="1"/>
+          <p:nvPr/>
+        </p:nvSpPr>
+        <p:spPr>
+          <a:xfrm>
+            <a:off x="6932335" y="1790589"/>
+            <a:ext cx="1324530" cy="338554"/>
+          </a:xfrm>
+          <a:prstGeom prst="rect">
+            <a:avLst/>
+          </a:prstGeom>
+          <a:noFill/>
+        </p:spPr>
+        <p:txBody>
+          <a:bodyPr wrap="none" rtlCol="0">
+            <a:spAutoFit/>
+          </a:bodyPr>
+          <a:lstStyle/>
+          <a:p>
+            <a:r>
+              <a:rPr lang="en-US" sz="1600" dirty="0" smtClean="0"/>
+              <a:t>Solve for $.08</a:t>
+            </a:r>
+            <a:endParaRPr lang="en-US" sz="1600" dirty="0"/>
+          </a:p>
+        </p:txBody>
+      </p:sp>
+      <p:cxnSp>
+        <p:nvCxnSpPr>
+          <p:cNvPr id="20" name="Curved Connector 19"/>
+          <p:cNvCxnSpPr/>
+          <p:nvPr/>
+        </p:nvCxnSpPr>
+        <p:spPr>
+          <a:xfrm rot="5400000">
+            <a:off x="1313622" y="2349285"/>
+            <a:ext cx="689402" cy="249118"/>
+          </a:xfrm>
+          <a:prstGeom prst="curvedConnector3">
+            <a:avLst/>
+          </a:prstGeom>
+          <a:ln w="12700">
+            <a:solidFill>
+              <a:schemeClr val="tx1"/>
+            </a:solidFill>
+            <a:tailEnd type="arrow"/>
+          </a:ln>
+        </p:spPr>
+        <p:style>
+          <a:lnRef idx="1">
+            <a:schemeClr val="accent1"/>
+          </a:lnRef>
+          <a:fillRef idx="0">
+            <a:schemeClr val="accent1"/>
+          </a:fillRef>
+          <a:effectRef idx="0">
+            <a:schemeClr val="accent1"/>
+          </a:effectRef>
+          <a:fontRef idx="minor">
+            <a:schemeClr val="tx1"/>
+          </a:fontRef>
+        </p:style>
+      </p:cxnSp>
+      <p:cxnSp>
+        <p:nvCxnSpPr>
+          <p:cNvPr id="23" name="Curved Connector 22"/>
+          <p:cNvCxnSpPr>
+            <a:endCxn id="44" idx="10"/>
+          </p:cNvCxnSpPr>
+          <p:nvPr/>
+        </p:nvCxnSpPr>
+        <p:spPr>
+          <a:xfrm rot="5400000">
+            <a:off x="6820628" y="2277553"/>
+            <a:ext cx="832561" cy="347421"/>
+          </a:xfrm>
+          <a:prstGeom prst="curvedConnector3">
+            <a:avLst/>
+          </a:prstGeom>
+          <a:ln w="12700">
+            <a:solidFill>
+              <a:schemeClr val="tx1"/>
+            </a:solidFill>
+            <a:tailEnd type="arrow"/>
+          </a:ln>
+        </p:spPr>
+        <p:style>
+          <a:lnRef idx="1">
+            <a:schemeClr val="accent1"/>
+          </a:lnRef>
+          <a:fillRef idx="0">
+            <a:schemeClr val="accent1"/>
+          </a:fillRef>
+          <a:effectRef idx="0">
+            <a:schemeClr val="accent1"/>
+          </a:effectRef>
+          <a:fontRef idx="minor">
+            <a:schemeClr val="tx1"/>
+          </a:fontRef>
+        </p:style>
+      </p:cxnSp>
+      <p:sp>
+        <p:nvSpPr>
+          <p:cNvPr id="26" name="TextBox 25"/>
+          <p:cNvSpPr txBox="1"/>
+          <p:nvPr/>
+        </p:nvSpPr>
+        <p:spPr>
+          <a:xfrm>
+            <a:off x="458352" y="4057167"/>
+            <a:ext cx="1324530" cy="338554"/>
+          </a:xfrm>
+          <a:prstGeom prst="rect">
+            <a:avLst/>
+          </a:prstGeom>
+          <a:noFill/>
+        </p:spPr>
+        <p:txBody>
+          <a:bodyPr wrap="none" rtlCol="0">
+            <a:spAutoFit/>
+          </a:bodyPr>
+          <a:lstStyle/>
+          <a:p>
+            <a:r>
+              <a:rPr lang="en-US" sz="1600" dirty="0" smtClean="0"/>
+              <a:t>Solve for $.19</a:t>
+            </a:r>
+            <a:endParaRPr lang="en-US" sz="1600" dirty="0"/>
+          </a:p>
+        </p:txBody>
+      </p:sp>
+      <p:cxnSp>
+        <p:nvCxnSpPr>
+          <p:cNvPr id="28" name="Curved Connector 27"/>
+          <p:cNvCxnSpPr>
+            <a:endCxn id="14" idx="7"/>
+          </p:cNvCxnSpPr>
+          <p:nvPr/>
+        </p:nvCxnSpPr>
+        <p:spPr>
+          <a:xfrm flipV="1">
+            <a:off x="1714005" y="3352839"/>
+            <a:ext cx="1514680" cy="873605"/>
+          </a:xfrm>
+          <a:prstGeom prst="curvedConnector3">
+            <a:avLst/>
+          </a:prstGeom>
+          <a:ln w="12700">
+            <a:solidFill>
+              <a:schemeClr val="tx1"/>
+            </a:solidFill>
+            <a:tailEnd type="arrow"/>
+          </a:ln>
+        </p:spPr>
+        <p:style>
+          <a:lnRef idx="1">
+            <a:schemeClr val="accent1"/>
+          </a:lnRef>
+          <a:fillRef idx="0">
+            <a:schemeClr val="accent1"/>
+          </a:fillRef>
+          <a:effectRef idx="0">
+            <a:schemeClr val="accent1"/>
+          </a:effectRef>
+          <a:fontRef idx="minor">
+            <a:schemeClr val="tx1"/>
+          </a:fontRef>
+        </p:style>
+      </p:cxnSp>
+      <p:sp>
+        <p:nvSpPr>
+          <p:cNvPr id="32" name="Dodecagon 31"/>
+          <p:cNvSpPr/>
+          <p:nvPr/>
+        </p:nvSpPr>
+        <p:spPr>
+          <a:xfrm>
+            <a:off x="6743700" y="4038600"/>
+            <a:ext cx="838200" cy="762000"/>
+          </a:xfrm>
+          <a:prstGeom prst="dodecagon">
+            <a:avLst/>
+          </a:prstGeom>
+        </p:spPr>
+        <p:style>
+          <a:lnRef idx="2">
+            <a:schemeClr val="accent1">
+              <a:shade val="50000"/>
+            </a:schemeClr>
+          </a:lnRef>
+          <a:fillRef idx="1">
+            <a:schemeClr val="accent1"/>
+          </a:fillRef>
+          <a:effectRef idx="0">
+            <a:schemeClr val="accent1"/>
+          </a:effectRef>
+          <a:fontRef idx="minor">
+            <a:schemeClr val="lt1"/>
+          </a:fontRef>
+        </p:style>
+        <p:txBody>
+          <a:bodyPr rtlCol="0" anchor="ctr"/>
+          <a:lstStyle/>
+          <a:p>
+            <a:pPr algn="ctr"/>
+            <a:r>
+              <a:rPr lang="en-US" dirty="0" smtClean="0"/>
+              <a:t>4</a:t>
+            </a:r>
+            <a:endParaRPr lang="en-US" dirty="0"/>
+          </a:p>
+        </p:txBody>
+      </p:sp>
+      <p:sp>
+        <p:nvSpPr>
+          <p:cNvPr id="33" name="Dodecagon 32"/>
+          <p:cNvSpPr/>
+          <p:nvPr/>
+        </p:nvSpPr>
+        <p:spPr>
+          <a:xfrm>
+            <a:off x="6743700" y="5105400"/>
+            <a:ext cx="838200" cy="762000"/>
+          </a:xfrm>
+          <a:prstGeom prst="dodecagon">
+            <a:avLst/>
+          </a:prstGeom>
+          <a:solidFill>
+            <a:srgbClr val="FFC000"/>
+          </a:solidFill>
+        </p:spPr>
+        <p:style>
+          <a:lnRef idx="2">
+            <a:schemeClr val="accent1">
+              <a:shade val="50000"/>
+            </a:schemeClr>
+          </a:lnRef>
+          <a:fillRef idx="1">
+            <a:schemeClr val="accent1"/>
+          </a:fillRef>
+          <a:effectRef idx="0">
+            <a:schemeClr val="accent1"/>
+          </a:effectRef>
+          <a:fontRef idx="minor">
+            <a:schemeClr val="lt1"/>
+          </a:fontRef>
+        </p:style>
+        <p:txBody>
+          <a:bodyPr rtlCol="0" anchor="ctr"/>
+          <a:lstStyle/>
+          <a:p>
+            <a:pPr algn="ctr"/>
+            <a:r>
+              <a:rPr lang="en-US" dirty="0" smtClean="0"/>
+              <a:t>4</a:t>
+            </a:r>
+            <a:endParaRPr lang="en-US" dirty="0"/>
+          </a:p>
+        </p:txBody>
+      </p:sp>
+      <p:cxnSp>
+        <p:nvCxnSpPr>
+          <p:cNvPr id="35" name="Straight Arrow Connector 34"/>
+          <p:cNvCxnSpPr/>
+          <p:nvPr/>
+        </p:nvCxnSpPr>
+        <p:spPr>
+          <a:xfrm>
+            <a:off x="7162800" y="3631745"/>
+            <a:ext cx="0" cy="454815"/>
+          </a:xfrm>
+          <a:prstGeom prst="straightConnector1">
+            <a:avLst/>
+          </a:prstGeom>
+          <a:ln w="25400">
+            <a:solidFill>
+              <a:schemeClr val="tx1"/>
+            </a:solidFill>
+            <a:tailEnd type="arrow"/>
+          </a:ln>
+        </p:spPr>
+        <p:style>
+          <a:lnRef idx="1">
+            <a:schemeClr val="accent1"/>
+          </a:lnRef>
+          <a:fillRef idx="0">
+            <a:schemeClr val="accent1"/>
+          </a:fillRef>
+          <a:effectRef idx="0">
+            <a:schemeClr val="accent1"/>
+          </a:effectRef>
+          <a:fontRef idx="minor">
+            <a:schemeClr val="tx1"/>
+          </a:fontRef>
+        </p:style>
+      </p:cxnSp>
+      <p:cxnSp>
+        <p:nvCxnSpPr>
+          <p:cNvPr id="38" name="Straight Arrow Connector 37"/>
+          <p:cNvCxnSpPr/>
+          <p:nvPr/>
+        </p:nvCxnSpPr>
+        <p:spPr>
+          <a:xfrm>
+            <a:off x="7177365" y="4769232"/>
+            <a:ext cx="0" cy="381000"/>
+          </a:xfrm>
+          <a:prstGeom prst="straightConnector1">
+            <a:avLst/>
+          </a:prstGeom>
+          <a:ln w="25400">
+            <a:solidFill>
+              <a:schemeClr val="tx1"/>
+            </a:solidFill>
+            <a:tailEnd type="arrow"/>
+          </a:ln>
+        </p:spPr>
+        <p:style>
+          <a:lnRef idx="1">
+            <a:schemeClr val="accent1"/>
+          </a:lnRef>
+          <a:fillRef idx="0">
+            <a:schemeClr val="accent1"/>
+          </a:fillRef>
+          <a:effectRef idx="0">
+            <a:schemeClr val="accent1"/>
+          </a:effectRef>
+          <a:fontRef idx="minor">
+            <a:schemeClr val="tx1"/>
+          </a:fontRef>
+        </p:style>
+      </p:cxnSp>
+      <p:sp>
+        <p:nvSpPr>
+          <p:cNvPr id="41" name="TextBox 40"/>
+          <p:cNvSpPr txBox="1"/>
+          <p:nvPr/>
+        </p:nvSpPr>
+        <p:spPr>
+          <a:xfrm>
+            <a:off x="5336441" y="1899380"/>
+            <a:ext cx="1324530" cy="338554"/>
+          </a:xfrm>
+          <a:prstGeom prst="rect">
+            <a:avLst/>
+          </a:prstGeom>
+          <a:noFill/>
+        </p:spPr>
+        <p:txBody>
+          <a:bodyPr wrap="none" rtlCol="0">
+            <a:spAutoFit/>
+          </a:bodyPr>
+          <a:lstStyle/>
+          <a:p>
+            <a:r>
+              <a:rPr lang="en-US" sz="1600" dirty="0" smtClean="0"/>
+              <a:t>Solve for $.18</a:t>
+            </a:r>
+            <a:endParaRPr lang="en-US" sz="1600" dirty="0"/>
+          </a:p>
+        </p:txBody>
+      </p:sp>
+      <p:cxnSp>
+        <p:nvCxnSpPr>
+          <p:cNvPr id="42" name="Curved Connector 41"/>
+          <p:cNvCxnSpPr/>
+          <p:nvPr/>
+        </p:nvCxnSpPr>
+        <p:spPr>
+          <a:xfrm rot="5400000">
+            <a:off x="5302158" y="2387590"/>
+            <a:ext cx="832561" cy="347421"/>
+          </a:xfrm>
+          <a:prstGeom prst="curvedConnector3">
+            <a:avLst/>
+          </a:prstGeom>
+          <a:ln w="12700">
+            <a:solidFill>
+              <a:schemeClr val="tx1"/>
+            </a:solidFill>
+            <a:tailEnd type="arrow"/>
+          </a:ln>
+        </p:spPr>
+        <p:style>
+          <a:lnRef idx="1">
+            <a:schemeClr val="accent1"/>
+          </a:lnRef>
+          <a:fillRef idx="0">
+            <a:schemeClr val="accent1"/>
+          </a:fillRef>
+          <a:effectRef idx="0">
+            <a:schemeClr val="accent1"/>
+          </a:effectRef>
+          <a:fontRef idx="minor">
+            <a:schemeClr val="tx1"/>
+          </a:fontRef>
+        </p:style>
+      </p:cxnSp>
+      <p:sp>
+        <p:nvSpPr>
+          <p:cNvPr id="43" name="TextBox 42"/>
+          <p:cNvSpPr txBox="1"/>
+          <p:nvPr/>
+        </p:nvSpPr>
+        <p:spPr>
+          <a:xfrm>
+            <a:off x="6358824" y="6096000"/>
+            <a:ext cx="2103589" cy="338554"/>
+          </a:xfrm>
+          <a:prstGeom prst="rect">
+            <a:avLst/>
+          </a:prstGeom>
+          <a:noFill/>
+        </p:spPr>
+        <p:txBody>
+          <a:bodyPr wrap="none" rtlCol="0">
+            <a:spAutoFit/>
+          </a:bodyPr>
+          <a:lstStyle/>
+          <a:p>
+            <a:r>
+              <a:rPr lang="en-US" sz="1600" dirty="0" smtClean="0"/>
+              <a:t>Reuse solution for $.08</a:t>
+            </a:r>
+            <a:endParaRPr lang="en-US" sz="1600" dirty="0"/>
+          </a:p>
+        </p:txBody>
+      </p:sp>
+      <p:cxnSp>
+        <p:nvCxnSpPr>
+          <p:cNvPr id="45" name="Curved Connector 44"/>
+          <p:cNvCxnSpPr/>
+          <p:nvPr/>
+        </p:nvCxnSpPr>
+        <p:spPr>
+          <a:xfrm rot="16200000" flipV="1">
+            <a:off x="5921221" y="5414125"/>
+            <a:ext cx="875207" cy="347422"/>
+          </a:xfrm>
+          <a:prstGeom prst="curvedConnector3">
+            <a:avLst/>
+          </a:prstGeom>
+          <a:ln w="12700">
+            <a:solidFill>
+              <a:schemeClr val="tx1"/>
+            </a:solidFill>
+            <a:tailEnd type="arrow"/>
+          </a:ln>
+        </p:spPr>
+        <p:style>
+          <a:lnRef idx="1">
+            <a:schemeClr val="accent1"/>
+          </a:lnRef>
+          <a:fillRef idx="0">
+            <a:schemeClr val="accent1"/>
+          </a:fillRef>
+          <a:effectRef idx="0">
+            <a:schemeClr val="accent1"/>
+          </a:effectRef>
+          <a:fontRef idx="minor">
+            <a:schemeClr val="tx1"/>
+          </a:fontRef>
+        </p:style>
+      </p:cxnSp>
+    </p:spTree>
+    <p:extLst>
+      <p:ext uri="{BB962C8B-B14F-4D97-AF65-F5344CB8AC3E}">
+        <p14:creationId xmlns:p14="http://schemas.microsoft.com/office/powerpoint/2010/main" val="932888865"/>
+      </p:ext>
+    </p:extLst>
+  </p:cSld>
+  <p:clrMapOvr>
+    <a:masterClrMapping/>
+  </p:clrMapOvr>
+  <p:timing>
+    <p:tnLst>
+      <p:par>
+        <p:cTn id="1" dur="indefinite" restart="never" nodeType="tmRoot"/>
+      </p:par>
+    </p:tnLst>
+  </p:timing>
+</p:sld>
+</file>
+
+<file path=ppt/slides/slide17.xml><?xml version="1.0" encoding="utf-8"?>
+<p:sld xmlns:a="http://schemas.openxmlformats.org/drawingml/2006/main" xmlns:r="http://schemas.openxmlformats.org/officeDocument/2006/relationships" xmlns:p="http://schemas.openxmlformats.org/presentationml/2006/main">
+  <p:cSld>
+    <p:spTree>
+      <p:nvGrpSpPr>
+        <p:cNvPr id="1" name=""/>
+        <p:cNvGrpSpPr/>
+        <p:nvPr/>
+      </p:nvGrpSpPr>
+      <p:grpSpPr>
+        <a:xfrm>
+          <a:off x="0" y="0"/>
+          <a:ext cx="0" cy="0"/>
+          <a:chOff x="0" y="0"/>
+          <a:chExt cx="0" cy="0"/>
+        </a:xfrm>
+      </p:grpSpPr>
+      <p:sp>
+        <p:nvSpPr>
+          <p:cNvPr id="2" name="Title 1"/>
+          <p:cNvSpPr>
+            <a:spLocks noGrp="1"/>
+          </p:cNvSpPr>
+          <p:nvPr>
+            <p:ph type="title"/>
+          </p:nvPr>
+        </p:nvSpPr>
+        <p:spPr>
+          <a:xfrm>
+            <a:off x="152400" y="274638"/>
+            <a:ext cx="8915399" cy="792162"/>
+          </a:xfrm>
+        </p:spPr>
+        <p:txBody>
+          <a:bodyPr>
+            <a:normAutofit/>
+          </a:bodyPr>
+          <a:lstStyle/>
+          <a:p>
+            <a:pPr algn="l"/>
+            <a:r>
+              <a:rPr lang="en-US" sz="4000" dirty="0" smtClean="0">
+                <a:solidFill>
+                  <a:schemeClr val="accent1">
+                    <a:lumMod val="75000"/>
+                  </a:schemeClr>
+                </a:solidFill>
+              </a:rPr>
               <a:t>Search Solution Space for Prior Solutions</a:t>
             </a:r>
             <a:endParaRPr lang="en-US" sz="4000" dirty="0">
@@ -5481,7 +10731,7 @@
     </p:spTree>
     <p:extLst>
       <p:ext uri="{BB962C8B-B14F-4D97-AF65-F5344CB8AC3E}">
-        <p14:creationId xmlns:p14="http://schemas.microsoft.com/office/powerpoint/2010/main" val="3615987726"/>
+        <p14:creationId xmlns:p14="http://schemas.microsoft.com/office/powerpoint/2010/main" val="1803548565"/>
       </p:ext>
     </p:extLst>
   </p:cSld>
@@ -5660,27 +10910,7 @@
                   </a:schemeClr>
                 </a:solidFill>
               </a:rPr>
-              <a:t>Solve </a:t>
-            </a:r>
-            <a:r>
-              <a:rPr lang="en-US" sz="2800" b="1" dirty="0" smtClean="0">
-                <a:solidFill>
-                  <a:schemeClr val="tx2">
-                    <a:lumMod val="75000"/>
-                  </a:schemeClr>
-                </a:solidFill>
-              </a:rPr>
-              <a:t>sub-problems</a:t>
-            </a:r>
-            <a:r>
-              <a:rPr lang="en-US" sz="2800" b="1" dirty="0" smtClean="0">
-                <a:solidFill>
-                  <a:schemeClr val="tx2">
-                    <a:lumMod val="75000"/>
-                  </a:schemeClr>
-                </a:solidFill>
-              </a:rPr>
-              <a:t>.</a:t>
+              <a:t>Solve sub-problems.</a:t>
             </a:r>
           </a:p>
           <a:p>

--- a/Presentations/AI Dynamic Programming.pptx
+++ b/Presentations/AI Dynamic Programming.pptx
@@ -305,7 +305,7 @@
             <a:fld id="{1D8BD707-D9CF-40AE-B4C6-C98DA3205C09}" type="datetimeFigureOut">
               <a:rPr lang="en-US" smtClean="0"/>
               <a:pPr/>
-              <a:t>6/15/2017</a:t>
+              <a:t>6/18/2017</a:t>
             </a:fld>
             <a:endParaRPr lang="en-US"/>
           </a:p>
@@ -472,7 +472,7 @@
             <a:fld id="{1D8BD707-D9CF-40AE-B4C6-C98DA3205C09}" type="datetimeFigureOut">
               <a:rPr lang="en-US" smtClean="0"/>
               <a:pPr/>
-              <a:t>6/15/2017</a:t>
+              <a:t>6/18/2017</a:t>
             </a:fld>
             <a:endParaRPr lang="en-US"/>
           </a:p>
@@ -649,7 +649,7 @@
             <a:fld id="{1D8BD707-D9CF-40AE-B4C6-C98DA3205C09}" type="datetimeFigureOut">
               <a:rPr lang="en-US" smtClean="0"/>
               <a:pPr/>
-              <a:t>6/15/2017</a:t>
+              <a:t>6/18/2017</a:t>
             </a:fld>
             <a:endParaRPr lang="en-US"/>
           </a:p>
@@ -816,7 +816,7 @@
             <a:fld id="{1D8BD707-D9CF-40AE-B4C6-C98DA3205C09}" type="datetimeFigureOut">
               <a:rPr lang="en-US" smtClean="0"/>
               <a:pPr/>
-              <a:t>6/15/2017</a:t>
+              <a:t>6/18/2017</a:t>
             </a:fld>
             <a:endParaRPr lang="en-US"/>
           </a:p>
@@ -1059,7 +1059,7 @@
             <a:fld id="{1D8BD707-D9CF-40AE-B4C6-C98DA3205C09}" type="datetimeFigureOut">
               <a:rPr lang="en-US" smtClean="0"/>
               <a:pPr/>
-              <a:t>6/15/2017</a:t>
+              <a:t>6/18/2017</a:t>
             </a:fld>
             <a:endParaRPr lang="en-US"/>
           </a:p>
@@ -1344,7 +1344,7 @@
             <a:fld id="{1D8BD707-D9CF-40AE-B4C6-C98DA3205C09}" type="datetimeFigureOut">
               <a:rPr lang="en-US" smtClean="0"/>
               <a:pPr/>
-              <a:t>6/15/2017</a:t>
+              <a:t>6/18/2017</a:t>
             </a:fld>
             <a:endParaRPr lang="en-US"/>
           </a:p>
@@ -1763,7 +1763,7 @@
             <a:fld id="{1D8BD707-D9CF-40AE-B4C6-C98DA3205C09}" type="datetimeFigureOut">
               <a:rPr lang="en-US" smtClean="0"/>
               <a:pPr/>
-              <a:t>6/15/2017</a:t>
+              <a:t>6/18/2017</a:t>
             </a:fld>
             <a:endParaRPr lang="en-US"/>
           </a:p>
@@ -1878,7 +1878,7 @@
             <a:fld id="{1D8BD707-D9CF-40AE-B4C6-C98DA3205C09}" type="datetimeFigureOut">
               <a:rPr lang="en-US" smtClean="0"/>
               <a:pPr/>
-              <a:t>6/15/2017</a:t>
+              <a:t>6/18/2017</a:t>
             </a:fld>
             <a:endParaRPr lang="en-US"/>
           </a:p>
@@ -1970,7 +1970,7 @@
             <a:fld id="{1D8BD707-D9CF-40AE-B4C6-C98DA3205C09}" type="datetimeFigureOut">
               <a:rPr lang="en-US" smtClean="0"/>
               <a:pPr/>
-              <a:t>6/15/2017</a:t>
+              <a:t>6/18/2017</a:t>
             </a:fld>
             <a:endParaRPr lang="en-US"/>
           </a:p>
@@ -2244,7 +2244,7 @@
             <a:fld id="{1D8BD707-D9CF-40AE-B4C6-C98DA3205C09}" type="datetimeFigureOut">
               <a:rPr lang="en-US" smtClean="0"/>
               <a:pPr/>
-              <a:t>6/15/2017</a:t>
+              <a:t>6/18/2017</a:t>
             </a:fld>
             <a:endParaRPr lang="en-US"/>
           </a:p>
@@ -2494,7 +2494,7 @@
             <a:fld id="{1D8BD707-D9CF-40AE-B4C6-C98DA3205C09}" type="datetimeFigureOut">
               <a:rPr lang="en-US" smtClean="0"/>
               <a:pPr/>
-              <a:t>6/15/2017</a:t>
+              <a:t>6/18/2017</a:t>
             </a:fld>
             <a:endParaRPr lang="en-US"/>
           </a:p>
@@ -2704,7 +2704,7 @@
             <a:fld id="{1D8BD707-D9CF-40AE-B4C6-C98DA3205C09}" type="datetimeFigureOut">
               <a:rPr lang="en-US" smtClean="0"/>
               <a:pPr/>
-              <a:t>6/15/2017</a:t>
+              <a:t>6/18/2017</a:t>
             </a:fld>
             <a:endParaRPr lang="en-US"/>
           </a:p>
@@ -3928,7 +3928,7 @@
         <p:spPr>
           <a:xfrm>
             <a:off x="1773327" y="5386573"/>
-            <a:ext cx="5226111" cy="369332"/>
+            <a:ext cx="5341527" cy="369332"/>
           </a:xfrm>
           <a:prstGeom prst="rect">
             <a:avLst/>
@@ -3943,7 +3943,15 @@
           <a:p>
             <a:r>
               <a:rPr lang="en-US" dirty="0" smtClean="0"/>
-              <a:t>First Level of Search Tree, Possible Coin choices &lt; $.23</a:t>
+              <a:t>First Level of Search Tree, Possible Coin choices </a:t>
+            </a:r>
+            <a:r>
+              <a:rPr lang="en-US" dirty="0" smtClean="0"/>
+              <a:t>&lt;= </a:t>
+            </a:r>
+            <a:r>
+              <a:rPr lang="en-US" dirty="0" smtClean="0"/>
+              <a:t>$.23</a:t>
             </a:r>
             <a:endParaRPr lang="en-US" dirty="0"/>
           </a:p>
@@ -5916,11 +5924,7 @@
                     <a:p>
                       <a:r>
                         <a:rPr lang="en-US" dirty="0" smtClean="0"/>
-                        <a:t>.</a:t>
-                      </a:r>
-                      <a:r>
-                        <a:rPr lang="en-US" dirty="0" smtClean="0"/>
-                        <a:t>01</a:t>
+                        <a:t>.01</a:t>
                       </a:r>
                       <a:endParaRPr lang="en-US" dirty="0"/>
                     </a:p>
@@ -5934,15 +5938,7 @@
                     <a:p>
                       <a:r>
                         <a:rPr lang="en-US" dirty="0" smtClean="0"/>
-                        <a:t>[ </a:t>
-                      </a:r>
-                      <a:r>
-                        <a:rPr lang="en-US" dirty="0" smtClean="0"/>
-                        <a:t>1 </a:t>
-                      </a:r>
-                      <a:r>
-                        <a:rPr lang="en-US" dirty="0" smtClean="0"/>
-                        <a:t>]</a:t>
+                        <a:t>[ 1 ]</a:t>
                       </a:r>
                       <a:endParaRPr lang="en-US" dirty="0"/>
                     </a:p>
@@ -6799,11 +6795,7 @@
                     <a:p>
                       <a:r>
                         <a:rPr lang="en-US" dirty="0" smtClean="0"/>
-                        <a:t>.</a:t>
-                      </a:r>
-                      <a:r>
-                        <a:rPr lang="en-US" dirty="0" smtClean="0"/>
-                        <a:t>01</a:t>
+                        <a:t>.01</a:t>
                       </a:r>
                       <a:endParaRPr lang="en-US" dirty="0"/>
                     </a:p>
@@ -6817,15 +6809,7 @@
                     <a:p>
                       <a:r>
                         <a:rPr lang="en-US" dirty="0" smtClean="0"/>
-                        <a:t>[ </a:t>
-                      </a:r>
-                      <a:r>
-                        <a:rPr lang="en-US" dirty="0" smtClean="0"/>
-                        <a:t>1 </a:t>
-                      </a:r>
-                      <a:r>
-                        <a:rPr lang="en-US" dirty="0" smtClean="0"/>
-                        <a:t>]</a:t>
+                        <a:t>[ 1 ]</a:t>
                       </a:r>
                       <a:endParaRPr lang="en-US" dirty="0"/>
                     </a:p>
@@ -7843,11 +7827,7 @@
                     <a:p>
                       <a:r>
                         <a:rPr lang="en-US" dirty="0" smtClean="0"/>
-                        <a:t>.</a:t>
-                      </a:r>
-                      <a:r>
-                        <a:rPr lang="en-US" dirty="0" smtClean="0"/>
-                        <a:t>01</a:t>
+                        <a:t>.01</a:t>
                       </a:r>
                       <a:endParaRPr lang="en-US" dirty="0"/>
                     </a:p>
@@ -7861,15 +7841,7 @@
                     <a:p>
                       <a:r>
                         <a:rPr lang="en-US" dirty="0" smtClean="0"/>
-                        <a:t>[ </a:t>
-                      </a:r>
-                      <a:r>
-                        <a:rPr lang="en-US" dirty="0" smtClean="0"/>
-                        <a:t>1 </a:t>
-                      </a:r>
-                      <a:r>
-                        <a:rPr lang="en-US" dirty="0" smtClean="0"/>
-                        <a:t>]</a:t>
+                        <a:t>[ 1 ]</a:t>
                       </a:r>
                       <a:endParaRPr lang="en-US" dirty="0"/>
                     </a:p>
@@ -8290,15 +8262,7 @@
                   <a:srgbClr val="FF0000"/>
                 </a:solidFill>
               </a:rPr>
-              <a:t>1 </a:t>
-            </a:r>
-            <a:r>
-              <a:rPr lang="en-US" sz="1400" dirty="0" smtClean="0">
-                <a:solidFill>
-                  <a:srgbClr val="FF0000"/>
-                </a:solidFill>
-              </a:rPr>
-              <a:t>cent coin</a:t>
+              <a:t>1 cent coin</a:t>
             </a:r>
           </a:p>
           <a:p>
@@ -8909,11 +8873,7 @@
                     <a:p>
                       <a:r>
                         <a:rPr lang="en-US" dirty="0" smtClean="0"/>
-                        <a:t>.</a:t>
-                      </a:r>
-                      <a:r>
-                        <a:rPr lang="en-US" dirty="0" smtClean="0"/>
-                        <a:t>01</a:t>
+                        <a:t>.01</a:t>
                       </a:r>
                       <a:endParaRPr lang="en-US" dirty="0"/>
                     </a:p>
@@ -8927,15 +8887,7 @@
                     <a:p>
                       <a:r>
                         <a:rPr lang="en-US" dirty="0" smtClean="0"/>
-                        <a:t>[ </a:t>
-                      </a:r>
-                      <a:r>
-                        <a:rPr lang="en-US" dirty="0" smtClean="0"/>
-                        <a:t>1 </a:t>
-                      </a:r>
-                      <a:r>
-                        <a:rPr lang="en-US" dirty="0" smtClean="0"/>
-                        <a:t>]</a:t>
+                        <a:t>[ 1 ]</a:t>
                       </a:r>
                       <a:endParaRPr lang="en-US" dirty="0"/>
                     </a:p>
@@ -9816,11 +9768,7 @@
                     <a:p>
                       <a:r>
                         <a:rPr lang="en-US" dirty="0" smtClean="0"/>
-                        <a:t>.</a:t>
-                      </a:r>
-                      <a:r>
-                        <a:rPr lang="en-US" dirty="0" smtClean="0"/>
-                        <a:t>01</a:t>
+                        <a:t>.01</a:t>
                       </a:r>
                       <a:endParaRPr lang="en-US" dirty="0"/>
                     </a:p>
@@ -9834,15 +9782,7 @@
                     <a:p>
                       <a:r>
                         <a:rPr lang="en-US" dirty="0" smtClean="0"/>
-                        <a:t>[ </a:t>
-                      </a:r>
-                      <a:r>
-                        <a:rPr lang="en-US" dirty="0" smtClean="0"/>
-                        <a:t>1 </a:t>
-                      </a:r>
-                      <a:r>
-                        <a:rPr lang="en-US" dirty="0" smtClean="0"/>
-                        <a:t>]</a:t>
+                        <a:t>[ 1 ]</a:t>
                       </a:r>
                       <a:endParaRPr lang="en-US" dirty="0"/>
                     </a:p>
@@ -14186,7 +14126,31 @@
                   <a:srgbClr val="FF0000"/>
                 </a:solidFill>
               </a:rPr>
-              <a:t>(not 5 + 1 + 1 +1 = 3 coins)</a:t>
+              <a:t>(not 5 + 1 + 1 +1 </a:t>
+            </a:r>
+            <a:r>
+              <a:rPr lang="en-US" b="1" smtClean="0">
+                <a:solidFill>
+                  <a:srgbClr val="FF0000"/>
+                </a:solidFill>
+              </a:rPr>
+              <a:t>= </a:t>
+            </a:r>
+            <a:r>
+              <a:rPr lang="en-US" b="1" smtClean="0">
+                <a:solidFill>
+                  <a:srgbClr val="FF0000"/>
+                </a:solidFill>
+              </a:rPr>
+              <a:t>4 </a:t>
+            </a:r>
+            <a:r>
+              <a:rPr lang="en-US" b="1" dirty="0" smtClean="0">
+                <a:solidFill>
+                  <a:srgbClr val="FF0000"/>
+                </a:solidFill>
+              </a:rPr>
+              <a:t>coins)</a:t>
             </a:r>
             <a:br>
               <a:rPr lang="en-US" b="1" dirty="0" smtClean="0">
@@ -14892,7 +14856,7 @@
         <p:spPr>
           <a:xfrm>
             <a:off x="1773327" y="5386573"/>
-            <a:ext cx="5226111" cy="369332"/>
+            <a:ext cx="5341527" cy="369332"/>
           </a:xfrm>
           <a:prstGeom prst="rect">
             <a:avLst/>
@@ -14907,7 +14871,15 @@
           <a:p>
             <a:r>
               <a:rPr lang="en-US" dirty="0" smtClean="0"/>
-              <a:t>First Level of Search Tree, Possible Coin choices &lt; $.08</a:t>
+              <a:t>First Level of Search Tree, Possible Coin choices </a:t>
+            </a:r>
+            <a:r>
+              <a:rPr lang="en-US" dirty="0" smtClean="0"/>
+              <a:t>&lt;= </a:t>
+            </a:r>
+            <a:r>
+              <a:rPr lang="en-US" dirty="0" smtClean="0"/>
+              <a:t>$.08</a:t>
             </a:r>
             <a:endParaRPr lang="en-US" dirty="0"/>
           </a:p>

--- a/Presentations/AI Dynamic Programming.pptx
+++ b/Presentations/AI Dynamic Programming.pptx
@@ -305,7 +305,7 @@
             <a:fld id="{1D8BD707-D9CF-40AE-B4C6-C98DA3205C09}" type="datetimeFigureOut">
               <a:rPr lang="en-US" smtClean="0"/>
               <a:pPr/>
-              <a:t>6/18/2017</a:t>
+              <a:t>6/20/2017</a:t>
             </a:fld>
             <a:endParaRPr lang="en-US"/>
           </a:p>
@@ -472,7 +472,7 @@
             <a:fld id="{1D8BD707-D9CF-40AE-B4C6-C98DA3205C09}" type="datetimeFigureOut">
               <a:rPr lang="en-US" smtClean="0"/>
               <a:pPr/>
-              <a:t>6/18/2017</a:t>
+              <a:t>6/20/2017</a:t>
             </a:fld>
             <a:endParaRPr lang="en-US"/>
           </a:p>
@@ -649,7 +649,7 @@
             <a:fld id="{1D8BD707-D9CF-40AE-B4C6-C98DA3205C09}" type="datetimeFigureOut">
               <a:rPr lang="en-US" smtClean="0"/>
               <a:pPr/>
-              <a:t>6/18/2017</a:t>
+              <a:t>6/20/2017</a:t>
             </a:fld>
             <a:endParaRPr lang="en-US"/>
           </a:p>
@@ -816,7 +816,7 @@
             <a:fld id="{1D8BD707-D9CF-40AE-B4C6-C98DA3205C09}" type="datetimeFigureOut">
               <a:rPr lang="en-US" smtClean="0"/>
               <a:pPr/>
-              <a:t>6/18/2017</a:t>
+              <a:t>6/20/2017</a:t>
             </a:fld>
             <a:endParaRPr lang="en-US"/>
           </a:p>
@@ -1059,7 +1059,7 @@
             <a:fld id="{1D8BD707-D9CF-40AE-B4C6-C98DA3205C09}" type="datetimeFigureOut">
               <a:rPr lang="en-US" smtClean="0"/>
               <a:pPr/>
-              <a:t>6/18/2017</a:t>
+              <a:t>6/20/2017</a:t>
             </a:fld>
             <a:endParaRPr lang="en-US"/>
           </a:p>
@@ -1344,7 +1344,7 @@
             <a:fld id="{1D8BD707-D9CF-40AE-B4C6-C98DA3205C09}" type="datetimeFigureOut">
               <a:rPr lang="en-US" smtClean="0"/>
               <a:pPr/>
-              <a:t>6/18/2017</a:t>
+              <a:t>6/20/2017</a:t>
             </a:fld>
             <a:endParaRPr lang="en-US"/>
           </a:p>
@@ -1763,7 +1763,7 @@
             <a:fld id="{1D8BD707-D9CF-40AE-B4C6-C98DA3205C09}" type="datetimeFigureOut">
               <a:rPr lang="en-US" smtClean="0"/>
               <a:pPr/>
-              <a:t>6/18/2017</a:t>
+              <a:t>6/20/2017</a:t>
             </a:fld>
             <a:endParaRPr lang="en-US"/>
           </a:p>
@@ -1878,7 +1878,7 @@
             <a:fld id="{1D8BD707-D9CF-40AE-B4C6-C98DA3205C09}" type="datetimeFigureOut">
               <a:rPr lang="en-US" smtClean="0"/>
               <a:pPr/>
-              <a:t>6/18/2017</a:t>
+              <a:t>6/20/2017</a:t>
             </a:fld>
             <a:endParaRPr lang="en-US"/>
           </a:p>
@@ -1970,7 +1970,7 @@
             <a:fld id="{1D8BD707-D9CF-40AE-B4C6-C98DA3205C09}" type="datetimeFigureOut">
               <a:rPr lang="en-US" smtClean="0"/>
               <a:pPr/>
-              <a:t>6/18/2017</a:t>
+              <a:t>6/20/2017</a:t>
             </a:fld>
             <a:endParaRPr lang="en-US"/>
           </a:p>
@@ -2244,7 +2244,7 @@
             <a:fld id="{1D8BD707-D9CF-40AE-B4C6-C98DA3205C09}" type="datetimeFigureOut">
               <a:rPr lang="en-US" smtClean="0"/>
               <a:pPr/>
-              <a:t>6/18/2017</a:t>
+              <a:t>6/20/2017</a:t>
             </a:fld>
             <a:endParaRPr lang="en-US"/>
           </a:p>
@@ -2494,7 +2494,7 @@
             <a:fld id="{1D8BD707-D9CF-40AE-B4C6-C98DA3205C09}" type="datetimeFigureOut">
               <a:rPr lang="en-US" smtClean="0"/>
               <a:pPr/>
-              <a:t>6/18/2017</a:t>
+              <a:t>6/20/2017</a:t>
             </a:fld>
             <a:endParaRPr lang="en-US"/>
           </a:p>
@@ -2704,7 +2704,7 @@
             <a:fld id="{1D8BD707-D9CF-40AE-B4C6-C98DA3205C09}" type="datetimeFigureOut">
               <a:rPr lang="en-US" smtClean="0"/>
               <a:pPr/>
-              <a:t>6/18/2017</a:t>
+              <a:t>6/20/2017</a:t>
             </a:fld>
             <a:endParaRPr lang="en-US"/>
           </a:p>
@@ -3943,15 +3943,7 @@
           <a:p>
             <a:r>
               <a:rPr lang="en-US" dirty="0" smtClean="0"/>
-              <a:t>First Level of Search Tree, Possible Coin choices </a:t>
-            </a:r>
-            <a:r>
-              <a:rPr lang="en-US" dirty="0" smtClean="0"/>
-              <a:t>&lt;= </a:t>
-            </a:r>
-            <a:r>
-              <a:rPr lang="en-US" dirty="0" smtClean="0"/>
-              <a:t>$.23</a:t>
+              <a:t>First Level of Search Tree, Possible Coin choices &lt;= $.23</a:t>
             </a:r>
             <a:endParaRPr lang="en-US" dirty="0"/>
           </a:p>
@@ -6372,7 +6364,7 @@
         </p:nvSpPr>
         <p:spPr>
           <a:xfrm>
-            <a:off x="1263717" y="4356347"/>
+            <a:off x="1263717" y="4348753"/>
             <a:ext cx="838200" cy="762000"/>
           </a:xfrm>
           <a:prstGeom prst="dodecagon">
@@ -13768,8 +13760,8 @@
         </p:nvSpPr>
         <p:spPr>
           <a:xfrm>
-            <a:off x="152400" y="6150114"/>
-            <a:ext cx="8763000" cy="400110"/>
+            <a:off x="0" y="6150114"/>
+            <a:ext cx="9372600" cy="400110"/>
           </a:xfrm>
           <a:prstGeom prst="rect">
             <a:avLst/>
@@ -13789,7 +13781,27 @@
                   </a:schemeClr>
                 </a:solidFill>
               </a:rPr>
-              <a:t>Solution can be pre-designed and code because they are multiples of each other.</a:t>
+              <a:t>Solution can be pre-designed and code because </a:t>
+            </a:r>
+            <a:r>
+              <a:rPr lang="en-US" sz="2000" b="1" dirty="0" smtClean="0">
+                <a:solidFill>
+                  <a:schemeClr val="tx2">
+                    <a:lumMod val="75000"/>
+                  </a:schemeClr>
+                </a:solidFill>
+              </a:rPr>
+              <a:t>the coins  </a:t>
+            </a:r>
+            <a:r>
+              <a:rPr lang="en-US" sz="2000" b="1" dirty="0" smtClean="0">
+                <a:solidFill>
+                  <a:schemeClr val="tx2">
+                    <a:lumMod val="75000"/>
+                  </a:schemeClr>
+                </a:solidFill>
+              </a:rPr>
+              <a:t>are multiples of each other.</a:t>
             </a:r>
             <a:endParaRPr lang="en-US" sz="2000" b="1" dirty="0">
               <a:solidFill>
@@ -14134,15 +14146,7 @@
                   <a:srgbClr val="FF0000"/>
                 </a:solidFill>
               </a:rPr>
-              <a:t>= </a:t>
-            </a:r>
-            <a:r>
-              <a:rPr lang="en-US" b="1" smtClean="0">
-                <a:solidFill>
-                  <a:srgbClr val="FF0000"/>
-                </a:solidFill>
-              </a:rPr>
-              <a:t>4 </a:t>
+              <a:t>= 4 </a:t>
             </a:r>
             <a:r>
               <a:rPr lang="en-US" b="1" dirty="0" smtClean="0">
@@ -14871,15 +14875,7 @@
           <a:p>
             <a:r>
               <a:rPr lang="en-US" dirty="0" smtClean="0"/>
-              <a:t>First Level of Search Tree, Possible Coin choices </a:t>
-            </a:r>
-            <a:r>
-              <a:rPr lang="en-US" dirty="0" smtClean="0"/>
-              <a:t>&lt;= </a:t>
-            </a:r>
-            <a:r>
-              <a:rPr lang="en-US" dirty="0" smtClean="0"/>
-              <a:t>$.08</a:t>
+              <a:t>First Level of Search Tree, Possible Coin choices &lt;= $.08</a:t>
             </a:r>
             <a:endParaRPr lang="en-US" dirty="0"/>
           </a:p>

--- a/Presentations/AI Dynamic Programming.pptx
+++ b/Presentations/AI Dynamic Programming.pptx
@@ -21,7 +21,8 @@
     <p:sldId id="270" r:id="rId15"/>
     <p:sldId id="271" r:id="rId16"/>
     <p:sldId id="272" r:id="rId17"/>
-    <p:sldId id="268" r:id="rId18"/>
+    <p:sldId id="273" r:id="rId18"/>
+    <p:sldId id="268" r:id="rId19"/>
   </p:sldIdLst>
   <p:sldSz cx="9144000" cy="6858000" type="screen4x3"/>
   <p:notesSz cx="6858000" cy="9144000"/>
@@ -305,7 +306,7 @@
             <a:fld id="{1D8BD707-D9CF-40AE-B4C6-C98DA3205C09}" type="datetimeFigureOut">
               <a:rPr lang="en-US" smtClean="0"/>
               <a:pPr/>
-              <a:t>6/20/2017</a:t>
+              <a:t>6/29/2017</a:t>
             </a:fld>
             <a:endParaRPr lang="en-US"/>
           </a:p>
@@ -472,7 +473,7 @@
             <a:fld id="{1D8BD707-D9CF-40AE-B4C6-C98DA3205C09}" type="datetimeFigureOut">
               <a:rPr lang="en-US" smtClean="0"/>
               <a:pPr/>
-              <a:t>6/20/2017</a:t>
+              <a:t>6/29/2017</a:t>
             </a:fld>
             <a:endParaRPr lang="en-US"/>
           </a:p>
@@ -649,7 +650,7 @@
             <a:fld id="{1D8BD707-D9CF-40AE-B4C6-C98DA3205C09}" type="datetimeFigureOut">
               <a:rPr lang="en-US" smtClean="0"/>
               <a:pPr/>
-              <a:t>6/20/2017</a:t>
+              <a:t>6/29/2017</a:t>
             </a:fld>
             <a:endParaRPr lang="en-US"/>
           </a:p>
@@ -816,7 +817,7 @@
             <a:fld id="{1D8BD707-D9CF-40AE-B4C6-C98DA3205C09}" type="datetimeFigureOut">
               <a:rPr lang="en-US" smtClean="0"/>
               <a:pPr/>
-              <a:t>6/20/2017</a:t>
+              <a:t>6/29/2017</a:t>
             </a:fld>
             <a:endParaRPr lang="en-US"/>
           </a:p>
@@ -1059,7 +1060,7 @@
             <a:fld id="{1D8BD707-D9CF-40AE-B4C6-C98DA3205C09}" type="datetimeFigureOut">
               <a:rPr lang="en-US" smtClean="0"/>
               <a:pPr/>
-              <a:t>6/20/2017</a:t>
+              <a:t>6/29/2017</a:t>
             </a:fld>
             <a:endParaRPr lang="en-US"/>
           </a:p>
@@ -1344,7 +1345,7 @@
             <a:fld id="{1D8BD707-D9CF-40AE-B4C6-C98DA3205C09}" type="datetimeFigureOut">
               <a:rPr lang="en-US" smtClean="0"/>
               <a:pPr/>
-              <a:t>6/20/2017</a:t>
+              <a:t>6/29/2017</a:t>
             </a:fld>
             <a:endParaRPr lang="en-US"/>
           </a:p>
@@ -1763,7 +1764,7 @@
             <a:fld id="{1D8BD707-D9CF-40AE-B4C6-C98DA3205C09}" type="datetimeFigureOut">
               <a:rPr lang="en-US" smtClean="0"/>
               <a:pPr/>
-              <a:t>6/20/2017</a:t>
+              <a:t>6/29/2017</a:t>
             </a:fld>
             <a:endParaRPr lang="en-US"/>
           </a:p>
@@ -1878,7 +1879,7 @@
             <a:fld id="{1D8BD707-D9CF-40AE-B4C6-C98DA3205C09}" type="datetimeFigureOut">
               <a:rPr lang="en-US" smtClean="0"/>
               <a:pPr/>
-              <a:t>6/20/2017</a:t>
+              <a:t>6/29/2017</a:t>
             </a:fld>
             <a:endParaRPr lang="en-US"/>
           </a:p>
@@ -1970,7 +1971,7 @@
             <a:fld id="{1D8BD707-D9CF-40AE-B4C6-C98DA3205C09}" type="datetimeFigureOut">
               <a:rPr lang="en-US" smtClean="0"/>
               <a:pPr/>
-              <a:t>6/20/2017</a:t>
+              <a:t>6/29/2017</a:t>
             </a:fld>
             <a:endParaRPr lang="en-US"/>
           </a:p>
@@ -2244,7 +2245,7 @@
             <a:fld id="{1D8BD707-D9CF-40AE-B4C6-C98DA3205C09}" type="datetimeFigureOut">
               <a:rPr lang="en-US" smtClean="0"/>
               <a:pPr/>
-              <a:t>6/20/2017</a:t>
+              <a:t>6/29/2017</a:t>
             </a:fld>
             <a:endParaRPr lang="en-US"/>
           </a:p>
@@ -2494,7 +2495,7 @@
             <a:fld id="{1D8BD707-D9CF-40AE-B4C6-C98DA3205C09}" type="datetimeFigureOut">
               <a:rPr lang="en-US" smtClean="0"/>
               <a:pPr/>
-              <a:t>6/20/2017</a:t>
+              <a:t>6/29/2017</a:t>
             </a:fld>
             <a:endParaRPr lang="en-US"/>
           </a:p>
@@ -2704,7 +2705,7 @@
             <a:fld id="{1D8BD707-D9CF-40AE-B4C6-C98DA3205C09}" type="datetimeFigureOut">
               <a:rPr lang="en-US" smtClean="0"/>
               <a:pPr/>
-              <a:t>6/20/2017</a:t>
+              <a:t>6/29/2017</a:t>
             </a:fld>
             <a:endParaRPr lang="en-US"/>
           </a:p>
@@ -10575,6 +10576,1526 @@
                   </a:schemeClr>
                 </a:solidFill>
               </a:rPr>
+              <a:t>Advanced </a:t>
+            </a:r>
+            <a:r>
+              <a:rPr lang="en-US" sz="4000" dirty="0" smtClean="0">
+                <a:solidFill>
+                  <a:schemeClr val="accent1">
+                    <a:lumMod val="75000"/>
+                  </a:schemeClr>
+                </a:solidFill>
+              </a:rPr>
+              <a:t>– </a:t>
+            </a:r>
+            <a:r>
+              <a:rPr lang="en-US" sz="4000" smtClean="0">
+                <a:solidFill>
+                  <a:schemeClr val="accent1">
+                    <a:lumMod val="75000"/>
+                  </a:schemeClr>
+                </a:solidFill>
+              </a:rPr>
+              <a:t>Prune N-1 </a:t>
+            </a:r>
+            <a:r>
+              <a:rPr lang="en-US" sz="4000" dirty="0" smtClean="0">
+                <a:solidFill>
+                  <a:schemeClr val="accent1">
+                    <a:lumMod val="75000"/>
+                  </a:schemeClr>
+                </a:solidFill>
+              </a:rPr>
+              <a:t>candidate solutions</a:t>
+            </a:r>
+            <a:endParaRPr lang="en-US" sz="4000" dirty="0">
+              <a:solidFill>
+                <a:schemeClr val="accent1">
+                  <a:lumMod val="75000"/>
+                </a:schemeClr>
+              </a:solidFill>
+            </a:endParaRPr>
+          </a:p>
+        </p:txBody>
+      </p:sp>
+      <p:cxnSp>
+        <p:nvCxnSpPr>
+          <p:cNvPr id="5" name="Straight Connector 4"/>
+          <p:cNvCxnSpPr/>
+          <p:nvPr/>
+        </p:nvCxnSpPr>
+        <p:spPr>
+          <a:xfrm>
+            <a:off x="0" y="990600"/>
+            <a:ext cx="9144000" cy="0"/>
+          </a:xfrm>
+          <a:prstGeom prst="line">
+            <a:avLst/>
+          </a:prstGeom>
+          <a:ln w="19050"/>
+        </p:spPr>
+        <p:style>
+          <a:lnRef idx="1">
+            <a:schemeClr val="accent1"/>
+          </a:lnRef>
+          <a:fillRef idx="0">
+            <a:schemeClr val="accent1"/>
+          </a:fillRef>
+          <a:effectRef idx="0">
+            <a:schemeClr val="accent1"/>
+          </a:effectRef>
+          <a:fontRef idx="minor">
+            <a:schemeClr val="tx1"/>
+          </a:fontRef>
+        </p:style>
+      </p:cxnSp>
+      <p:sp>
+        <p:nvSpPr>
+          <p:cNvPr id="13" name="Dodecagon 12"/>
+          <p:cNvSpPr/>
+          <p:nvPr/>
+        </p:nvSpPr>
+        <p:spPr>
+          <a:xfrm>
+            <a:off x="1236782" y="2869745"/>
+            <a:ext cx="838200" cy="762000"/>
+          </a:xfrm>
+          <a:prstGeom prst="dodecagon">
+            <a:avLst/>
+          </a:prstGeom>
+        </p:spPr>
+        <p:style>
+          <a:lnRef idx="2">
+            <a:schemeClr val="accent1">
+              <a:shade val="50000"/>
+            </a:schemeClr>
+          </a:lnRef>
+          <a:fillRef idx="1">
+            <a:schemeClr val="accent1"/>
+          </a:fillRef>
+          <a:effectRef idx="0">
+            <a:schemeClr val="accent1"/>
+          </a:effectRef>
+          <a:fontRef idx="minor">
+            <a:schemeClr val="lt1"/>
+          </a:fontRef>
+        </p:style>
+        <p:txBody>
+          <a:bodyPr rtlCol="0" anchor="ctr"/>
+          <a:lstStyle/>
+          <a:p>
+            <a:pPr algn="ctr"/>
+            <a:r>
+              <a:rPr lang="en-US" dirty="0" smtClean="0"/>
+              <a:t>1</a:t>
+            </a:r>
+            <a:endParaRPr lang="en-US" dirty="0"/>
+          </a:p>
+        </p:txBody>
+      </p:sp>
+      <p:sp>
+        <p:nvSpPr>
+          <p:cNvPr id="14" name="Dodecagon 13"/>
+          <p:cNvSpPr/>
+          <p:nvPr/>
+        </p:nvSpPr>
+        <p:spPr>
+          <a:xfrm>
+            <a:off x="3228685" y="2869745"/>
+            <a:ext cx="838200" cy="762000"/>
+          </a:xfrm>
+          <a:prstGeom prst="dodecagon">
+            <a:avLst/>
+          </a:prstGeom>
+        </p:spPr>
+        <p:style>
+          <a:lnRef idx="2">
+            <a:schemeClr val="accent1">
+              <a:shade val="50000"/>
+            </a:schemeClr>
+          </a:lnRef>
+          <a:fillRef idx="1">
+            <a:schemeClr val="accent1"/>
+          </a:fillRef>
+          <a:effectRef idx="0">
+            <a:schemeClr val="accent1"/>
+          </a:effectRef>
+          <a:fontRef idx="minor">
+            <a:schemeClr val="lt1"/>
+          </a:fontRef>
+        </p:style>
+        <p:txBody>
+          <a:bodyPr rtlCol="0" anchor="ctr"/>
+          <a:lstStyle/>
+          <a:p>
+            <a:pPr algn="ctr"/>
+            <a:r>
+              <a:rPr lang="en-US" dirty="0" smtClean="0"/>
+              <a:t>4</a:t>
+            </a:r>
+            <a:endParaRPr lang="en-US" dirty="0"/>
+          </a:p>
+        </p:txBody>
+      </p:sp>
+      <p:sp>
+        <p:nvSpPr>
+          <p:cNvPr id="15" name="Dodecagon 14"/>
+          <p:cNvSpPr/>
+          <p:nvPr/>
+        </p:nvSpPr>
+        <p:spPr>
+          <a:xfrm>
+            <a:off x="4792782" y="2854844"/>
+            <a:ext cx="838200" cy="762000"/>
+          </a:xfrm>
+          <a:prstGeom prst="dodecagon">
+            <a:avLst/>
+          </a:prstGeom>
+        </p:spPr>
+        <p:style>
+          <a:lnRef idx="2">
+            <a:schemeClr val="accent1">
+              <a:shade val="50000"/>
+            </a:schemeClr>
+          </a:lnRef>
+          <a:fillRef idx="1">
+            <a:schemeClr val="accent1"/>
+          </a:fillRef>
+          <a:effectRef idx="0">
+            <a:schemeClr val="accent1"/>
+          </a:effectRef>
+          <a:fontRef idx="minor">
+            <a:schemeClr val="lt1"/>
+          </a:fontRef>
+        </p:style>
+        <p:txBody>
+          <a:bodyPr rtlCol="0" anchor="ctr"/>
+          <a:lstStyle/>
+          <a:p>
+            <a:pPr algn="ctr"/>
+            <a:r>
+              <a:rPr lang="en-US" dirty="0" smtClean="0"/>
+              <a:t>5</a:t>
+            </a:r>
+            <a:endParaRPr lang="en-US" dirty="0"/>
+          </a:p>
+        </p:txBody>
+      </p:sp>
+      <p:sp>
+        <p:nvSpPr>
+          <p:cNvPr id="22" name="Dodecagon 21"/>
+          <p:cNvSpPr/>
+          <p:nvPr/>
+        </p:nvSpPr>
+        <p:spPr>
+          <a:xfrm>
+            <a:off x="3954582" y="1518380"/>
+            <a:ext cx="838200" cy="762000"/>
+          </a:xfrm>
+          <a:prstGeom prst="dodecagon">
+            <a:avLst/>
+          </a:prstGeom>
+        </p:spPr>
+        <p:style>
+          <a:lnRef idx="2">
+            <a:schemeClr val="accent1">
+              <a:shade val="50000"/>
+            </a:schemeClr>
+          </a:lnRef>
+          <a:fillRef idx="1">
+            <a:schemeClr val="accent1"/>
+          </a:fillRef>
+          <a:effectRef idx="0">
+            <a:schemeClr val="accent1"/>
+          </a:effectRef>
+          <a:fontRef idx="minor">
+            <a:schemeClr val="lt1"/>
+          </a:fontRef>
+        </p:style>
+        <p:txBody>
+          <a:bodyPr rtlCol="0" anchor="ctr"/>
+          <a:lstStyle/>
+          <a:p>
+            <a:pPr algn="ctr"/>
+            <a:endParaRPr lang="en-US" dirty="0"/>
+          </a:p>
+        </p:txBody>
+      </p:sp>
+      <p:cxnSp>
+        <p:nvCxnSpPr>
+          <p:cNvPr id="9" name="Straight Arrow Connector 8"/>
+          <p:cNvCxnSpPr>
+            <a:stCxn id="22" idx="6"/>
+          </p:cNvCxnSpPr>
+          <p:nvPr/>
+        </p:nvCxnSpPr>
+        <p:spPr>
+          <a:xfrm flipH="1">
+            <a:off x="1981200" y="2178286"/>
+            <a:ext cx="2085685" cy="793514"/>
+          </a:xfrm>
+          <a:prstGeom prst="straightConnector1">
+            <a:avLst/>
+          </a:prstGeom>
+          <a:ln w="25400">
+            <a:solidFill>
+              <a:schemeClr val="tx1"/>
+            </a:solidFill>
+            <a:tailEnd type="arrow"/>
+          </a:ln>
+        </p:spPr>
+        <p:style>
+          <a:lnRef idx="1">
+            <a:schemeClr val="accent1"/>
+          </a:lnRef>
+          <a:fillRef idx="0">
+            <a:schemeClr val="accent1"/>
+          </a:fillRef>
+          <a:effectRef idx="0">
+            <a:schemeClr val="accent1"/>
+          </a:effectRef>
+          <a:fontRef idx="minor">
+            <a:schemeClr val="tx1"/>
+          </a:fontRef>
+        </p:style>
+      </p:cxnSp>
+      <p:cxnSp>
+        <p:nvCxnSpPr>
+          <p:cNvPr id="25" name="Straight Arrow Connector 24"/>
+          <p:cNvCxnSpPr>
+            <a:stCxn id="22" idx="5"/>
+          </p:cNvCxnSpPr>
+          <p:nvPr/>
+        </p:nvCxnSpPr>
+        <p:spPr>
+          <a:xfrm flipH="1">
+            <a:off x="3862825" y="2280380"/>
+            <a:ext cx="398554" cy="589365"/>
+          </a:xfrm>
+          <a:prstGeom prst="straightConnector1">
+            <a:avLst/>
+          </a:prstGeom>
+          <a:ln w="25400">
+            <a:solidFill>
+              <a:schemeClr val="tx1"/>
+            </a:solidFill>
+            <a:tailEnd type="arrow"/>
+          </a:ln>
+        </p:spPr>
+        <p:style>
+          <a:lnRef idx="1">
+            <a:schemeClr val="accent1"/>
+          </a:lnRef>
+          <a:fillRef idx="0">
+            <a:schemeClr val="accent1"/>
+          </a:fillRef>
+          <a:effectRef idx="0">
+            <a:schemeClr val="accent1"/>
+          </a:effectRef>
+          <a:fontRef idx="minor">
+            <a:schemeClr val="tx1"/>
+          </a:fontRef>
+        </p:style>
+      </p:cxnSp>
+      <p:cxnSp>
+        <p:nvCxnSpPr>
+          <p:cNvPr id="30" name="Straight Arrow Connector 29"/>
+          <p:cNvCxnSpPr>
+            <a:stCxn id="22" idx="4"/>
+          </p:cNvCxnSpPr>
+          <p:nvPr/>
+        </p:nvCxnSpPr>
+        <p:spPr>
+          <a:xfrm>
+            <a:off x="4485985" y="2280380"/>
+            <a:ext cx="467015" cy="691420"/>
+          </a:xfrm>
+          <a:prstGeom prst="straightConnector1">
+            <a:avLst/>
+          </a:prstGeom>
+          <a:ln w="25400">
+            <a:solidFill>
+              <a:schemeClr val="tx1"/>
+            </a:solidFill>
+            <a:tailEnd type="arrow"/>
+          </a:ln>
+        </p:spPr>
+        <p:style>
+          <a:lnRef idx="1">
+            <a:schemeClr val="accent1"/>
+          </a:lnRef>
+          <a:fillRef idx="0">
+            <a:schemeClr val="accent1"/>
+          </a:fillRef>
+          <a:effectRef idx="0">
+            <a:schemeClr val="accent1"/>
+          </a:effectRef>
+          <a:fontRef idx="minor">
+            <a:schemeClr val="tx1"/>
+          </a:fontRef>
+        </p:style>
+      </p:cxnSp>
+      <p:sp>
+        <p:nvSpPr>
+          <p:cNvPr id="37" name="Rectangle 36"/>
+          <p:cNvSpPr/>
+          <p:nvPr/>
+        </p:nvSpPr>
+        <p:spPr>
+          <a:xfrm>
+            <a:off x="2838363" y="1128527"/>
+            <a:ext cx="3242234" cy="369332"/>
+          </a:xfrm>
+          <a:prstGeom prst="rect">
+            <a:avLst/>
+          </a:prstGeom>
+        </p:spPr>
+        <p:txBody>
+          <a:bodyPr wrap="none">
+            <a:spAutoFit/>
+          </a:bodyPr>
+          <a:lstStyle/>
+          <a:p>
+            <a:r>
+              <a:rPr lang="en-US" b="1" dirty="0" smtClean="0">
+                <a:solidFill>
+                  <a:schemeClr val="accent3">
+                    <a:lumMod val="50000"/>
+                  </a:schemeClr>
+                </a:solidFill>
+              </a:rPr>
+              <a:t>coins = BFS( $.23, [ 15, 5, 4, 1 ] ) </a:t>
+            </a:r>
+            <a:endParaRPr lang="en-US" dirty="0"/>
+          </a:p>
+        </p:txBody>
+      </p:sp>
+      <p:sp>
+        <p:nvSpPr>
+          <p:cNvPr id="44" name="Dodecagon 43"/>
+          <p:cNvSpPr/>
+          <p:nvPr/>
+        </p:nvSpPr>
+        <p:spPr>
+          <a:xfrm>
+            <a:off x="6756400" y="2867544"/>
+            <a:ext cx="838200" cy="762000"/>
+          </a:xfrm>
+          <a:prstGeom prst="dodecagon">
+            <a:avLst/>
+          </a:prstGeom>
+        </p:spPr>
+        <p:style>
+          <a:lnRef idx="2">
+            <a:schemeClr val="accent1">
+              <a:shade val="50000"/>
+            </a:schemeClr>
+          </a:lnRef>
+          <a:fillRef idx="1">
+            <a:schemeClr val="accent1"/>
+          </a:fillRef>
+          <a:effectRef idx="0">
+            <a:schemeClr val="accent1"/>
+          </a:effectRef>
+          <a:fontRef idx="minor">
+            <a:schemeClr val="lt1"/>
+          </a:fontRef>
+        </p:style>
+        <p:txBody>
+          <a:bodyPr rtlCol="0" anchor="ctr"/>
+          <a:lstStyle/>
+          <a:p>
+            <a:pPr algn="ctr"/>
+            <a:r>
+              <a:rPr lang="en-US" dirty="0" smtClean="0"/>
+              <a:t>15</a:t>
+            </a:r>
+            <a:endParaRPr lang="en-US" dirty="0"/>
+          </a:p>
+        </p:txBody>
+      </p:sp>
+      <p:cxnSp>
+        <p:nvCxnSpPr>
+          <p:cNvPr id="54" name="Straight Arrow Connector 53"/>
+          <p:cNvCxnSpPr>
+            <a:stCxn id="22" idx="3"/>
+            <a:endCxn id="44" idx="8"/>
+          </p:cNvCxnSpPr>
+          <p:nvPr/>
+        </p:nvCxnSpPr>
+        <p:spPr>
+          <a:xfrm>
+            <a:off x="4680479" y="2178286"/>
+            <a:ext cx="2075921" cy="968164"/>
+          </a:xfrm>
+          <a:prstGeom prst="straightConnector1">
+            <a:avLst/>
+          </a:prstGeom>
+          <a:ln w="25400">
+            <a:solidFill>
+              <a:schemeClr val="tx1"/>
+            </a:solidFill>
+            <a:tailEnd type="arrow"/>
+          </a:ln>
+        </p:spPr>
+        <p:style>
+          <a:lnRef idx="1">
+            <a:schemeClr val="accent1"/>
+          </a:lnRef>
+          <a:fillRef idx="0">
+            <a:schemeClr val="accent1"/>
+          </a:fillRef>
+          <a:effectRef idx="0">
+            <a:schemeClr val="accent1"/>
+          </a:effectRef>
+          <a:fontRef idx="minor">
+            <a:schemeClr val="tx1"/>
+          </a:fontRef>
+        </p:style>
+      </p:cxnSp>
+      <p:sp>
+        <p:nvSpPr>
+          <p:cNvPr id="19" name="TextBox 18"/>
+          <p:cNvSpPr txBox="1"/>
+          <p:nvPr/>
+        </p:nvSpPr>
+        <p:spPr>
+          <a:xfrm>
+            <a:off x="6932335" y="1790589"/>
+            <a:ext cx="1324530" cy="338554"/>
+          </a:xfrm>
+          <a:prstGeom prst="rect">
+            <a:avLst/>
+          </a:prstGeom>
+          <a:noFill/>
+        </p:spPr>
+        <p:txBody>
+          <a:bodyPr wrap="none" rtlCol="0">
+            <a:spAutoFit/>
+          </a:bodyPr>
+          <a:lstStyle/>
+          <a:p>
+            <a:r>
+              <a:rPr lang="en-US" sz="1600" dirty="0" smtClean="0"/>
+              <a:t>Solve for $.08</a:t>
+            </a:r>
+            <a:endParaRPr lang="en-US" sz="1600" dirty="0"/>
+          </a:p>
+        </p:txBody>
+      </p:sp>
+      <p:cxnSp>
+        <p:nvCxnSpPr>
+          <p:cNvPr id="20" name="Curved Connector 19"/>
+          <p:cNvCxnSpPr>
+            <a:endCxn id="39" idx="2"/>
+          </p:cNvCxnSpPr>
+          <p:nvPr/>
+        </p:nvCxnSpPr>
+        <p:spPr>
+          <a:xfrm rot="10800000" flipV="1">
+            <a:off x="4481203" y="4255837"/>
+            <a:ext cx="457759" cy="297388"/>
+          </a:xfrm>
+          <a:prstGeom prst="curvedConnector3">
+            <a:avLst/>
+          </a:prstGeom>
+          <a:ln w="12700">
+            <a:solidFill>
+              <a:schemeClr val="tx1"/>
+            </a:solidFill>
+            <a:tailEnd type="arrow"/>
+          </a:ln>
+        </p:spPr>
+        <p:style>
+          <a:lnRef idx="1">
+            <a:schemeClr val="accent1"/>
+          </a:lnRef>
+          <a:fillRef idx="0">
+            <a:schemeClr val="accent1"/>
+          </a:fillRef>
+          <a:effectRef idx="0">
+            <a:schemeClr val="accent1"/>
+          </a:effectRef>
+          <a:fontRef idx="minor">
+            <a:schemeClr val="tx1"/>
+          </a:fontRef>
+        </p:style>
+      </p:cxnSp>
+      <p:cxnSp>
+        <p:nvCxnSpPr>
+          <p:cNvPr id="23" name="Curved Connector 22"/>
+          <p:cNvCxnSpPr>
+            <a:endCxn id="44" idx="10"/>
+          </p:cNvCxnSpPr>
+          <p:nvPr/>
+        </p:nvCxnSpPr>
+        <p:spPr>
+          <a:xfrm rot="5400000">
+            <a:off x="6820628" y="2277553"/>
+            <a:ext cx="832561" cy="347421"/>
+          </a:xfrm>
+          <a:prstGeom prst="curvedConnector3">
+            <a:avLst/>
+          </a:prstGeom>
+          <a:ln w="12700">
+            <a:solidFill>
+              <a:schemeClr val="tx1"/>
+            </a:solidFill>
+            <a:tailEnd type="arrow"/>
+          </a:ln>
+        </p:spPr>
+        <p:style>
+          <a:lnRef idx="1">
+            <a:schemeClr val="accent1"/>
+          </a:lnRef>
+          <a:fillRef idx="0">
+            <a:schemeClr val="accent1"/>
+          </a:fillRef>
+          <a:effectRef idx="0">
+            <a:schemeClr val="accent1"/>
+          </a:effectRef>
+          <a:fontRef idx="minor">
+            <a:schemeClr val="tx1"/>
+          </a:fontRef>
+        </p:style>
+      </p:cxnSp>
+      <p:sp>
+        <p:nvSpPr>
+          <p:cNvPr id="26" name="TextBox 25"/>
+          <p:cNvSpPr txBox="1"/>
+          <p:nvPr/>
+        </p:nvSpPr>
+        <p:spPr>
+          <a:xfrm>
+            <a:off x="4912666" y="4038600"/>
+            <a:ext cx="1324530" cy="338554"/>
+          </a:xfrm>
+          <a:prstGeom prst="rect">
+            <a:avLst/>
+          </a:prstGeom>
+          <a:noFill/>
+        </p:spPr>
+        <p:txBody>
+          <a:bodyPr wrap="none" rtlCol="0">
+            <a:spAutoFit/>
+          </a:bodyPr>
+          <a:lstStyle/>
+          <a:p>
+            <a:r>
+              <a:rPr lang="en-US" sz="1600" dirty="0" smtClean="0"/>
+              <a:t>Solve for </a:t>
+            </a:r>
+            <a:r>
+              <a:rPr lang="en-US" sz="1600" dirty="0" smtClean="0"/>
+              <a:t>$.15</a:t>
+            </a:r>
+            <a:endParaRPr lang="en-US" sz="1600" dirty="0"/>
+          </a:p>
+        </p:txBody>
+      </p:sp>
+      <p:cxnSp>
+        <p:nvCxnSpPr>
+          <p:cNvPr id="28" name="Curved Connector 27"/>
+          <p:cNvCxnSpPr/>
+          <p:nvPr/>
+        </p:nvCxnSpPr>
+        <p:spPr>
+          <a:xfrm>
+            <a:off x="1635538" y="4234546"/>
+            <a:ext cx="969404" cy="490699"/>
+          </a:xfrm>
+          <a:prstGeom prst="curvedConnector3">
+            <a:avLst>
+              <a:gd name="adj1" fmla="val 50000"/>
+            </a:avLst>
+          </a:prstGeom>
+          <a:ln w="12700">
+            <a:solidFill>
+              <a:schemeClr val="tx1"/>
+            </a:solidFill>
+            <a:tailEnd type="arrow"/>
+          </a:ln>
+        </p:spPr>
+        <p:style>
+          <a:lnRef idx="1">
+            <a:schemeClr val="accent1"/>
+          </a:lnRef>
+          <a:fillRef idx="0">
+            <a:schemeClr val="accent1"/>
+          </a:fillRef>
+          <a:effectRef idx="0">
+            <a:schemeClr val="accent1"/>
+          </a:effectRef>
+          <a:fontRef idx="minor">
+            <a:schemeClr val="tx1"/>
+          </a:fontRef>
+        </p:style>
+      </p:cxnSp>
+      <p:sp>
+        <p:nvSpPr>
+          <p:cNvPr id="32" name="Dodecagon 31"/>
+          <p:cNvSpPr/>
+          <p:nvPr/>
+        </p:nvSpPr>
+        <p:spPr>
+          <a:xfrm>
+            <a:off x="6743700" y="4038600"/>
+            <a:ext cx="838200" cy="762000"/>
+          </a:xfrm>
+          <a:prstGeom prst="dodecagon">
+            <a:avLst/>
+          </a:prstGeom>
+        </p:spPr>
+        <p:style>
+          <a:lnRef idx="2">
+            <a:schemeClr val="accent1">
+              <a:shade val="50000"/>
+            </a:schemeClr>
+          </a:lnRef>
+          <a:fillRef idx="1">
+            <a:schemeClr val="accent1"/>
+          </a:fillRef>
+          <a:effectRef idx="0">
+            <a:schemeClr val="accent1"/>
+          </a:effectRef>
+          <a:fontRef idx="minor">
+            <a:schemeClr val="lt1"/>
+          </a:fontRef>
+        </p:style>
+        <p:txBody>
+          <a:bodyPr rtlCol="0" anchor="ctr"/>
+          <a:lstStyle/>
+          <a:p>
+            <a:pPr algn="ctr"/>
+            <a:r>
+              <a:rPr lang="en-US" dirty="0" smtClean="0"/>
+              <a:t>4</a:t>
+            </a:r>
+            <a:endParaRPr lang="en-US" dirty="0"/>
+          </a:p>
+        </p:txBody>
+      </p:sp>
+      <p:sp>
+        <p:nvSpPr>
+          <p:cNvPr id="33" name="Dodecagon 32"/>
+          <p:cNvSpPr/>
+          <p:nvPr/>
+        </p:nvSpPr>
+        <p:spPr>
+          <a:xfrm>
+            <a:off x="6743700" y="5105400"/>
+            <a:ext cx="838200" cy="762000"/>
+          </a:xfrm>
+          <a:prstGeom prst="dodecagon">
+            <a:avLst/>
+          </a:prstGeom>
+          <a:solidFill>
+            <a:srgbClr val="FFC000"/>
+          </a:solidFill>
+        </p:spPr>
+        <p:style>
+          <a:lnRef idx="2">
+            <a:schemeClr val="accent1">
+              <a:shade val="50000"/>
+            </a:schemeClr>
+          </a:lnRef>
+          <a:fillRef idx="1">
+            <a:schemeClr val="accent1"/>
+          </a:fillRef>
+          <a:effectRef idx="0">
+            <a:schemeClr val="accent1"/>
+          </a:effectRef>
+          <a:fontRef idx="minor">
+            <a:schemeClr val="lt1"/>
+          </a:fontRef>
+        </p:style>
+        <p:txBody>
+          <a:bodyPr rtlCol="0" anchor="ctr"/>
+          <a:lstStyle/>
+          <a:p>
+            <a:pPr algn="ctr"/>
+            <a:r>
+              <a:rPr lang="en-US" dirty="0" smtClean="0"/>
+              <a:t>4</a:t>
+            </a:r>
+            <a:endParaRPr lang="en-US" dirty="0"/>
+          </a:p>
+        </p:txBody>
+      </p:sp>
+      <p:cxnSp>
+        <p:nvCxnSpPr>
+          <p:cNvPr id="35" name="Straight Arrow Connector 34"/>
+          <p:cNvCxnSpPr/>
+          <p:nvPr/>
+        </p:nvCxnSpPr>
+        <p:spPr>
+          <a:xfrm>
+            <a:off x="7162800" y="3631745"/>
+            <a:ext cx="0" cy="454815"/>
+          </a:xfrm>
+          <a:prstGeom prst="straightConnector1">
+            <a:avLst/>
+          </a:prstGeom>
+          <a:ln w="25400">
+            <a:solidFill>
+              <a:schemeClr val="tx1"/>
+            </a:solidFill>
+            <a:tailEnd type="arrow"/>
+          </a:ln>
+        </p:spPr>
+        <p:style>
+          <a:lnRef idx="1">
+            <a:schemeClr val="accent1"/>
+          </a:lnRef>
+          <a:fillRef idx="0">
+            <a:schemeClr val="accent1"/>
+          </a:fillRef>
+          <a:effectRef idx="0">
+            <a:schemeClr val="accent1"/>
+          </a:effectRef>
+          <a:fontRef idx="minor">
+            <a:schemeClr val="tx1"/>
+          </a:fontRef>
+        </p:style>
+      </p:cxnSp>
+      <p:cxnSp>
+        <p:nvCxnSpPr>
+          <p:cNvPr id="38" name="Straight Arrow Connector 37"/>
+          <p:cNvCxnSpPr/>
+          <p:nvPr/>
+        </p:nvCxnSpPr>
+        <p:spPr>
+          <a:xfrm>
+            <a:off x="7177365" y="4769232"/>
+            <a:ext cx="0" cy="381000"/>
+          </a:xfrm>
+          <a:prstGeom prst="straightConnector1">
+            <a:avLst/>
+          </a:prstGeom>
+          <a:ln w="25400">
+            <a:solidFill>
+              <a:schemeClr val="tx1"/>
+            </a:solidFill>
+            <a:tailEnd type="arrow"/>
+          </a:ln>
+        </p:spPr>
+        <p:style>
+          <a:lnRef idx="1">
+            <a:schemeClr val="accent1"/>
+          </a:lnRef>
+          <a:fillRef idx="0">
+            <a:schemeClr val="accent1"/>
+          </a:fillRef>
+          <a:effectRef idx="0">
+            <a:schemeClr val="accent1"/>
+          </a:effectRef>
+          <a:fontRef idx="minor">
+            <a:schemeClr val="tx1"/>
+          </a:fontRef>
+        </p:style>
+      </p:cxnSp>
+      <p:sp>
+        <p:nvSpPr>
+          <p:cNvPr id="3" name="Right Brace 2"/>
+          <p:cNvSpPr/>
+          <p:nvPr/>
+        </p:nvSpPr>
+        <p:spPr>
+          <a:xfrm>
+            <a:off x="7772400" y="4226444"/>
+            <a:ext cx="304800" cy="1336156"/>
+          </a:xfrm>
+          <a:prstGeom prst="rightBrace">
+            <a:avLst/>
+          </a:prstGeom>
+          <a:ln>
+            <a:solidFill>
+              <a:schemeClr val="accent3">
+                <a:lumMod val="50000"/>
+              </a:schemeClr>
+            </a:solidFill>
+          </a:ln>
+        </p:spPr>
+        <p:style>
+          <a:lnRef idx="1">
+            <a:schemeClr val="accent1"/>
+          </a:lnRef>
+          <a:fillRef idx="0">
+            <a:schemeClr val="accent1"/>
+          </a:fillRef>
+          <a:effectRef idx="0">
+            <a:schemeClr val="accent1"/>
+          </a:effectRef>
+          <a:fontRef idx="minor">
+            <a:schemeClr val="tx1"/>
+          </a:fontRef>
+        </p:style>
+        <p:txBody>
+          <a:bodyPr rtlCol="0" anchor="ctr"/>
+          <a:lstStyle/>
+          <a:p>
+            <a:pPr algn="ctr"/>
+            <a:endParaRPr lang="en-US"/>
+          </a:p>
+        </p:txBody>
+      </p:sp>
+      <p:sp>
+        <p:nvSpPr>
+          <p:cNvPr id="31" name="TextBox 30"/>
+          <p:cNvSpPr txBox="1"/>
+          <p:nvPr/>
+        </p:nvSpPr>
+        <p:spPr>
+          <a:xfrm>
+            <a:off x="8230814" y="4725245"/>
+            <a:ext cx="617477" cy="338554"/>
+          </a:xfrm>
+          <a:prstGeom prst="rect">
+            <a:avLst/>
+          </a:prstGeom>
+          <a:noFill/>
+        </p:spPr>
+        <p:txBody>
+          <a:bodyPr wrap="none" rtlCol="0">
+            <a:spAutoFit/>
+          </a:bodyPr>
+          <a:lstStyle/>
+          <a:p>
+            <a:r>
+              <a:rPr lang="en-US" sz="1600" b="1" dirty="0" smtClean="0">
+                <a:solidFill>
+                  <a:schemeClr val="accent3">
+                    <a:lumMod val="50000"/>
+                  </a:schemeClr>
+                </a:solidFill>
+              </a:rPr>
+              <a:t>N = 2</a:t>
+            </a:r>
+            <a:endParaRPr lang="en-US" sz="1600" b="1" dirty="0">
+              <a:solidFill>
+                <a:schemeClr val="accent3">
+                  <a:lumMod val="50000"/>
+                </a:schemeClr>
+              </a:solidFill>
+            </a:endParaRPr>
+          </a:p>
+        </p:txBody>
+      </p:sp>
+      <p:sp>
+        <p:nvSpPr>
+          <p:cNvPr id="4" name="Oval 3"/>
+          <p:cNvSpPr/>
+          <p:nvPr/>
+        </p:nvSpPr>
+        <p:spPr>
+          <a:xfrm>
+            <a:off x="6400800" y="3631745"/>
+            <a:ext cx="2590800" cy="2616655"/>
+          </a:xfrm>
+          <a:prstGeom prst="ellipse">
+            <a:avLst/>
+          </a:prstGeom>
+          <a:noFill/>
+          <a:ln>
+            <a:solidFill>
+              <a:schemeClr val="tx1"/>
+            </a:solidFill>
+            <a:prstDash val="dash"/>
+          </a:ln>
+        </p:spPr>
+        <p:style>
+          <a:lnRef idx="2">
+            <a:schemeClr val="accent1">
+              <a:shade val="50000"/>
+            </a:schemeClr>
+          </a:lnRef>
+          <a:fillRef idx="1">
+            <a:schemeClr val="accent1"/>
+          </a:fillRef>
+          <a:effectRef idx="0">
+            <a:schemeClr val="accent1"/>
+          </a:effectRef>
+          <a:fontRef idx="minor">
+            <a:schemeClr val="lt1"/>
+          </a:fontRef>
+        </p:style>
+        <p:txBody>
+          <a:bodyPr rtlCol="0" anchor="ctr"/>
+          <a:lstStyle/>
+          <a:p>
+            <a:pPr algn="ctr"/>
+            <a:endParaRPr lang="en-US"/>
+          </a:p>
+        </p:txBody>
+      </p:sp>
+      <p:cxnSp>
+        <p:nvCxnSpPr>
+          <p:cNvPr id="36" name="Straight Arrow Connector 35"/>
+          <p:cNvCxnSpPr/>
+          <p:nvPr/>
+        </p:nvCxnSpPr>
+        <p:spPr>
+          <a:xfrm>
+            <a:off x="3665368" y="3646969"/>
+            <a:ext cx="289214" cy="439591"/>
+          </a:xfrm>
+          <a:prstGeom prst="straightConnector1">
+            <a:avLst/>
+          </a:prstGeom>
+          <a:ln w="25400">
+            <a:solidFill>
+              <a:schemeClr val="tx1"/>
+            </a:solidFill>
+            <a:tailEnd type="arrow"/>
+          </a:ln>
+        </p:spPr>
+        <p:style>
+          <a:lnRef idx="1">
+            <a:schemeClr val="accent1"/>
+          </a:lnRef>
+          <a:fillRef idx="0">
+            <a:schemeClr val="accent1"/>
+          </a:fillRef>
+          <a:effectRef idx="0">
+            <a:schemeClr val="accent1"/>
+          </a:effectRef>
+          <a:fontRef idx="minor">
+            <a:schemeClr val="tx1"/>
+          </a:fontRef>
+        </p:style>
+      </p:cxnSp>
+      <p:sp>
+        <p:nvSpPr>
+          <p:cNvPr id="39" name="Dodecagon 38"/>
+          <p:cNvSpPr/>
+          <p:nvPr/>
+        </p:nvSpPr>
+        <p:spPr>
+          <a:xfrm>
+            <a:off x="3643002" y="4070131"/>
+            <a:ext cx="838200" cy="762000"/>
+          </a:xfrm>
+          <a:prstGeom prst="dodecagon">
+            <a:avLst/>
+          </a:prstGeom>
+        </p:spPr>
+        <p:style>
+          <a:lnRef idx="2">
+            <a:schemeClr val="accent1">
+              <a:shade val="50000"/>
+            </a:schemeClr>
+          </a:lnRef>
+          <a:fillRef idx="1">
+            <a:schemeClr val="accent1"/>
+          </a:fillRef>
+          <a:effectRef idx="0">
+            <a:schemeClr val="accent1"/>
+          </a:effectRef>
+          <a:fontRef idx="minor">
+            <a:schemeClr val="lt1"/>
+          </a:fontRef>
+        </p:style>
+        <p:txBody>
+          <a:bodyPr rtlCol="0" anchor="ctr"/>
+          <a:lstStyle/>
+          <a:p>
+            <a:pPr algn="ctr"/>
+            <a:r>
+              <a:rPr lang="en-US" dirty="0" smtClean="0"/>
+              <a:t>4</a:t>
+            </a:r>
+            <a:endParaRPr lang="en-US" dirty="0"/>
+          </a:p>
+        </p:txBody>
+      </p:sp>
+      <p:cxnSp>
+        <p:nvCxnSpPr>
+          <p:cNvPr id="46" name="Straight Arrow Connector 45"/>
+          <p:cNvCxnSpPr>
+            <a:endCxn id="52" idx="11"/>
+          </p:cNvCxnSpPr>
+          <p:nvPr/>
+        </p:nvCxnSpPr>
+        <p:spPr>
+          <a:xfrm flipH="1">
+            <a:off x="3136345" y="3631745"/>
+            <a:ext cx="366621" cy="454815"/>
+          </a:xfrm>
+          <a:prstGeom prst="straightConnector1">
+            <a:avLst/>
+          </a:prstGeom>
+          <a:ln w="25400">
+            <a:solidFill>
+              <a:schemeClr val="tx1"/>
+            </a:solidFill>
+            <a:tailEnd type="arrow"/>
+          </a:ln>
+        </p:spPr>
+        <p:style>
+          <a:lnRef idx="1">
+            <a:schemeClr val="accent1"/>
+          </a:lnRef>
+          <a:fillRef idx="0">
+            <a:schemeClr val="accent1"/>
+          </a:fillRef>
+          <a:effectRef idx="0">
+            <a:schemeClr val="accent1"/>
+          </a:effectRef>
+          <a:fontRef idx="minor">
+            <a:schemeClr val="tx1"/>
+          </a:fontRef>
+        </p:style>
+      </p:cxnSp>
+      <p:sp>
+        <p:nvSpPr>
+          <p:cNvPr id="48" name="TextBox 47"/>
+          <p:cNvSpPr txBox="1"/>
+          <p:nvPr/>
+        </p:nvSpPr>
+        <p:spPr>
+          <a:xfrm>
+            <a:off x="457200" y="4086560"/>
+            <a:ext cx="1324530" cy="338554"/>
+          </a:xfrm>
+          <a:prstGeom prst="rect">
+            <a:avLst/>
+          </a:prstGeom>
+          <a:noFill/>
+        </p:spPr>
+        <p:txBody>
+          <a:bodyPr wrap="none" rtlCol="0">
+            <a:spAutoFit/>
+          </a:bodyPr>
+          <a:lstStyle/>
+          <a:p>
+            <a:r>
+              <a:rPr lang="en-US" sz="1600" dirty="0" smtClean="0"/>
+              <a:t>Solve for </a:t>
+            </a:r>
+            <a:r>
+              <a:rPr lang="en-US" sz="1600" dirty="0" smtClean="0"/>
+              <a:t>$.18</a:t>
+            </a:r>
+            <a:endParaRPr lang="en-US" sz="1600" dirty="0"/>
+          </a:p>
+        </p:txBody>
+      </p:sp>
+      <p:sp>
+        <p:nvSpPr>
+          <p:cNvPr id="51" name="TextBox 50"/>
+          <p:cNvSpPr txBox="1"/>
+          <p:nvPr/>
+        </p:nvSpPr>
+        <p:spPr>
+          <a:xfrm>
+            <a:off x="249657" y="6248400"/>
+            <a:ext cx="8435323" cy="584775"/>
+          </a:xfrm>
+          <a:prstGeom prst="rect">
+            <a:avLst/>
+          </a:prstGeom>
+          <a:noFill/>
+        </p:spPr>
+        <p:txBody>
+          <a:bodyPr wrap="none" rtlCol="0">
+            <a:spAutoFit/>
+          </a:bodyPr>
+          <a:lstStyle/>
+          <a:p>
+            <a:r>
+              <a:rPr lang="en-US" sz="1600" b="1" dirty="0" smtClean="0">
+                <a:solidFill>
+                  <a:schemeClr val="accent3">
+                    <a:lumMod val="50000"/>
+                  </a:schemeClr>
+                </a:solidFill>
+              </a:rPr>
+              <a:t>If sub-solution is N deep, then only search n-1 levels deeper for alternate solution. If not found at</a:t>
+            </a:r>
+          </a:p>
+          <a:p>
+            <a:r>
+              <a:rPr lang="en-US" sz="1600" b="1" dirty="0" smtClean="0">
+                <a:solidFill>
+                  <a:schemeClr val="accent3">
+                    <a:lumMod val="50000"/>
+                  </a:schemeClr>
+                </a:solidFill>
+              </a:rPr>
+              <a:t>N-1 depth, then alternate solution must be at least N deep and therefore not a better solution.</a:t>
+            </a:r>
+            <a:endParaRPr lang="en-US" sz="1600" b="1" dirty="0">
+              <a:solidFill>
+                <a:schemeClr val="accent3">
+                  <a:lumMod val="50000"/>
+                </a:schemeClr>
+              </a:solidFill>
+            </a:endParaRPr>
+          </a:p>
+        </p:txBody>
+      </p:sp>
+      <p:sp>
+        <p:nvSpPr>
+          <p:cNvPr id="52" name="Dodecagon 51"/>
+          <p:cNvSpPr/>
+          <p:nvPr/>
+        </p:nvSpPr>
+        <p:spPr>
+          <a:xfrm>
+            <a:off x="2604942" y="4086560"/>
+            <a:ext cx="838200" cy="762000"/>
+          </a:xfrm>
+          <a:prstGeom prst="dodecagon">
+            <a:avLst/>
+          </a:prstGeom>
+        </p:spPr>
+        <p:style>
+          <a:lnRef idx="2">
+            <a:schemeClr val="accent1">
+              <a:shade val="50000"/>
+            </a:schemeClr>
+          </a:lnRef>
+          <a:fillRef idx="1">
+            <a:schemeClr val="accent1"/>
+          </a:fillRef>
+          <a:effectRef idx="0">
+            <a:schemeClr val="accent1"/>
+          </a:effectRef>
+          <a:fontRef idx="minor">
+            <a:schemeClr val="lt1"/>
+          </a:fontRef>
+        </p:style>
+        <p:txBody>
+          <a:bodyPr rtlCol="0" anchor="ctr"/>
+          <a:lstStyle/>
+          <a:p>
+            <a:pPr algn="ctr"/>
+            <a:r>
+              <a:rPr lang="en-US" dirty="0" smtClean="0"/>
+              <a:t>1</a:t>
+            </a:r>
+            <a:endParaRPr lang="en-US" dirty="0"/>
+          </a:p>
+        </p:txBody>
+      </p:sp>
+      <p:sp>
+        <p:nvSpPr>
+          <p:cNvPr id="60" name="&quot;No&quot; Symbol 59"/>
+          <p:cNvSpPr/>
+          <p:nvPr/>
+        </p:nvSpPr>
+        <p:spPr>
+          <a:xfrm>
+            <a:off x="2826640" y="4940072"/>
+            <a:ext cx="380711" cy="345556"/>
+          </a:xfrm>
+          <a:prstGeom prst="noSmoking">
+            <a:avLst/>
+          </a:prstGeom>
+          <a:solidFill>
+            <a:srgbClr val="FF0000"/>
+          </a:solidFill>
+          <a:ln>
+            <a:solidFill>
+              <a:srgbClr val="FF0000"/>
+            </a:solidFill>
+          </a:ln>
+        </p:spPr>
+        <p:style>
+          <a:lnRef idx="2">
+            <a:schemeClr val="accent1">
+              <a:shade val="50000"/>
+            </a:schemeClr>
+          </a:lnRef>
+          <a:fillRef idx="1">
+            <a:schemeClr val="accent1"/>
+          </a:fillRef>
+          <a:effectRef idx="0">
+            <a:schemeClr val="accent1"/>
+          </a:effectRef>
+          <a:fontRef idx="minor">
+            <a:schemeClr val="lt1"/>
+          </a:fontRef>
+        </p:style>
+        <p:txBody>
+          <a:bodyPr rtlCol="0" anchor="ctr"/>
+          <a:lstStyle/>
+          <a:p>
+            <a:pPr algn="ctr"/>
+            <a:endParaRPr lang="en-US">
+              <a:solidFill>
+                <a:schemeClr val="tx1"/>
+              </a:solidFill>
+            </a:endParaRPr>
+          </a:p>
+        </p:txBody>
+      </p:sp>
+      <p:sp>
+        <p:nvSpPr>
+          <p:cNvPr id="61" name="&quot;No&quot; Symbol 60"/>
+          <p:cNvSpPr/>
+          <p:nvPr/>
+        </p:nvSpPr>
+        <p:spPr>
+          <a:xfrm>
+            <a:off x="3862825" y="4975913"/>
+            <a:ext cx="380711" cy="345556"/>
+          </a:xfrm>
+          <a:prstGeom prst="noSmoking">
+            <a:avLst/>
+          </a:prstGeom>
+          <a:solidFill>
+            <a:srgbClr val="FF0000"/>
+          </a:solidFill>
+          <a:ln>
+            <a:solidFill>
+              <a:srgbClr val="FF0000"/>
+            </a:solidFill>
+          </a:ln>
+        </p:spPr>
+        <p:style>
+          <a:lnRef idx="2">
+            <a:schemeClr val="accent1">
+              <a:shade val="50000"/>
+            </a:schemeClr>
+          </a:lnRef>
+          <a:fillRef idx="1">
+            <a:schemeClr val="accent1"/>
+          </a:fillRef>
+          <a:effectRef idx="0">
+            <a:schemeClr val="accent1"/>
+          </a:effectRef>
+          <a:fontRef idx="minor">
+            <a:schemeClr val="lt1"/>
+          </a:fontRef>
+        </p:style>
+        <p:txBody>
+          <a:bodyPr rtlCol="0" anchor="ctr"/>
+          <a:lstStyle/>
+          <a:p>
+            <a:pPr algn="ctr"/>
+            <a:endParaRPr lang="en-US">
+              <a:solidFill>
+                <a:schemeClr val="tx1"/>
+              </a:solidFill>
+            </a:endParaRPr>
+          </a:p>
+        </p:txBody>
+      </p:sp>
+      <p:sp>
+        <p:nvSpPr>
+          <p:cNvPr id="62" name="TextBox 61"/>
+          <p:cNvSpPr txBox="1"/>
+          <p:nvPr/>
+        </p:nvSpPr>
+        <p:spPr>
+          <a:xfrm>
+            <a:off x="544212" y="5002466"/>
+            <a:ext cx="1255152" cy="338554"/>
+          </a:xfrm>
+          <a:prstGeom prst="rect">
+            <a:avLst/>
+          </a:prstGeom>
+          <a:noFill/>
+        </p:spPr>
+        <p:txBody>
+          <a:bodyPr wrap="none" rtlCol="0">
+            <a:spAutoFit/>
+          </a:bodyPr>
+          <a:lstStyle/>
+          <a:p>
+            <a:r>
+              <a:rPr lang="en-US" sz="1600" b="1" dirty="0" smtClean="0">
+                <a:solidFill>
+                  <a:srgbClr val="FF0000"/>
+                </a:solidFill>
+              </a:rPr>
+              <a:t>Prune at N-1</a:t>
+            </a:r>
+            <a:endParaRPr lang="en-US" sz="1600" b="1" dirty="0">
+              <a:solidFill>
+                <a:srgbClr val="FF0000"/>
+              </a:solidFill>
+            </a:endParaRPr>
+          </a:p>
+        </p:txBody>
+      </p:sp>
+      <p:cxnSp>
+        <p:nvCxnSpPr>
+          <p:cNvPr id="66" name="Straight Arrow Connector 65"/>
+          <p:cNvCxnSpPr/>
+          <p:nvPr/>
+        </p:nvCxnSpPr>
+        <p:spPr>
+          <a:xfrm flipH="1">
+            <a:off x="3016996" y="4886138"/>
+            <a:ext cx="1" cy="600262"/>
+          </a:xfrm>
+          <a:prstGeom prst="straightConnector1">
+            <a:avLst/>
+          </a:prstGeom>
+          <a:ln w="25400">
+            <a:solidFill>
+              <a:schemeClr val="tx1"/>
+            </a:solidFill>
+            <a:tailEnd type="arrow"/>
+          </a:ln>
+        </p:spPr>
+        <p:style>
+          <a:lnRef idx="1">
+            <a:schemeClr val="accent1"/>
+          </a:lnRef>
+          <a:fillRef idx="0">
+            <a:schemeClr val="accent1"/>
+          </a:fillRef>
+          <a:effectRef idx="0">
+            <a:schemeClr val="accent1"/>
+          </a:effectRef>
+          <a:fontRef idx="minor">
+            <a:schemeClr val="tx1"/>
+          </a:fontRef>
+        </p:style>
+      </p:cxnSp>
+      <p:cxnSp>
+        <p:nvCxnSpPr>
+          <p:cNvPr id="68" name="Straight Arrow Connector 67"/>
+          <p:cNvCxnSpPr/>
+          <p:nvPr/>
+        </p:nvCxnSpPr>
+        <p:spPr>
+          <a:xfrm flipH="1">
+            <a:off x="4066885" y="4848560"/>
+            <a:ext cx="1" cy="600262"/>
+          </a:xfrm>
+          <a:prstGeom prst="straightConnector1">
+            <a:avLst/>
+          </a:prstGeom>
+          <a:ln w="25400">
+            <a:solidFill>
+              <a:schemeClr val="tx1"/>
+            </a:solidFill>
+            <a:tailEnd type="arrow"/>
+          </a:ln>
+        </p:spPr>
+        <p:style>
+          <a:lnRef idx="1">
+            <a:schemeClr val="accent1"/>
+          </a:lnRef>
+          <a:fillRef idx="0">
+            <a:schemeClr val="accent1"/>
+          </a:fillRef>
+          <a:effectRef idx="0">
+            <a:schemeClr val="accent1"/>
+          </a:effectRef>
+          <a:fontRef idx="minor">
+            <a:schemeClr val="tx1"/>
+          </a:fontRef>
+        </p:style>
+      </p:cxnSp>
+      <p:cxnSp>
+        <p:nvCxnSpPr>
+          <p:cNvPr id="71" name="Straight Arrow Connector 70"/>
+          <p:cNvCxnSpPr/>
+          <p:nvPr/>
+        </p:nvCxnSpPr>
+        <p:spPr>
+          <a:xfrm>
+            <a:off x="1781731" y="5195495"/>
+            <a:ext cx="961469" cy="0"/>
+          </a:xfrm>
+          <a:prstGeom prst="straightConnector1">
+            <a:avLst/>
+          </a:prstGeom>
+          <a:ln w="25400">
+            <a:solidFill>
+              <a:srgbClr val="FF0000"/>
+            </a:solidFill>
+            <a:tailEnd type="arrow"/>
+          </a:ln>
+        </p:spPr>
+        <p:style>
+          <a:lnRef idx="1">
+            <a:schemeClr val="accent1"/>
+          </a:lnRef>
+          <a:fillRef idx="0">
+            <a:schemeClr val="accent1"/>
+          </a:fillRef>
+          <a:effectRef idx="0">
+            <a:schemeClr val="accent1"/>
+          </a:effectRef>
+          <a:fontRef idx="minor">
+            <a:schemeClr val="tx1"/>
+          </a:fontRef>
+        </p:style>
+      </p:cxnSp>
+    </p:spTree>
+    <p:extLst>
+      <p:ext uri="{BB962C8B-B14F-4D97-AF65-F5344CB8AC3E}">
+        <p14:creationId xmlns:p14="http://schemas.microsoft.com/office/powerpoint/2010/main" val="66861506"/>
+      </p:ext>
+    </p:extLst>
+  </p:cSld>
+  <p:clrMapOvr>
+    <a:masterClrMapping/>
+  </p:clrMapOvr>
+  <p:timing>
+    <p:tnLst>
+      <p:par>
+        <p:cTn id="1" dur="indefinite" restart="never" nodeType="tmRoot"/>
+      </p:par>
+    </p:tnLst>
+  </p:timing>
+</p:sld>
+</file>
+
+<file path=ppt/slides/slide18.xml><?xml version="1.0" encoding="utf-8"?>
+<p:sld xmlns:a="http://schemas.openxmlformats.org/drawingml/2006/main" xmlns:r="http://schemas.openxmlformats.org/officeDocument/2006/relationships" xmlns:p="http://schemas.openxmlformats.org/presentationml/2006/main">
+  <p:cSld>
+    <p:spTree>
+      <p:nvGrpSpPr>
+        <p:cNvPr id="1" name=""/>
+        <p:cNvGrpSpPr/>
+        <p:nvPr/>
+      </p:nvGrpSpPr>
+      <p:grpSpPr>
+        <a:xfrm>
+          <a:off x="0" y="0"/>
+          <a:ext cx="0" cy="0"/>
+          <a:chOff x="0" y="0"/>
+          <a:chExt cx="0" cy="0"/>
+        </a:xfrm>
+      </p:grpSpPr>
+      <p:sp>
+        <p:nvSpPr>
+          <p:cNvPr id="2" name="Title 1"/>
+          <p:cNvSpPr>
+            <a:spLocks noGrp="1"/>
+          </p:cNvSpPr>
+          <p:nvPr>
+            <p:ph type="title"/>
+          </p:nvPr>
+        </p:nvSpPr>
+        <p:spPr>
+          <a:xfrm>
+            <a:off x="152400" y="274638"/>
+            <a:ext cx="8915399" cy="792162"/>
+          </a:xfrm>
+        </p:spPr>
+        <p:txBody>
+          <a:bodyPr>
+            <a:normAutofit/>
+          </a:bodyPr>
+          <a:lstStyle/>
+          <a:p>
+            <a:pPr algn="l"/>
+            <a:r>
+              <a:rPr lang="en-US" sz="4000" dirty="0" smtClean="0">
+                <a:solidFill>
+                  <a:schemeClr val="accent1">
+                    <a:lumMod val="75000"/>
+                  </a:schemeClr>
+                </a:solidFill>
+              </a:rPr>
               <a:t>Search Solution Space for Prior Solutions</a:t>
             </a:r>
             <a:endParaRPr lang="en-US" sz="4000" dirty="0">
@@ -13781,27 +15302,7 @@
                   </a:schemeClr>
                 </a:solidFill>
               </a:rPr>
-              <a:t>Solution can be pre-designed and code because </a:t>
-            </a:r>
-            <a:r>
-              <a:rPr lang="en-US" sz="2000" b="1" dirty="0" smtClean="0">
-                <a:solidFill>
-                  <a:schemeClr val="tx2">
-                    <a:lumMod val="75000"/>
-                  </a:schemeClr>
-                </a:solidFill>
-              </a:rPr>
-              <a:t>the coins  </a:t>
-            </a:r>
-            <a:r>
-              <a:rPr lang="en-US" sz="2000" b="1" dirty="0" smtClean="0">
-                <a:solidFill>
-                  <a:schemeClr val="tx2">
-                    <a:lumMod val="75000"/>
-                  </a:schemeClr>
-                </a:solidFill>
-              </a:rPr>
-              <a:t>are multiples of each other.</a:t>
+              <a:t>Solution can be pre-designed and code because the coins  are multiples of each other.</a:t>
             </a:r>
             <a:endParaRPr lang="en-US" sz="2000" b="1" dirty="0">
               <a:solidFill>

--- a/Presentations/AI Dynamic Programming.pptx
+++ b/Presentations/AI Dynamic Programming.pptx
@@ -306,7 +306,7 @@
             <a:fld id="{1D8BD707-D9CF-40AE-B4C6-C98DA3205C09}" type="datetimeFigureOut">
               <a:rPr lang="en-US" smtClean="0"/>
               <a:pPr/>
-              <a:t>6/29/2017</a:t>
+              <a:t>7/3/2017</a:t>
             </a:fld>
             <a:endParaRPr lang="en-US"/>
           </a:p>
@@ -473,7 +473,7 @@
             <a:fld id="{1D8BD707-D9CF-40AE-B4C6-C98DA3205C09}" type="datetimeFigureOut">
               <a:rPr lang="en-US" smtClean="0"/>
               <a:pPr/>
-              <a:t>6/29/2017</a:t>
+              <a:t>7/3/2017</a:t>
             </a:fld>
             <a:endParaRPr lang="en-US"/>
           </a:p>
@@ -650,7 +650,7 @@
             <a:fld id="{1D8BD707-D9CF-40AE-B4C6-C98DA3205C09}" type="datetimeFigureOut">
               <a:rPr lang="en-US" smtClean="0"/>
               <a:pPr/>
-              <a:t>6/29/2017</a:t>
+              <a:t>7/3/2017</a:t>
             </a:fld>
             <a:endParaRPr lang="en-US"/>
           </a:p>
@@ -817,7 +817,7 @@
             <a:fld id="{1D8BD707-D9CF-40AE-B4C6-C98DA3205C09}" type="datetimeFigureOut">
               <a:rPr lang="en-US" smtClean="0"/>
               <a:pPr/>
-              <a:t>6/29/2017</a:t>
+              <a:t>7/3/2017</a:t>
             </a:fld>
             <a:endParaRPr lang="en-US"/>
           </a:p>
@@ -1060,7 +1060,7 @@
             <a:fld id="{1D8BD707-D9CF-40AE-B4C6-C98DA3205C09}" type="datetimeFigureOut">
               <a:rPr lang="en-US" smtClean="0"/>
               <a:pPr/>
-              <a:t>6/29/2017</a:t>
+              <a:t>7/3/2017</a:t>
             </a:fld>
             <a:endParaRPr lang="en-US"/>
           </a:p>
@@ -1345,7 +1345,7 @@
             <a:fld id="{1D8BD707-D9CF-40AE-B4C6-C98DA3205C09}" type="datetimeFigureOut">
               <a:rPr lang="en-US" smtClean="0"/>
               <a:pPr/>
-              <a:t>6/29/2017</a:t>
+              <a:t>7/3/2017</a:t>
             </a:fld>
             <a:endParaRPr lang="en-US"/>
           </a:p>
@@ -1764,7 +1764,7 @@
             <a:fld id="{1D8BD707-D9CF-40AE-B4C6-C98DA3205C09}" type="datetimeFigureOut">
               <a:rPr lang="en-US" smtClean="0"/>
               <a:pPr/>
-              <a:t>6/29/2017</a:t>
+              <a:t>7/3/2017</a:t>
             </a:fld>
             <a:endParaRPr lang="en-US"/>
           </a:p>
@@ -1879,7 +1879,7 @@
             <a:fld id="{1D8BD707-D9CF-40AE-B4C6-C98DA3205C09}" type="datetimeFigureOut">
               <a:rPr lang="en-US" smtClean="0"/>
               <a:pPr/>
-              <a:t>6/29/2017</a:t>
+              <a:t>7/3/2017</a:t>
             </a:fld>
             <a:endParaRPr lang="en-US"/>
           </a:p>
@@ -1971,7 +1971,7 @@
             <a:fld id="{1D8BD707-D9CF-40AE-B4C6-C98DA3205C09}" type="datetimeFigureOut">
               <a:rPr lang="en-US" smtClean="0"/>
               <a:pPr/>
-              <a:t>6/29/2017</a:t>
+              <a:t>7/3/2017</a:t>
             </a:fld>
             <a:endParaRPr lang="en-US"/>
           </a:p>
@@ -2245,7 +2245,7 @@
             <a:fld id="{1D8BD707-D9CF-40AE-B4C6-C98DA3205C09}" type="datetimeFigureOut">
               <a:rPr lang="en-US" smtClean="0"/>
               <a:pPr/>
-              <a:t>6/29/2017</a:t>
+              <a:t>7/3/2017</a:t>
             </a:fld>
             <a:endParaRPr lang="en-US"/>
           </a:p>
@@ -2495,7 +2495,7 @@
             <a:fld id="{1D8BD707-D9CF-40AE-B4C6-C98DA3205C09}" type="datetimeFigureOut">
               <a:rPr lang="en-US" smtClean="0"/>
               <a:pPr/>
-              <a:t>6/29/2017</a:t>
+              <a:t>7/3/2017</a:t>
             </a:fld>
             <a:endParaRPr lang="en-US"/>
           </a:p>
@@ -2705,7 +2705,7 @@
             <a:fld id="{1D8BD707-D9CF-40AE-B4C6-C98DA3205C09}" type="datetimeFigureOut">
               <a:rPr lang="en-US" smtClean="0"/>
               <a:pPr/>
-              <a:t>6/29/2017</a:t>
+              <a:t>7/3/2017</a:t>
             </a:fld>
             <a:endParaRPr lang="en-US"/>
           </a:p>
@@ -3138,6 +3138,38 @@
                   </a:schemeClr>
                 </a:solidFill>
               </a:rPr>
+              <a:t>Portland </a:t>
+            </a:r>
+            <a:r>
+              <a:rPr lang="en-US" sz="2400" dirty="0" smtClean="0">
+                <a:solidFill>
+                  <a:schemeClr val="accent1">
+                    <a:lumMod val="75000"/>
+                  </a:schemeClr>
+                </a:solidFill>
+              </a:rPr>
+              <a:t>Data Science </a:t>
+            </a:r>
+            <a:r>
+              <a:rPr lang="en-US" sz="2400" dirty="0" smtClean="0">
+                <a:solidFill>
+                  <a:schemeClr val="accent1">
+                    <a:lumMod val="75000"/>
+                  </a:schemeClr>
+                </a:solidFill>
+              </a:rPr>
+              <a:t>Group</a:t>
+            </a:r>
+          </a:p>
+          <a:p>
+            <a:r>
+              <a:rPr lang="en-US" sz="2400" dirty="0">
+                <a:solidFill>
+                  <a:schemeClr val="accent1">
+                    <a:lumMod val="75000"/>
+                  </a:schemeClr>
+                </a:solidFill>
+              </a:rPr>
               <a:t>Andrew </a:t>
             </a:r>
             <a:r>
@@ -3150,15 +3182,6 @@
               </a:rPr>
               <a:t>Ferlitsch</a:t>
             </a:r>
-            <a:endParaRPr lang="en-US" sz="2400" dirty="0" smtClean="0">
-              <a:solidFill>
-                <a:schemeClr val="accent1">
-                  <a:lumMod val="75000"/>
-                </a:schemeClr>
-              </a:solidFill>
-            </a:endParaRPr>
-          </a:p>
-          <a:p>
             <a:r>
               <a:rPr lang="en-US" sz="2400" dirty="0" smtClean="0">
                 <a:solidFill>
@@ -3167,7 +3190,7 @@
                   </a:schemeClr>
                 </a:solidFill>
               </a:rPr>
-              <a:t>Portland Data Science Group, </a:t>
+              <a:t/>
             </a:r>
             <a:br>
               <a:rPr lang="en-US" sz="2400" dirty="0" smtClean="0">
@@ -3186,32 +3209,157 @@
                   </a:schemeClr>
                 </a:solidFill>
               </a:rPr>
-              <a:t>Community </a:t>
-            </a:r>
-            <a:r>
-              <a:rPr lang="en-US" sz="2400" smtClean="0">
+              <a:t>Community Outreach </a:t>
+            </a:r>
+            <a:r>
+              <a:rPr lang="en-US" sz="2400" dirty="0" smtClean="0">
                 <a:solidFill>
                   <a:schemeClr val="accent1">
                     <a:lumMod val="75000"/>
                   </a:schemeClr>
                 </a:solidFill>
               </a:rPr>
-              <a:t>Outreach </a:t>
-            </a:r>
-          </a:p>
-          <a:p>
-            <a:r>
-              <a:rPr lang="en-US" sz="1800" smtClean="0"/>
-              <a:t>June</a:t>
-            </a:r>
+              <a:t>Officer</a:t>
+            </a:r>
+            <a:endParaRPr lang="en-US" sz="2400" dirty="0" smtClean="0">
+              <a:solidFill>
+                <a:schemeClr val="accent1">
+                  <a:lumMod val="75000"/>
+                </a:schemeClr>
+              </a:solidFill>
+            </a:endParaRPr>
+          </a:p>
+          <a:p>
             <a:r>
               <a:rPr lang="en-US" sz="1800" dirty="0" smtClean="0"/>
-              <a:t>, 2017</a:t>
+              <a:t>June, 2017</a:t>
             </a:r>
             <a:endParaRPr lang="en-US" sz="1800" dirty="0"/>
           </a:p>
         </p:txBody>
       </p:sp>
+      <p:sp>
+        <p:nvSpPr>
+          <p:cNvPr id="5" name="Rectangle 4"/>
+          <p:cNvSpPr/>
+          <p:nvPr/>
+        </p:nvSpPr>
+        <p:spPr>
+          <a:xfrm>
+            <a:off x="7543800" y="5934075"/>
+            <a:ext cx="1447800" cy="762000"/>
+          </a:xfrm>
+          <a:prstGeom prst="rect">
+            <a:avLst/>
+          </a:prstGeom>
+        </p:spPr>
+        <p:style>
+          <a:lnRef idx="2">
+            <a:schemeClr val="accent1">
+              <a:shade val="50000"/>
+            </a:schemeClr>
+          </a:lnRef>
+          <a:fillRef idx="1">
+            <a:schemeClr val="accent1"/>
+          </a:fillRef>
+          <a:effectRef idx="0">
+            <a:schemeClr val="accent1"/>
+          </a:effectRef>
+          <a:fontRef idx="minor">
+            <a:schemeClr val="lt1"/>
+          </a:fontRef>
+        </p:style>
+        <p:txBody>
+          <a:bodyPr rtlCol="0" anchor="ctr"/>
+          <a:lstStyle/>
+          <a:p>
+            <a:pPr algn="ctr"/>
+            <a:endParaRPr lang="en-US"/>
+          </a:p>
+        </p:txBody>
+      </p:sp>
+      <p:pic>
+        <p:nvPicPr>
+          <p:cNvPr id="6" name="Picture 3" descr="C:\Users\Andrew\Desktop\cc_icon_white_x2.png"/>
+          <p:cNvPicPr>
+            <a:picLocks noChangeAspect="1" noChangeArrowheads="1"/>
+          </p:cNvPicPr>
+          <p:nvPr/>
+        </p:nvPicPr>
+        <p:blipFill>
+          <a:blip r:embed="rId2">
+            <a:extLst>
+              <a:ext uri="{28A0092B-C50C-407E-A947-70E740481C1C}">
+                <a14:useLocalDpi xmlns:a14="http://schemas.microsoft.com/office/drawing/2010/main" val="0"/>
+              </a:ext>
+            </a:extLst>
+          </a:blip>
+          <a:srcRect/>
+          <a:stretch>
+            <a:fillRect/>
+          </a:stretch>
+        </p:blipFill>
+        <p:spPr bwMode="auto">
+          <a:xfrm>
+            <a:off x="7607300" y="6010275"/>
+            <a:ext cx="609600" cy="609600"/>
+          </a:xfrm>
+          <a:prstGeom prst="rect">
+            <a:avLst/>
+          </a:prstGeom>
+          <a:noFill/>
+          <a:extLst>
+            <a:ext uri="{909E8E84-426E-40DD-AFC4-6F175D3DCCD1}">
+              <a14:hiddenFill xmlns:a14="http://schemas.microsoft.com/office/drawing/2010/main">
+                <a:solidFill>
+                  <a:srgbClr val="FFFFFF"/>
+                </a:solidFill>
+              </a14:hiddenFill>
+            </a:ext>
+          </a:extLst>
+        </p:spPr>
+      </p:pic>
+      <p:pic>
+        <p:nvPicPr>
+          <p:cNvPr id="7" name="Picture 4" descr="C:\Users\Andrew\Desktop\attribution_icon_white_x2.png"/>
+          <p:cNvPicPr>
+            <a:picLocks noChangeAspect="1" noChangeArrowheads="1"/>
+          </p:cNvPicPr>
+          <p:nvPr/>
+        </p:nvPicPr>
+        <p:blipFill>
+          <a:blip r:embed="rId3">
+            <a:extLst>
+              <a:ext uri="{28A0092B-C50C-407E-A947-70E740481C1C}">
+                <a14:useLocalDpi xmlns:a14="http://schemas.microsoft.com/office/drawing/2010/main" val="0"/>
+              </a:ext>
+            </a:extLst>
+          </a:blip>
+          <a:srcRect/>
+          <a:stretch>
+            <a:fillRect/>
+          </a:stretch>
+        </p:blipFill>
+        <p:spPr bwMode="auto">
+          <a:xfrm>
+            <a:off x="8296275" y="6022975"/>
+            <a:ext cx="596900" cy="596900"/>
+          </a:xfrm>
+          <a:prstGeom prst="rect">
+            <a:avLst/>
+          </a:prstGeom>
+          <a:noFill/>
+          <a:extLst>
+            <a:ext uri="{909E8E84-426E-40DD-AFC4-6F175D3DCCD1}">
+              <a14:hiddenFill xmlns:a14="http://schemas.microsoft.com/office/drawing/2010/main">
+                <a:solidFill>
+                  <a:srgbClr val="FFFFFF"/>
+                </a:solidFill>
+              </a14:hiddenFill>
+            </a:ext>
+          </a:extLst>
+        </p:spPr>
+      </p:pic>
     </p:spTree>
     <p:extLst>
       <p:ext uri="{BB962C8B-B14F-4D97-AF65-F5344CB8AC3E}">
@@ -10576,17 +10724,7 @@
                   </a:schemeClr>
                 </a:solidFill>
               </a:rPr>
-              <a:t>Advanced </a:t>
-            </a:r>
-            <a:r>
-              <a:rPr lang="en-US" sz="4000" dirty="0" smtClean="0">
-                <a:solidFill>
-                  <a:schemeClr val="accent1">
-                    <a:lumMod val="75000"/>
-                  </a:schemeClr>
-                </a:solidFill>
-              </a:rPr>
-              <a:t>– </a:t>
+              <a:t>Advanced – </a:t>
             </a:r>
             <a:r>
               <a:rPr lang="en-US" sz="4000" smtClean="0">
@@ -11183,11 +11321,7 @@
           <a:p>
             <a:r>
               <a:rPr lang="en-US" sz="1600" dirty="0" smtClean="0"/>
-              <a:t>Solve for </a:t>
-            </a:r>
-            <a:r>
-              <a:rPr lang="en-US" sz="1600" dirty="0" smtClean="0"/>
-              <a:t>$.15</a:t>
+              <a:t>Solve for $.15</a:t>
             </a:r>
             <a:endParaRPr lang="en-US" sz="1600" dirty="0"/>
           </a:p>
@@ -11670,11 +11804,7 @@
           <a:p>
             <a:r>
               <a:rPr lang="en-US" sz="1600" dirty="0" smtClean="0"/>
-              <a:t>Solve for </a:t>
-            </a:r>
-            <a:r>
-              <a:rPr lang="en-US" sz="1600" dirty="0" smtClean="0"/>
-              <a:t>$.18</a:t>
+              <a:t>Solve for $.18</a:t>
             </a:r>
             <a:endParaRPr lang="en-US" sz="1600" dirty="0"/>
           </a:p>

--- a/Presentations/AI Dynamic Programming.pptx
+++ b/Presentations/AI Dynamic Programming.pptx
@@ -306,7 +306,7 @@
             <a:fld id="{1D8BD707-D9CF-40AE-B4C6-C98DA3205C09}" type="datetimeFigureOut">
               <a:rPr lang="en-US" smtClean="0"/>
               <a:pPr/>
-              <a:t>7/3/2017</a:t>
+              <a:t>7/4/2017</a:t>
             </a:fld>
             <a:endParaRPr lang="en-US"/>
           </a:p>
@@ -473,7 +473,7 @@
             <a:fld id="{1D8BD707-D9CF-40AE-B4C6-C98DA3205C09}" type="datetimeFigureOut">
               <a:rPr lang="en-US" smtClean="0"/>
               <a:pPr/>
-              <a:t>7/3/2017</a:t>
+              <a:t>7/4/2017</a:t>
             </a:fld>
             <a:endParaRPr lang="en-US"/>
           </a:p>
@@ -650,7 +650,7 @@
             <a:fld id="{1D8BD707-D9CF-40AE-B4C6-C98DA3205C09}" type="datetimeFigureOut">
               <a:rPr lang="en-US" smtClean="0"/>
               <a:pPr/>
-              <a:t>7/3/2017</a:t>
+              <a:t>7/4/2017</a:t>
             </a:fld>
             <a:endParaRPr lang="en-US"/>
           </a:p>
@@ -817,7 +817,7 @@
             <a:fld id="{1D8BD707-D9CF-40AE-B4C6-C98DA3205C09}" type="datetimeFigureOut">
               <a:rPr lang="en-US" smtClean="0"/>
               <a:pPr/>
-              <a:t>7/3/2017</a:t>
+              <a:t>7/4/2017</a:t>
             </a:fld>
             <a:endParaRPr lang="en-US"/>
           </a:p>
@@ -1060,7 +1060,7 @@
             <a:fld id="{1D8BD707-D9CF-40AE-B4C6-C98DA3205C09}" type="datetimeFigureOut">
               <a:rPr lang="en-US" smtClean="0"/>
               <a:pPr/>
-              <a:t>7/3/2017</a:t>
+              <a:t>7/4/2017</a:t>
             </a:fld>
             <a:endParaRPr lang="en-US"/>
           </a:p>
@@ -1345,7 +1345,7 @@
             <a:fld id="{1D8BD707-D9CF-40AE-B4C6-C98DA3205C09}" type="datetimeFigureOut">
               <a:rPr lang="en-US" smtClean="0"/>
               <a:pPr/>
-              <a:t>7/3/2017</a:t>
+              <a:t>7/4/2017</a:t>
             </a:fld>
             <a:endParaRPr lang="en-US"/>
           </a:p>
@@ -1764,7 +1764,7 @@
             <a:fld id="{1D8BD707-D9CF-40AE-B4C6-C98DA3205C09}" type="datetimeFigureOut">
               <a:rPr lang="en-US" smtClean="0"/>
               <a:pPr/>
-              <a:t>7/3/2017</a:t>
+              <a:t>7/4/2017</a:t>
             </a:fld>
             <a:endParaRPr lang="en-US"/>
           </a:p>
@@ -1879,7 +1879,7 @@
             <a:fld id="{1D8BD707-D9CF-40AE-B4C6-C98DA3205C09}" type="datetimeFigureOut">
               <a:rPr lang="en-US" smtClean="0"/>
               <a:pPr/>
-              <a:t>7/3/2017</a:t>
+              <a:t>7/4/2017</a:t>
             </a:fld>
             <a:endParaRPr lang="en-US"/>
           </a:p>
@@ -1971,7 +1971,7 @@
             <a:fld id="{1D8BD707-D9CF-40AE-B4C6-C98DA3205C09}" type="datetimeFigureOut">
               <a:rPr lang="en-US" smtClean="0"/>
               <a:pPr/>
-              <a:t>7/3/2017</a:t>
+              <a:t>7/4/2017</a:t>
             </a:fld>
             <a:endParaRPr lang="en-US"/>
           </a:p>
@@ -2245,7 +2245,7 @@
             <a:fld id="{1D8BD707-D9CF-40AE-B4C6-C98DA3205C09}" type="datetimeFigureOut">
               <a:rPr lang="en-US" smtClean="0"/>
               <a:pPr/>
-              <a:t>7/3/2017</a:t>
+              <a:t>7/4/2017</a:t>
             </a:fld>
             <a:endParaRPr lang="en-US"/>
           </a:p>
@@ -2495,7 +2495,7 @@
             <a:fld id="{1D8BD707-D9CF-40AE-B4C6-C98DA3205C09}" type="datetimeFigureOut">
               <a:rPr lang="en-US" smtClean="0"/>
               <a:pPr/>
-              <a:t>7/3/2017</a:t>
+              <a:t>7/4/2017</a:t>
             </a:fld>
             <a:endParaRPr lang="en-US"/>
           </a:p>
@@ -2705,7 +2705,7 @@
             <a:fld id="{1D8BD707-D9CF-40AE-B4C6-C98DA3205C09}" type="datetimeFigureOut">
               <a:rPr lang="en-US" smtClean="0"/>
               <a:pPr/>
-              <a:t>7/3/2017</a:t>
+              <a:t>7/4/2017</a:t>
             </a:fld>
             <a:endParaRPr lang="en-US"/>
           </a:p>
@@ -3138,39 +3138,19 @@
                   </a:schemeClr>
                 </a:solidFill>
               </a:rPr>
-              <a:t>Portland </a:t>
-            </a:r>
-            <a:r>
-              <a:rPr lang="en-US" sz="2400" dirty="0" smtClean="0">
+              <a:t>Portland Data Science Group</a:t>
+            </a:r>
+          </a:p>
+          <a:p>
+            <a:r>
+              <a:rPr lang="en-US" sz="2400" smtClean="0">
                 <a:solidFill>
                   <a:schemeClr val="accent1">
                     <a:lumMod val="75000"/>
                   </a:schemeClr>
                 </a:solidFill>
               </a:rPr>
-              <a:t>Data Science </a:t>
-            </a:r>
-            <a:r>
-              <a:rPr lang="en-US" sz="2400" dirty="0" smtClean="0">
-                <a:solidFill>
-                  <a:schemeClr val="accent1">
-                    <a:lumMod val="75000"/>
-                  </a:schemeClr>
-                </a:solidFill>
-              </a:rPr>
-              <a:t>Group</a:t>
-            </a:r>
-          </a:p>
-          <a:p>
-            <a:r>
-              <a:rPr lang="en-US" sz="2400" dirty="0">
-                <a:solidFill>
-                  <a:schemeClr val="accent1">
-                    <a:lumMod val="75000"/>
-                  </a:schemeClr>
-                </a:solidFill>
-              </a:rPr>
-              <a:t>Andrew </a:t>
+              <a:t>Created by Andrew </a:t>
             </a:r>
             <a:r>
               <a:rPr lang="en-US" sz="2400" dirty="0" err="1" smtClean="0">
@@ -3209,25 +3189,8 @@
                   </a:schemeClr>
                 </a:solidFill>
               </a:rPr>
-              <a:t>Community Outreach </a:t>
-            </a:r>
-            <a:r>
-              <a:rPr lang="en-US" sz="2400" dirty="0" smtClean="0">
-                <a:solidFill>
-                  <a:schemeClr val="accent1">
-                    <a:lumMod val="75000"/>
-                  </a:schemeClr>
-                </a:solidFill>
-              </a:rPr>
-              <a:t>Officer</a:t>
-            </a:r>
-            <a:endParaRPr lang="en-US" sz="2400" dirty="0" smtClean="0">
-              <a:solidFill>
-                <a:schemeClr val="accent1">
-                  <a:lumMod val="75000"/>
-                </a:schemeClr>
-              </a:solidFill>
-            </a:endParaRPr>
+              <a:t>Community Outreach Officer</a:t>
+            </a:r>
           </a:p>
           <a:p>
             <a:r>

--- a/Presentations/AI Dynamic Programming.pptx
+++ b/Presentations/AI Dynamic Programming.pptx
@@ -306,7 +306,7 @@
             <a:fld id="{1D8BD707-D9CF-40AE-B4C6-C98DA3205C09}" type="datetimeFigureOut">
               <a:rPr lang="en-US" smtClean="0"/>
               <a:pPr/>
-              <a:t>7/4/2017</a:t>
+              <a:t>7/24/2017</a:t>
             </a:fld>
             <a:endParaRPr lang="en-US"/>
           </a:p>
@@ -473,7 +473,7 @@
             <a:fld id="{1D8BD707-D9CF-40AE-B4C6-C98DA3205C09}" type="datetimeFigureOut">
               <a:rPr lang="en-US" smtClean="0"/>
               <a:pPr/>
-              <a:t>7/4/2017</a:t>
+              <a:t>7/24/2017</a:t>
             </a:fld>
             <a:endParaRPr lang="en-US"/>
           </a:p>
@@ -650,7 +650,7 @@
             <a:fld id="{1D8BD707-D9CF-40AE-B4C6-C98DA3205C09}" type="datetimeFigureOut">
               <a:rPr lang="en-US" smtClean="0"/>
               <a:pPr/>
-              <a:t>7/4/2017</a:t>
+              <a:t>7/24/2017</a:t>
             </a:fld>
             <a:endParaRPr lang="en-US"/>
           </a:p>
@@ -817,7 +817,7 @@
             <a:fld id="{1D8BD707-D9CF-40AE-B4C6-C98DA3205C09}" type="datetimeFigureOut">
               <a:rPr lang="en-US" smtClean="0"/>
               <a:pPr/>
-              <a:t>7/4/2017</a:t>
+              <a:t>7/24/2017</a:t>
             </a:fld>
             <a:endParaRPr lang="en-US"/>
           </a:p>
@@ -1060,7 +1060,7 @@
             <a:fld id="{1D8BD707-D9CF-40AE-B4C6-C98DA3205C09}" type="datetimeFigureOut">
               <a:rPr lang="en-US" smtClean="0"/>
               <a:pPr/>
-              <a:t>7/4/2017</a:t>
+              <a:t>7/24/2017</a:t>
             </a:fld>
             <a:endParaRPr lang="en-US"/>
           </a:p>
@@ -1345,7 +1345,7 @@
             <a:fld id="{1D8BD707-D9CF-40AE-B4C6-C98DA3205C09}" type="datetimeFigureOut">
               <a:rPr lang="en-US" smtClean="0"/>
               <a:pPr/>
-              <a:t>7/4/2017</a:t>
+              <a:t>7/24/2017</a:t>
             </a:fld>
             <a:endParaRPr lang="en-US"/>
           </a:p>
@@ -1764,7 +1764,7 @@
             <a:fld id="{1D8BD707-D9CF-40AE-B4C6-C98DA3205C09}" type="datetimeFigureOut">
               <a:rPr lang="en-US" smtClean="0"/>
               <a:pPr/>
-              <a:t>7/4/2017</a:t>
+              <a:t>7/24/2017</a:t>
             </a:fld>
             <a:endParaRPr lang="en-US"/>
           </a:p>
@@ -1879,7 +1879,7 @@
             <a:fld id="{1D8BD707-D9CF-40AE-B4C6-C98DA3205C09}" type="datetimeFigureOut">
               <a:rPr lang="en-US" smtClean="0"/>
               <a:pPr/>
-              <a:t>7/4/2017</a:t>
+              <a:t>7/24/2017</a:t>
             </a:fld>
             <a:endParaRPr lang="en-US"/>
           </a:p>
@@ -1971,7 +1971,7 @@
             <a:fld id="{1D8BD707-D9CF-40AE-B4C6-C98DA3205C09}" type="datetimeFigureOut">
               <a:rPr lang="en-US" smtClean="0"/>
               <a:pPr/>
-              <a:t>7/4/2017</a:t>
+              <a:t>7/24/2017</a:t>
             </a:fld>
             <a:endParaRPr lang="en-US"/>
           </a:p>
@@ -2245,7 +2245,7 @@
             <a:fld id="{1D8BD707-D9CF-40AE-B4C6-C98DA3205C09}" type="datetimeFigureOut">
               <a:rPr lang="en-US" smtClean="0"/>
               <a:pPr/>
-              <a:t>7/4/2017</a:t>
+              <a:t>7/24/2017</a:t>
             </a:fld>
             <a:endParaRPr lang="en-US"/>
           </a:p>
@@ -2495,7 +2495,7 @@
             <a:fld id="{1D8BD707-D9CF-40AE-B4C6-C98DA3205C09}" type="datetimeFigureOut">
               <a:rPr lang="en-US" smtClean="0"/>
               <a:pPr/>
-              <a:t>7/4/2017</a:t>
+              <a:t>7/24/2017</a:t>
             </a:fld>
             <a:endParaRPr lang="en-US"/>
           </a:p>
@@ -2705,7 +2705,7 @@
             <a:fld id="{1D8BD707-D9CF-40AE-B4C6-C98DA3205C09}" type="datetimeFigureOut">
               <a:rPr lang="en-US" smtClean="0"/>
               <a:pPr/>
-              <a:t>7/4/2017</a:t>
+              <a:t>7/24/2017</a:t>
             </a:fld>
             <a:endParaRPr lang="en-US"/>
           </a:p>
@@ -12495,8 +12495,25 @@
                   </a:schemeClr>
                 </a:solidFill>
               </a:rPr>
-              <a:t>Reuse Stored Solutions</a:t>
-            </a:r>
+              <a:t>Reuse Stored </a:t>
+            </a:r>
+            <a:r>
+              <a:rPr lang="en-US" sz="2800" b="1" dirty="0" smtClean="0">
+                <a:solidFill>
+                  <a:schemeClr val="tx2">
+                    <a:lumMod val="75000"/>
+                  </a:schemeClr>
+                </a:solidFill>
+              </a:rPr>
+              <a:t>Solutions.</a:t>
+            </a:r>
+            <a:endParaRPr lang="en-US" sz="2800" b="1" dirty="0" smtClean="0">
+              <a:solidFill>
+                <a:schemeClr val="tx2">
+                  <a:lumMod val="75000"/>
+                </a:schemeClr>
+              </a:solidFill>
+            </a:endParaRPr>
           </a:p>
         </p:txBody>
       </p:sp>
@@ -13178,7 +13195,11 @@
           <a:p>
             <a:r>
               <a:rPr lang="en-US" sz="1400" dirty="0" smtClean="0"/>
-              <a:t>Sub-problems X, Y</a:t>
+              <a:t>sub-problems </a:t>
+            </a:r>
+            <a:r>
+              <a:rPr lang="en-US" sz="1400" dirty="0" smtClean="0"/>
+              <a:t>X, Y</a:t>
             </a:r>
           </a:p>
           <a:p>
@@ -14433,8 +14454,12 @@
           </a:p>
           <a:p>
             <a:r>
+              <a:rPr lang="en-US" dirty="0"/>
+              <a:t>p</a:t>
+            </a:r>
+            <a:r>
               <a:rPr lang="en-US" dirty="0" smtClean="0"/>
-              <a:t>Pre-designed and coded, and stored</a:t>
+              <a:t>re-designed and coded, and stored</a:t>
             </a:r>
           </a:p>
           <a:p>
@@ -14444,7 +14469,11 @@
             </a:r>
             <a:r>
               <a:rPr lang="en-US" dirty="0" smtClean="0"/>
-              <a:t>s re-usable functions (components)</a:t>
+              <a:t>s re-usable functions (components</a:t>
+            </a:r>
+            <a:r>
+              <a:rPr lang="en-US" dirty="0" smtClean="0"/>
+              <a:t>).</a:t>
             </a:r>
             <a:endParaRPr lang="en-US" dirty="0"/>
           </a:p>
@@ -14622,7 +14651,7 @@
         <p:spPr>
           <a:xfrm>
             <a:off x="5800476" y="5200829"/>
-            <a:ext cx="2921377" cy="369332"/>
+            <a:ext cx="2979085" cy="369332"/>
           </a:xfrm>
           <a:prstGeom prst="rect">
             <a:avLst/>
@@ -14637,7 +14666,11 @@
           <a:p>
             <a:r>
               <a:rPr lang="en-US" dirty="0" smtClean="0"/>
-              <a:t>Pre-designed solution reused</a:t>
+              <a:t>Pre-designed solution </a:t>
+            </a:r>
+            <a:r>
+              <a:rPr lang="en-US" dirty="0" smtClean="0"/>
+              <a:t>reused.</a:t>
             </a:r>
             <a:endParaRPr lang="en-US" dirty="0"/>
           </a:p>

--- a/Presentations/AI Dynamic Programming.pptx
+++ b/Presentations/AI Dynamic Programming.pptx
@@ -306,7 +306,7 @@
             <a:fld id="{1D8BD707-D9CF-40AE-B4C6-C98DA3205C09}" type="datetimeFigureOut">
               <a:rPr lang="en-US" smtClean="0"/>
               <a:pPr/>
-              <a:t>7/24/2017</a:t>
+              <a:t>11/11/2017</a:t>
             </a:fld>
             <a:endParaRPr lang="en-US"/>
           </a:p>
@@ -473,7 +473,7 @@
             <a:fld id="{1D8BD707-D9CF-40AE-B4C6-C98DA3205C09}" type="datetimeFigureOut">
               <a:rPr lang="en-US" smtClean="0"/>
               <a:pPr/>
-              <a:t>7/24/2017</a:t>
+              <a:t>11/11/2017</a:t>
             </a:fld>
             <a:endParaRPr lang="en-US"/>
           </a:p>
@@ -650,7 +650,7 @@
             <a:fld id="{1D8BD707-D9CF-40AE-B4C6-C98DA3205C09}" type="datetimeFigureOut">
               <a:rPr lang="en-US" smtClean="0"/>
               <a:pPr/>
-              <a:t>7/24/2017</a:t>
+              <a:t>11/11/2017</a:t>
             </a:fld>
             <a:endParaRPr lang="en-US"/>
           </a:p>
@@ -817,7 +817,7 @@
             <a:fld id="{1D8BD707-D9CF-40AE-B4C6-C98DA3205C09}" type="datetimeFigureOut">
               <a:rPr lang="en-US" smtClean="0"/>
               <a:pPr/>
-              <a:t>7/24/2017</a:t>
+              <a:t>11/11/2017</a:t>
             </a:fld>
             <a:endParaRPr lang="en-US"/>
           </a:p>
@@ -1060,7 +1060,7 @@
             <a:fld id="{1D8BD707-D9CF-40AE-B4C6-C98DA3205C09}" type="datetimeFigureOut">
               <a:rPr lang="en-US" smtClean="0"/>
               <a:pPr/>
-              <a:t>7/24/2017</a:t>
+              <a:t>11/11/2017</a:t>
             </a:fld>
             <a:endParaRPr lang="en-US"/>
           </a:p>
@@ -1345,7 +1345,7 @@
             <a:fld id="{1D8BD707-D9CF-40AE-B4C6-C98DA3205C09}" type="datetimeFigureOut">
               <a:rPr lang="en-US" smtClean="0"/>
               <a:pPr/>
-              <a:t>7/24/2017</a:t>
+              <a:t>11/11/2017</a:t>
             </a:fld>
             <a:endParaRPr lang="en-US"/>
           </a:p>
@@ -1764,7 +1764,7 @@
             <a:fld id="{1D8BD707-D9CF-40AE-B4C6-C98DA3205C09}" type="datetimeFigureOut">
               <a:rPr lang="en-US" smtClean="0"/>
               <a:pPr/>
-              <a:t>7/24/2017</a:t>
+              <a:t>11/11/2017</a:t>
             </a:fld>
             <a:endParaRPr lang="en-US"/>
           </a:p>
@@ -1879,7 +1879,7 @@
             <a:fld id="{1D8BD707-D9CF-40AE-B4C6-C98DA3205C09}" type="datetimeFigureOut">
               <a:rPr lang="en-US" smtClean="0"/>
               <a:pPr/>
-              <a:t>7/24/2017</a:t>
+              <a:t>11/11/2017</a:t>
             </a:fld>
             <a:endParaRPr lang="en-US"/>
           </a:p>
@@ -1971,7 +1971,7 @@
             <a:fld id="{1D8BD707-D9CF-40AE-B4C6-C98DA3205C09}" type="datetimeFigureOut">
               <a:rPr lang="en-US" smtClean="0"/>
               <a:pPr/>
-              <a:t>7/24/2017</a:t>
+              <a:t>11/11/2017</a:t>
             </a:fld>
             <a:endParaRPr lang="en-US"/>
           </a:p>
@@ -2245,7 +2245,7 @@
             <a:fld id="{1D8BD707-D9CF-40AE-B4C6-C98DA3205C09}" type="datetimeFigureOut">
               <a:rPr lang="en-US" smtClean="0"/>
               <a:pPr/>
-              <a:t>7/24/2017</a:t>
+              <a:t>11/11/2017</a:t>
             </a:fld>
             <a:endParaRPr lang="en-US"/>
           </a:p>
@@ -2495,7 +2495,7 @@
             <a:fld id="{1D8BD707-D9CF-40AE-B4C6-C98DA3205C09}" type="datetimeFigureOut">
               <a:rPr lang="en-US" smtClean="0"/>
               <a:pPr/>
-              <a:t>7/24/2017</a:t>
+              <a:t>11/11/2017</a:t>
             </a:fld>
             <a:endParaRPr lang="en-US"/>
           </a:p>
@@ -2705,7 +2705,7 @@
             <a:fld id="{1D8BD707-D9CF-40AE-B4C6-C98DA3205C09}" type="datetimeFigureOut">
               <a:rPr lang="en-US" smtClean="0"/>
               <a:pPr/>
-              <a:t>7/24/2017</a:t>
+              <a:t>11/11/2017</a:t>
             </a:fld>
             <a:endParaRPr lang="en-US"/>
           </a:p>
@@ -3099,8 +3099,19 @@
           <a:lstStyle/>
           <a:p>
             <a:r>
+              <a:rPr lang="en-US" smtClean="0"/>
+              <a:t>Artificial Intelligence</a:t>
+            </a:r>
+            <a:br>
+              <a:rPr lang="en-US" smtClean="0"/>
+            </a:br>
+            <a:r>
+              <a:rPr lang="en-US" smtClean="0"/>
+              <a:t>Introduction </a:t>
+            </a:r>
+            <a:r>
               <a:rPr lang="en-US" dirty="0" smtClean="0"/>
-              <a:t>Introduction to Dynamic Programming</a:t>
+              <a:t>to Dynamic Programming</a:t>
             </a:r>
             <a:r>
               <a:rPr lang="en-US" dirty="0"/>
@@ -3138,12 +3149,19 @@
                   </a:schemeClr>
                 </a:solidFill>
               </a:rPr>
-              <a:t>Portland Data Science Group</a:t>
-            </a:r>
-          </a:p>
-          <a:p>
-            <a:r>
-              <a:rPr lang="en-US" sz="2400" smtClean="0">
+              <a:t>Artificial Intelligence Training</a:t>
+            </a:r>
+            <a:endParaRPr lang="en-US" sz="2400" dirty="0" smtClean="0">
+              <a:solidFill>
+                <a:schemeClr val="accent1">
+                  <a:lumMod val="75000"/>
+                </a:schemeClr>
+              </a:solidFill>
+            </a:endParaRPr>
+          </a:p>
+          <a:p>
+            <a:r>
+              <a:rPr lang="en-US" sz="2400" dirty="0" smtClean="0">
                 <a:solidFill>
                   <a:schemeClr val="accent1">
                     <a:lumMod val="75000"/>
@@ -3189,8 +3207,15 @@
                   </a:schemeClr>
                 </a:solidFill>
               </a:rPr>
-              <a:t>Community Outreach Officer</a:t>
-            </a:r>
+              <a:t>Instructor</a:t>
+            </a:r>
+            <a:endParaRPr lang="en-US" sz="2400" dirty="0" smtClean="0">
+              <a:solidFill>
+                <a:schemeClr val="accent1">
+                  <a:lumMod val="75000"/>
+                </a:schemeClr>
+              </a:solidFill>
+            </a:endParaRPr>
           </a:p>
           <a:p>
             <a:r>
@@ -12495,25 +12520,8 @@
                   </a:schemeClr>
                 </a:solidFill>
               </a:rPr>
-              <a:t>Reuse Stored </a:t>
-            </a:r>
-            <a:r>
-              <a:rPr lang="en-US" sz="2800" b="1" dirty="0" smtClean="0">
-                <a:solidFill>
-                  <a:schemeClr val="tx2">
-                    <a:lumMod val="75000"/>
-                  </a:schemeClr>
-                </a:solidFill>
-              </a:rPr>
-              <a:t>Solutions.</a:t>
-            </a:r>
-            <a:endParaRPr lang="en-US" sz="2800" b="1" dirty="0" smtClean="0">
-              <a:solidFill>
-                <a:schemeClr val="tx2">
-                  <a:lumMod val="75000"/>
-                </a:schemeClr>
-              </a:solidFill>
-            </a:endParaRPr>
+              <a:t>Reuse Stored Solutions.</a:t>
+            </a:r>
           </a:p>
         </p:txBody>
       </p:sp>
@@ -13195,11 +13203,7 @@
           <a:p>
             <a:r>
               <a:rPr lang="en-US" sz="1400" dirty="0" smtClean="0"/>
-              <a:t>sub-problems </a:t>
-            </a:r>
-            <a:r>
-              <a:rPr lang="en-US" sz="1400" dirty="0" smtClean="0"/>
-              <a:t>X, Y</a:t>
+              <a:t>sub-problems X, Y</a:t>
             </a:r>
           </a:p>
           <a:p>
@@ -14469,11 +14473,7 @@
             </a:r>
             <a:r>
               <a:rPr lang="en-US" dirty="0" smtClean="0"/>
-              <a:t>s re-usable functions (components</a:t>
-            </a:r>
-            <a:r>
-              <a:rPr lang="en-US" dirty="0" smtClean="0"/>
-              <a:t>).</a:t>
+              <a:t>s re-usable functions (components).</a:t>
             </a:r>
             <a:endParaRPr lang="en-US" dirty="0"/>
           </a:p>
@@ -14666,11 +14666,7 @@
           <a:p>
             <a:r>
               <a:rPr lang="en-US" dirty="0" smtClean="0"/>
-              <a:t>Pre-designed solution </a:t>
-            </a:r>
-            <a:r>
-              <a:rPr lang="en-US" dirty="0" smtClean="0"/>
-              <a:t>reused.</a:t>
+              <a:t>Pre-designed solution reused.</a:t>
             </a:r>
             <a:endParaRPr lang="en-US" dirty="0"/>
           </a:p>
